--- a/3_Presentations/week 1/Rotor Hub and Pitch system.pptx
+++ b/3_Presentations/week 1/Rotor Hub and Pitch system.pptx
@@ -118,7 +118,7 @@
   </p:defaultTextStyle>
   <p:extLst>
     <p:ext uri="{521415D9-36F7-43E2-AB2F-B90AF26B5E84}">
-      <p14:sectionLst xmlns:p14="http://schemas.microsoft.com/office/powerpoint/2010/main" xmlns="">
+      <p14:sectionLst xmlns:p14="http://schemas.microsoft.com/office/powerpoint/2010/main">
         <p14:section name="first slide" id="{EBA04D78-D1FF-49F4-BDD6-03EE135E606E}">
           <p14:sldIdLst>
             <p14:sldId id="256"/>
@@ -127,33 +127,40 @@
         <p14:section name="text slide" id="{65043596-36B7-4360-BB5C-7A99EFAEC5C9}">
           <p14:sldIdLst>
             <p14:sldId id="259"/>
+            <p14:sldId id="267"/>
           </p14:sldIdLst>
         </p14:section>
         <p14:section name="graph slide" id="{B26F6679-C236-4D3D-BC2F-CAE5ED400718}">
           <p14:sldIdLst>
             <p14:sldId id="261"/>
+            <p14:sldId id="264"/>
+            <p14:sldId id="268"/>
+            <p14:sldId id="269"/>
+            <p14:sldId id="270"/>
+            <p14:sldId id="262"/>
           </p14:sldIdLst>
         </p14:section>
         <p14:section name="bibliography" id="{2ECB0A3B-7D16-4F98-AD6A-5308DF7BF078}">
-          <p14:sldIdLst>
-            <p14:sldId id="260"/>
-          </p14:sldIdLst>
+          <p14:sldIdLst/>
         </p14:section>
       </p14:sectionLst>
     </p:ext>
     <p:ext uri="{EFAFB233-063F-42B5-8137-9DF3F51BA10A}">
-      <p15:sldGuideLst xmlns:p15="http://schemas.microsoft.com/office/powerpoint/2012/main" xmlns=""/>
+      <p15:sldGuideLst xmlns:p15="http://schemas.microsoft.com/office/powerpoint/2012/main">
+        <p15:guide id="1" orient="horz" pos="2160">
+          <p15:clr>
+            <a:srgbClr val="A4A3A4"/>
+          </p15:clr>
+        </p15:guide>
+        <p15:guide id="2" pos="3840">
+          <p15:clr>
+            <a:srgbClr val="A4A3A4"/>
+          </p15:clr>
+        </p15:guide>
+      </p15:sldGuideLst>
     </p:ext>
   </p:extLst>
 </p:presentation>
-</file>
-
-<file path=ppt/revisionInfo.xml><?xml version="1.0" encoding="utf-8"?>
-<p1510:revInfo xmlns:a="http://schemas.openxmlformats.org/drawingml/2006/main" xmlns:r="http://schemas.openxmlformats.org/officeDocument/2006/relationships" xmlns:p1510="http://schemas.microsoft.com/office/powerpoint/2015/10/main">
-  <p1510:revLst>
-    <p1510:client id="{7F647D34-D33E-48E0-A95C-ECB4D4FB2F80}" v="19" dt="2025-08-25T21:26:47.509"/>
-  </p1510:revLst>
-</p1510:revInfo>
 </file>
 
 <file path=ppt/changesInfos/changesInfo1.xml><?xml version="1.0" encoding="utf-8"?>
@@ -171,110 +178,6 @@
           <pc:docMk/>
           <pc:sldMk cId="736408120" sldId="256"/>
         </pc:sldMkLst>
-        <pc:spChg chg="mod">
-          <ac:chgData name="Federico De Mita" userId="6ce638df-d46f-4fb8-b9fa-d85fcdec2cd5" providerId="ADAL" clId="{7F647D34-D33E-48E0-A95C-ECB4D4FB2F80}" dt="2025-08-24T07:09:38.160" v="359" actId="20577"/>
-          <ac:spMkLst>
-            <pc:docMk/>
-            <pc:sldMk cId="736408120" sldId="256"/>
-            <ac:spMk id="2" creationId="{99F47672-3CC8-A3D9-5404-84F2B78B6280}"/>
-          </ac:spMkLst>
-        </pc:spChg>
-        <pc:spChg chg="mod">
-          <ac:chgData name="Federico De Mita" userId="6ce638df-d46f-4fb8-b9fa-d85fcdec2cd5" providerId="ADAL" clId="{7F647D34-D33E-48E0-A95C-ECB4D4FB2F80}" dt="2025-08-24T07:09:49.727" v="363" actId="20577"/>
-          <ac:spMkLst>
-            <pc:docMk/>
-            <pc:sldMk cId="736408120" sldId="256"/>
-            <ac:spMk id="3" creationId="{277A63BB-08BE-619B-2533-3CC69CC19E93}"/>
-          </ac:spMkLst>
-        </pc:spChg>
-        <pc:spChg chg="add mod">
-          <ac:chgData name="Federico De Mita" userId="6ce638df-d46f-4fb8-b9fa-d85fcdec2cd5" providerId="ADAL" clId="{7F647D34-D33E-48E0-A95C-ECB4D4FB2F80}" dt="2025-08-24T06:44:21.454" v="27" actId="20577"/>
-          <ac:spMkLst>
-            <pc:docMk/>
-            <pc:sldMk cId="736408120" sldId="256"/>
-            <ac:spMk id="4" creationId="{735E7E19-AD9A-2739-2D13-BC73EA4C7596}"/>
-          </ac:spMkLst>
-        </pc:spChg>
-        <pc:spChg chg="add mod">
-          <ac:chgData name="Federico De Mita" userId="6ce638df-d46f-4fb8-b9fa-d85fcdec2cd5" providerId="ADAL" clId="{7F647D34-D33E-48E0-A95C-ECB4D4FB2F80}" dt="2025-08-25T21:14:12.709" v="1065" actId="1076"/>
-          <ac:spMkLst>
-            <pc:docMk/>
-            <pc:sldMk cId="736408120" sldId="256"/>
-            <ac:spMk id="5" creationId="{6CFD3355-936A-639E-865B-5B50AA61540E}"/>
-          </ac:spMkLst>
-        </pc:spChg>
-        <pc:spChg chg="mod">
-          <ac:chgData name="Federico De Mita" userId="6ce638df-d46f-4fb8-b9fa-d85fcdec2cd5" providerId="ADAL" clId="{7F647D34-D33E-48E0-A95C-ECB4D4FB2F80}" dt="2025-08-24T07:16:16.132" v="365" actId="403"/>
-          <ac:spMkLst>
-            <pc:docMk/>
-            <pc:sldMk cId="736408120" sldId="256"/>
-            <ac:spMk id="6" creationId="{5C14389E-5559-8492-2D9E-AFA299DB9AB1}"/>
-          </ac:spMkLst>
-        </pc:spChg>
-        <pc:spChg chg="add mod">
-          <ac:chgData name="Federico De Mita" userId="6ce638df-d46f-4fb8-b9fa-d85fcdec2cd5" providerId="ADAL" clId="{7F647D34-D33E-48E0-A95C-ECB4D4FB2F80}" dt="2025-08-25T21:13:29.017" v="1056" actId="20577"/>
-          <ac:spMkLst>
-            <pc:docMk/>
-            <pc:sldMk cId="736408120" sldId="256"/>
-            <ac:spMk id="7" creationId="{861AC3B9-6AD8-9E6B-B71A-877372CBAEAB}"/>
-          </ac:spMkLst>
-        </pc:spChg>
-        <pc:spChg chg="add mod">
-          <ac:chgData name="Federico De Mita" userId="6ce638df-d46f-4fb8-b9fa-d85fcdec2cd5" providerId="ADAL" clId="{7F647D34-D33E-48E0-A95C-ECB4D4FB2F80}" dt="2025-08-25T21:14:48.544" v="1074" actId="113"/>
-          <ac:spMkLst>
-            <pc:docMk/>
-            <pc:sldMk cId="736408120" sldId="256"/>
-            <ac:spMk id="10" creationId="{A26E9301-DB25-EAFA-68A0-B23D335ED25A}"/>
-          </ac:spMkLst>
-        </pc:spChg>
-        <pc:spChg chg="mod">
-          <ac:chgData name="Federico De Mita" userId="6ce638df-d46f-4fb8-b9fa-d85fcdec2cd5" providerId="ADAL" clId="{7F647D34-D33E-48E0-A95C-ECB4D4FB2F80}" dt="2025-08-24T06:59:37.646" v="190" actId="20577"/>
-          <ac:spMkLst>
-            <pc:docMk/>
-            <pc:sldMk cId="736408120" sldId="256"/>
-            <ac:spMk id="13" creationId="{132D16E5-6BE7-8FC8-CFB3-81C918BB45F1}"/>
-          </ac:spMkLst>
-        </pc:spChg>
-        <pc:spChg chg="mod">
-          <ac:chgData name="Federico De Mita" userId="6ce638df-d46f-4fb8-b9fa-d85fcdec2cd5" providerId="ADAL" clId="{7F647D34-D33E-48E0-A95C-ECB4D4FB2F80}" dt="2025-08-24T06:52:28.850" v="50" actId="1076"/>
-          <ac:spMkLst>
-            <pc:docMk/>
-            <pc:sldMk cId="736408120" sldId="256"/>
-            <ac:spMk id="36" creationId="{2AC7F7CE-A165-18C0-6918-B9EA07638042}"/>
-          </ac:spMkLst>
-        </pc:spChg>
-        <pc:picChg chg="mod">
-          <ac:chgData name="Federico De Mita" userId="6ce638df-d46f-4fb8-b9fa-d85fcdec2cd5" providerId="ADAL" clId="{7F647D34-D33E-48E0-A95C-ECB4D4FB2F80}" dt="2025-08-24T07:09:16.423" v="338" actId="1038"/>
-          <ac:picMkLst>
-            <pc:docMk/>
-            <pc:sldMk cId="736408120" sldId="256"/>
-            <ac:picMk id="8" creationId="{E88D30C2-B846-594F-69A8-55F55380460E}"/>
-          </ac:picMkLst>
-        </pc:picChg>
-        <pc:picChg chg="mod">
-          <ac:chgData name="Federico De Mita" userId="6ce638df-d46f-4fb8-b9fa-d85fcdec2cd5" providerId="ADAL" clId="{7F647D34-D33E-48E0-A95C-ECB4D4FB2F80}" dt="2025-08-24T07:09:16.423" v="338" actId="1038"/>
-          <ac:picMkLst>
-            <pc:docMk/>
-            <pc:sldMk cId="736408120" sldId="256"/>
-            <ac:picMk id="9" creationId="{EE7EEC8C-633A-AEB3-3E8A-978E3C75A188}"/>
-          </ac:picMkLst>
-        </pc:picChg>
-        <pc:picChg chg="mod">
-          <ac:chgData name="Federico De Mita" userId="6ce638df-d46f-4fb8-b9fa-d85fcdec2cd5" providerId="ADAL" clId="{7F647D34-D33E-48E0-A95C-ECB4D4FB2F80}" dt="2025-08-24T07:09:26.808" v="339" actId="1076"/>
-          <ac:picMkLst>
-            <pc:docMk/>
-            <pc:sldMk cId="736408120" sldId="256"/>
-            <ac:picMk id="11" creationId="{D13120F1-DE8B-A6AA-A1D5-19926A98F028}"/>
-          </ac:picMkLst>
-        </pc:picChg>
-        <pc:picChg chg="mod ord">
-          <ac:chgData name="Federico De Mita" userId="6ce638df-d46f-4fb8-b9fa-d85fcdec2cd5" providerId="ADAL" clId="{7F647D34-D33E-48E0-A95C-ECB4D4FB2F80}" dt="2025-08-24T06:44:09.638" v="26" actId="1076"/>
-          <ac:picMkLst>
-            <pc:docMk/>
-            <pc:sldMk cId="736408120" sldId="256"/>
-            <ac:picMk id="19" creationId="{2FD2ECB6-38EA-E857-A881-0C8E141A489F}"/>
-          </ac:picMkLst>
-        </pc:picChg>
       </pc:sldChg>
       <pc:sldChg chg="addSp delSp modSp mod ord">
         <pc:chgData name="Federico De Mita" userId="6ce638df-d46f-4fb8-b9fa-d85fcdec2cd5" providerId="ADAL" clId="{7F647D34-D33E-48E0-A95C-ECB4D4FB2F80}" dt="2025-08-25T21:27:24.534" v="1714" actId="20577"/>
@@ -282,94 +185,6 @@
           <pc:docMk/>
           <pc:sldMk cId="1106553756" sldId="259"/>
         </pc:sldMkLst>
-        <pc:spChg chg="mod ord">
-          <ac:chgData name="Federico De Mita" userId="6ce638df-d46f-4fb8-b9fa-d85fcdec2cd5" providerId="ADAL" clId="{7F647D34-D33E-48E0-A95C-ECB4D4FB2F80}" dt="2025-08-25T21:15:59.670" v="1150" actId="20577"/>
-          <ac:spMkLst>
-            <pc:docMk/>
-            <pc:sldMk cId="1106553756" sldId="259"/>
-            <ac:spMk id="2" creationId="{FEBE381E-3397-D2E2-45A9-C6F7EAF78AC9}"/>
-          </ac:spMkLst>
-        </pc:spChg>
-        <pc:spChg chg="add del mod">
-          <ac:chgData name="Federico De Mita" userId="6ce638df-d46f-4fb8-b9fa-d85fcdec2cd5" providerId="ADAL" clId="{7F647D34-D33E-48E0-A95C-ECB4D4FB2F80}" dt="2025-08-24T07:02:05.597" v="204" actId="478"/>
-          <ac:spMkLst>
-            <pc:docMk/>
-            <pc:sldMk cId="1106553756" sldId="259"/>
-            <ac:spMk id="3" creationId="{DE225F76-A4E2-D552-DB6B-A2E9F97B4FE7}"/>
-          </ac:spMkLst>
-        </pc:spChg>
-        <pc:spChg chg="del mod">
-          <ac:chgData name="Federico De Mita" userId="6ce638df-d46f-4fb8-b9fa-d85fcdec2cd5" providerId="ADAL" clId="{7F647D34-D33E-48E0-A95C-ECB4D4FB2F80}" dt="2025-08-24T06:53:40.448" v="58" actId="478"/>
-          <ac:spMkLst>
-            <pc:docMk/>
-            <pc:sldMk cId="1106553756" sldId="259"/>
-            <ac:spMk id="4" creationId="{2C09FF75-6D4C-2FE0-4D87-44FF99C626C0}"/>
-          </ac:spMkLst>
-        </pc:spChg>
-        <pc:spChg chg="add mod">
-          <ac:chgData name="Federico De Mita" userId="6ce638df-d46f-4fb8-b9fa-d85fcdec2cd5" providerId="ADAL" clId="{7F647D34-D33E-48E0-A95C-ECB4D4FB2F80}" dt="2025-08-24T07:16:26.700" v="367" actId="403"/>
-          <ac:spMkLst>
-            <pc:docMk/>
-            <pc:sldMk cId="1106553756" sldId="259"/>
-            <ac:spMk id="5" creationId="{9E0AA001-DA32-5B78-E7F7-573800334952}"/>
-          </ac:spMkLst>
-        </pc:spChg>
-        <pc:spChg chg="add mod">
-          <ac:chgData name="Federico De Mita" userId="6ce638df-d46f-4fb8-b9fa-d85fcdec2cd5" providerId="ADAL" clId="{7F647D34-D33E-48E0-A95C-ECB4D4FB2F80}" dt="2025-08-25T21:19:44.288" v="1330" actId="1076"/>
-          <ac:spMkLst>
-            <pc:docMk/>
-            <pc:sldMk cId="1106553756" sldId="259"/>
-            <ac:spMk id="7" creationId="{41BF6721-DD3D-FCAE-21D2-4C5A137EDCBF}"/>
-          </ac:spMkLst>
-        </pc:spChg>
-        <pc:spChg chg="add mod">
-          <ac:chgData name="Federico De Mita" userId="6ce638df-d46f-4fb8-b9fa-d85fcdec2cd5" providerId="ADAL" clId="{7F647D34-D33E-48E0-A95C-ECB4D4FB2F80}" dt="2025-08-25T21:27:24.534" v="1714" actId="20577"/>
-          <ac:spMkLst>
-            <pc:docMk/>
-            <pc:sldMk cId="1106553756" sldId="259"/>
-            <ac:spMk id="8" creationId="{084602E4-E43C-F8BE-6C61-F1F0DB292A7B}"/>
-          </ac:spMkLst>
-        </pc:spChg>
-        <pc:spChg chg="mod">
-          <ac:chgData name="Federico De Mita" userId="6ce638df-d46f-4fb8-b9fa-d85fcdec2cd5" providerId="ADAL" clId="{7F647D34-D33E-48E0-A95C-ECB4D4FB2F80}" dt="2025-08-24T07:00:26.956" v="193" actId="1076"/>
-          <ac:spMkLst>
-            <pc:docMk/>
-            <pc:sldMk cId="1106553756" sldId="259"/>
-            <ac:spMk id="10" creationId="{5F9413CA-8E0D-B250-B31E-4AA68BA7D014}"/>
-          </ac:spMkLst>
-        </pc:spChg>
-        <pc:spChg chg="add mod">
-          <ac:chgData name="Federico De Mita" userId="6ce638df-d46f-4fb8-b9fa-d85fcdec2cd5" providerId="ADAL" clId="{7F647D34-D33E-48E0-A95C-ECB4D4FB2F80}" dt="2025-08-25T21:19:44.288" v="1330" actId="1076"/>
-          <ac:spMkLst>
-            <pc:docMk/>
-            <pc:sldMk cId="1106553756" sldId="259"/>
-            <ac:spMk id="12" creationId="{31219737-21CE-D5E6-AEFE-582C884BCDB3}"/>
-          </ac:spMkLst>
-        </pc:spChg>
-        <pc:spChg chg="mod">
-          <ac:chgData name="Federico De Mita" userId="6ce638df-d46f-4fb8-b9fa-d85fcdec2cd5" providerId="ADAL" clId="{7F647D34-D33E-48E0-A95C-ECB4D4FB2F80}" dt="2025-08-24T06:50:28.220" v="38" actId="20577"/>
-          <ac:spMkLst>
-            <pc:docMk/>
-            <pc:sldMk cId="1106553756" sldId="259"/>
-            <ac:spMk id="18" creationId="{837C855E-F70E-F97A-5061-29D00BA11349}"/>
-          </ac:spMkLst>
-        </pc:spChg>
-        <pc:spChg chg="mod">
-          <ac:chgData name="Federico De Mita" userId="6ce638df-d46f-4fb8-b9fa-d85fcdec2cd5" providerId="ADAL" clId="{7F647D34-D33E-48E0-A95C-ECB4D4FB2F80}" dt="2025-08-25T21:19:34.447" v="1329" actId="1076"/>
-          <ac:spMkLst>
-            <pc:docMk/>
-            <pc:sldMk cId="1106553756" sldId="259"/>
-            <ac:spMk id="19" creationId="{26533BD2-7016-D99B-8D14-5716721F009D}"/>
-          </ac:spMkLst>
-        </pc:spChg>
-        <pc:cxnChg chg="add mod">
-          <ac:chgData name="Federico De Mita" userId="6ce638df-d46f-4fb8-b9fa-d85fcdec2cd5" providerId="ADAL" clId="{7F647D34-D33E-48E0-A95C-ECB4D4FB2F80}" dt="2025-08-24T07:06:41.407" v="254" actId="1035"/>
-          <ac:cxnSpMkLst>
-            <pc:docMk/>
-            <pc:sldMk cId="1106553756" sldId="259"/>
-            <ac:cxnSpMk id="6" creationId="{8873AD17-49A9-1372-BEA3-994BB76CBDE8}"/>
-          </ac:cxnSpMkLst>
-        </pc:cxnChg>
       </pc:sldChg>
       <pc:sldChg chg="new del ord">
         <pc:chgData name="Federico De Mita" userId="6ce638df-d46f-4fb8-b9fa-d85fcdec2cd5" providerId="ADAL" clId="{7F647D34-D33E-48E0-A95C-ECB4D4FB2F80}" dt="2025-08-24T07:07:10.949" v="258" actId="47"/>
@@ -384,30 +199,6 @@
           <pc:docMk/>
           <pc:sldMk cId="348206051" sldId="260"/>
         </pc:sldMkLst>
-        <pc:spChg chg="add mod">
-          <ac:chgData name="Federico De Mita" userId="6ce638df-d46f-4fb8-b9fa-d85fcdec2cd5" providerId="ADAL" clId="{7F647D34-D33E-48E0-A95C-ECB4D4FB2F80}" dt="2025-08-24T06:53:48.576" v="61"/>
-          <ac:spMkLst>
-            <pc:docMk/>
-            <pc:sldMk cId="348206051" sldId="260"/>
-            <ac:spMk id="3" creationId="{1490AFEA-A0F9-48C7-CBBD-B3BA53401493}"/>
-          </ac:spMkLst>
-        </pc:spChg>
-        <pc:spChg chg="del">
-          <ac:chgData name="Federico De Mita" userId="6ce638df-d46f-4fb8-b9fa-d85fcdec2cd5" providerId="ADAL" clId="{7F647D34-D33E-48E0-A95C-ECB4D4FB2F80}" dt="2025-08-24T06:53:47.722" v="60" actId="478"/>
-          <ac:spMkLst>
-            <pc:docMk/>
-            <pc:sldMk cId="348206051" sldId="260"/>
-            <ac:spMk id="4" creationId="{81CEAEEA-2CEF-8D93-07A0-1C5C25CEDE5F}"/>
-          </ac:spMkLst>
-        </pc:spChg>
-        <pc:spChg chg="mod">
-          <ac:chgData name="Federico De Mita" userId="6ce638df-d46f-4fb8-b9fa-d85fcdec2cd5" providerId="ADAL" clId="{7F647D34-D33E-48E0-A95C-ECB4D4FB2F80}" dt="2025-08-24T07:05:42.427" v="216" actId="1076"/>
-          <ac:spMkLst>
-            <pc:docMk/>
-            <pc:sldMk cId="348206051" sldId="260"/>
-            <ac:spMk id="19" creationId="{99F0D8BA-ED07-B516-C10B-C7138D769AC6}"/>
-          </ac:spMkLst>
-        </pc:spChg>
       </pc:sldChg>
       <pc:sldChg chg="delSp add del mod">
         <pc:chgData name="Federico De Mita" userId="6ce638df-d46f-4fb8-b9fa-d85fcdec2cd5" providerId="ADAL" clId="{7F647D34-D33E-48E0-A95C-ECB4D4FB2F80}" dt="2025-08-24T06:42:39.485" v="20" actId="47"/>
@@ -415,14 +206,6 @@
           <pc:docMk/>
           <pc:sldMk cId="1061751898" sldId="260"/>
         </pc:sldMkLst>
-        <pc:spChg chg="del">
-          <ac:chgData name="Federico De Mita" userId="6ce638df-d46f-4fb8-b9fa-d85fcdec2cd5" providerId="ADAL" clId="{7F647D34-D33E-48E0-A95C-ECB4D4FB2F80}" dt="2025-08-24T06:42:36.275" v="19" actId="478"/>
-          <ac:spMkLst>
-            <pc:docMk/>
-            <pc:sldMk cId="1061751898" sldId="260"/>
-            <ac:spMk id="18" creationId="{C6D0141B-1792-8A4C-4F22-64A6539286A2}"/>
-          </ac:spMkLst>
-        </pc:spChg>
       </pc:sldChg>
       <pc:sldChg chg="new del">
         <pc:chgData name="Federico De Mita" userId="6ce638df-d46f-4fb8-b9fa-d85fcdec2cd5" providerId="ADAL" clId="{7F647D34-D33E-48E0-A95C-ECB4D4FB2F80}" dt="2025-08-24T06:42:08.227" v="15" actId="2696"/>
@@ -444,62 +227,6 @@
           <pc:docMk/>
           <pc:sldMk cId="3877941250" sldId="260"/>
         </pc:sldMkLst>
-        <pc:spChg chg="mod">
-          <ac:chgData name="Federico De Mita" userId="6ce638df-d46f-4fb8-b9fa-d85fcdec2cd5" providerId="ADAL" clId="{7F647D34-D33E-48E0-A95C-ECB4D4FB2F80}" dt="2025-08-24T07:07:27.418" v="278" actId="14100"/>
-          <ac:spMkLst>
-            <pc:docMk/>
-            <pc:sldMk cId="3877941250" sldId="260"/>
-            <ac:spMk id="2" creationId="{25E1DA7A-832B-59A9-3560-8C4D55C27346}"/>
-          </ac:spMkLst>
-        </pc:spChg>
-        <pc:spChg chg="mod">
-          <ac:chgData name="Federico De Mita" userId="6ce638df-d46f-4fb8-b9fa-d85fcdec2cd5" providerId="ADAL" clId="{7F647D34-D33E-48E0-A95C-ECB4D4FB2F80}" dt="2025-08-24T07:16:36.667" v="369" actId="403"/>
-          <ac:spMkLst>
-            <pc:docMk/>
-            <pc:sldMk cId="3877941250" sldId="260"/>
-            <ac:spMk id="5" creationId="{5637D13D-45AC-B8AD-BD11-124F64379702}"/>
-          </ac:spMkLst>
-        </pc:spChg>
-        <pc:spChg chg="mod">
-          <ac:chgData name="Federico De Mita" userId="6ce638df-d46f-4fb8-b9fa-d85fcdec2cd5" providerId="ADAL" clId="{7F647D34-D33E-48E0-A95C-ECB4D4FB2F80}" dt="2025-08-25T21:23:36.542" v="1392"/>
-          <ac:spMkLst>
-            <pc:docMk/>
-            <pc:sldMk cId="3877941250" sldId="260"/>
-            <ac:spMk id="19" creationId="{E32C03B4-4368-B8A0-5078-A33BA60C0D0C}"/>
-          </ac:spMkLst>
-        </pc:spChg>
-        <pc:spChg chg="add mod">
-          <ac:chgData name="Federico De Mita" userId="6ce638df-d46f-4fb8-b9fa-d85fcdec2cd5" providerId="ADAL" clId="{7F647D34-D33E-48E0-A95C-ECB4D4FB2F80}" dt="2025-08-25T21:26:47.499" v="1679" actId="20577"/>
-          <ac:spMkLst>
-            <pc:docMk/>
-            <pc:sldMk cId="3877941250" sldId="260"/>
-            <ac:spMk id="23" creationId="{6EA0442D-BBB2-ADD2-0E46-E97A2C5F0BB0}"/>
-          </ac:spMkLst>
-        </pc:spChg>
-        <pc:cxnChg chg="add del mod">
-          <ac:chgData name="Federico De Mita" userId="6ce638df-d46f-4fb8-b9fa-d85fcdec2cd5" providerId="ADAL" clId="{7F647D34-D33E-48E0-A95C-ECB4D4FB2F80}" dt="2025-08-25T21:24:28.095" v="1402" actId="478"/>
-          <ac:cxnSpMkLst>
-            <pc:docMk/>
-            <pc:sldMk cId="3877941250" sldId="260"/>
-            <ac:cxnSpMk id="4" creationId="{849B67AA-4CD6-6D33-B95B-5FB57A5302E4}"/>
-          </ac:cxnSpMkLst>
-        </pc:cxnChg>
-        <pc:cxnChg chg="add del">
-          <ac:chgData name="Federico De Mita" userId="6ce638df-d46f-4fb8-b9fa-d85fcdec2cd5" providerId="ADAL" clId="{7F647D34-D33E-48E0-A95C-ECB4D4FB2F80}" dt="2025-08-25T21:24:36.243" v="1404" actId="478"/>
-          <ac:cxnSpMkLst>
-            <pc:docMk/>
-            <pc:sldMk cId="3877941250" sldId="260"/>
-            <ac:cxnSpMk id="20" creationId="{479BC082-9309-0708-1ABC-3BEEC885940E}"/>
-          </ac:cxnSpMkLst>
-        </pc:cxnChg>
-        <pc:cxnChg chg="add mod">
-          <ac:chgData name="Federico De Mita" userId="6ce638df-d46f-4fb8-b9fa-d85fcdec2cd5" providerId="ADAL" clId="{7F647D34-D33E-48E0-A95C-ECB4D4FB2F80}" dt="2025-08-25T21:25:12.534" v="1414" actId="14100"/>
-          <ac:cxnSpMkLst>
-            <pc:docMk/>
-            <pc:sldMk cId="3877941250" sldId="260"/>
-            <ac:cxnSpMk id="22" creationId="{93A9F771-456C-8271-803C-A91BEF30D645}"/>
-          </ac:cxnSpMkLst>
-        </pc:cxnChg>
       </pc:sldChg>
       <pc:sldChg chg="add del">
         <pc:chgData name="Federico De Mita" userId="6ce638df-d46f-4fb8-b9fa-d85fcdec2cd5" providerId="ADAL" clId="{7F647D34-D33E-48E0-A95C-ECB4D4FB2F80}" dt="2025-08-24T06:42:19.497" v="17" actId="2696"/>
@@ -514,54 +241,6 @@
           <pc:docMk/>
           <pc:sldMk cId="1454698392" sldId="261"/>
         </pc:sldMkLst>
-        <pc:spChg chg="mod">
-          <ac:chgData name="Federico De Mita" userId="6ce638df-d46f-4fb8-b9fa-d85fcdec2cd5" providerId="ADAL" clId="{7F647D34-D33E-48E0-A95C-ECB4D4FB2F80}" dt="2025-08-25T20:48:46.556" v="434" actId="20577"/>
-          <ac:spMkLst>
-            <pc:docMk/>
-            <pc:sldMk cId="1454698392" sldId="261"/>
-            <ac:spMk id="2" creationId="{3081C68D-A10F-787B-9D27-64DAD93096E5}"/>
-          </ac:spMkLst>
-        </pc:spChg>
-        <pc:spChg chg="add mod">
-          <ac:chgData name="Federico De Mita" userId="6ce638df-d46f-4fb8-b9fa-d85fcdec2cd5" providerId="ADAL" clId="{7F647D34-D33E-48E0-A95C-ECB4D4FB2F80}" dt="2025-08-25T21:10:12.608" v="945" actId="20577"/>
-          <ac:spMkLst>
-            <pc:docMk/>
-            <pc:sldMk cId="1454698392" sldId="261"/>
-            <ac:spMk id="3" creationId="{3D0DF3CF-4A39-0E64-B433-816E30BACBB2}"/>
-          </ac:spMkLst>
-        </pc:spChg>
-        <pc:spChg chg="add mod">
-          <ac:chgData name="Federico De Mita" userId="6ce638df-d46f-4fb8-b9fa-d85fcdec2cd5" providerId="ADAL" clId="{7F647D34-D33E-48E0-A95C-ECB4D4FB2F80}" dt="2025-08-25T21:08:54.488" v="910" actId="404"/>
-          <ac:spMkLst>
-            <pc:docMk/>
-            <pc:sldMk cId="1454698392" sldId="261"/>
-            <ac:spMk id="16" creationId="{EDCED80B-D67B-CFA0-2004-00811D4AD2C1}"/>
-          </ac:spMkLst>
-        </pc:spChg>
-        <pc:spChg chg="del mod">
-          <ac:chgData name="Federico De Mita" userId="6ce638df-d46f-4fb8-b9fa-d85fcdec2cd5" providerId="ADAL" clId="{7F647D34-D33E-48E0-A95C-ECB4D4FB2F80}" dt="2025-08-25T20:44:47.090" v="419"/>
-          <ac:spMkLst>
-            <pc:docMk/>
-            <pc:sldMk cId="1454698392" sldId="261"/>
-            <ac:spMk id="19" creationId="{459DFAEE-2103-652A-815F-B3AA11C34010}"/>
-          </ac:spMkLst>
-        </pc:spChg>
-        <pc:picChg chg="add mod">
-          <ac:chgData name="Federico De Mita" userId="6ce638df-d46f-4fb8-b9fa-d85fcdec2cd5" providerId="ADAL" clId="{7F647D34-D33E-48E0-A95C-ECB4D4FB2F80}" dt="2025-08-25T20:44:54.801" v="422" actId="1076"/>
-          <ac:picMkLst>
-            <pc:docMk/>
-            <pc:sldMk cId="1454698392" sldId="261"/>
-            <ac:picMk id="1026" creationId="{30D40453-7255-06C3-D83D-578B2A810F17}"/>
-          </ac:picMkLst>
-        </pc:picChg>
-        <pc:cxnChg chg="add mod">
-          <ac:chgData name="Federico De Mita" userId="6ce638df-d46f-4fb8-b9fa-d85fcdec2cd5" providerId="ADAL" clId="{7F647D34-D33E-48E0-A95C-ECB4D4FB2F80}" dt="2025-08-25T21:27:51.020" v="1715" actId="1582"/>
-          <ac:cxnSpMkLst>
-            <pc:docMk/>
-            <pc:sldMk cId="1454698392" sldId="261"/>
-            <ac:cxnSpMk id="7" creationId="{DA499EF1-3A60-16AC-05F2-9B94E7A02855}"/>
-          </ac:cxnSpMkLst>
-        </pc:cxnChg>
       </pc:sldChg>
       <pc:sldChg chg="add del">
         <pc:chgData name="Federico De Mita" userId="6ce638df-d46f-4fb8-b9fa-d85fcdec2cd5" providerId="ADAL" clId="{7F647D34-D33E-48E0-A95C-ECB4D4FB2F80}" dt="2025-08-25T21:18:42.353" v="1222"/>
@@ -583,24 +262,6 @@
             <pc:sldMasterMk cId="2725077284" sldId="2147483648"/>
             <pc:sldLayoutMk cId="4220339545" sldId="2147483649"/>
           </pc:sldLayoutMkLst>
-          <pc:spChg chg="del">
-            <ac:chgData name="Federico De Mita" userId="6ce638df-d46f-4fb8-b9fa-d85fcdec2cd5" providerId="ADAL" clId="{7F647D34-D33E-48E0-A95C-ECB4D4FB2F80}" dt="2025-08-24T06:51:17.644" v="44" actId="478"/>
-            <ac:spMkLst>
-              <pc:docMk/>
-              <pc:sldMasterMk cId="2725077284" sldId="2147483648"/>
-              <pc:sldLayoutMk cId="4220339545" sldId="2147483649"/>
-              <ac:spMk id="5" creationId="{62CC2C53-EACE-D4FD-3F7B-DEA4F5978208}"/>
-            </ac:spMkLst>
-          </pc:spChg>
-          <pc:spChg chg="mod">
-            <ac:chgData name="Federico De Mita" userId="6ce638df-d46f-4fb8-b9fa-d85fcdec2cd5" providerId="ADAL" clId="{7F647D34-D33E-48E0-A95C-ECB4D4FB2F80}" dt="2025-08-24T06:51:51.714" v="49" actId="14100"/>
-            <ac:spMkLst>
-              <pc:docMk/>
-              <pc:sldMasterMk cId="2725077284" sldId="2147483648"/>
-              <pc:sldLayoutMk cId="4220339545" sldId="2147483649"/>
-              <ac:spMk id="6" creationId="{93F83137-53E8-FAAE-F427-32424D867174}"/>
-            </ac:spMkLst>
-          </pc:spChg>
         </pc:sldLayoutChg>
         <pc:sldLayoutChg chg="delSp modSp mod">
           <pc:chgData name="Federico De Mita" userId="6ce638df-d46f-4fb8-b9fa-d85fcdec2cd5" providerId="ADAL" clId="{7F647D34-D33E-48E0-A95C-ECB4D4FB2F80}" dt="2025-08-24T06:50:00.864" v="34" actId="1076"/>
@@ -609,24 +270,6 @@
             <pc:sldMasterMk cId="2725077284" sldId="2147483648"/>
             <pc:sldLayoutMk cId="4227013450" sldId="2147483650"/>
           </pc:sldLayoutMkLst>
-          <pc:spChg chg="del mod">
-            <ac:chgData name="Federico De Mita" userId="6ce638df-d46f-4fb8-b9fa-d85fcdec2cd5" providerId="ADAL" clId="{7F647D34-D33E-48E0-A95C-ECB4D4FB2F80}" dt="2025-08-24T06:49:51.446" v="31" actId="478"/>
-            <ac:spMkLst>
-              <pc:docMk/>
-              <pc:sldMasterMk cId="2725077284" sldId="2147483648"/>
-              <pc:sldLayoutMk cId="4227013450" sldId="2147483650"/>
-              <ac:spMk id="5" creationId="{8DEC308B-090C-80EC-F65A-7F5981DDFF10}"/>
-            </ac:spMkLst>
-          </pc:spChg>
-          <pc:spChg chg="mod">
-            <ac:chgData name="Federico De Mita" userId="6ce638df-d46f-4fb8-b9fa-d85fcdec2cd5" providerId="ADAL" clId="{7F647D34-D33E-48E0-A95C-ECB4D4FB2F80}" dt="2025-08-24T06:50:00.864" v="34" actId="1076"/>
-            <ac:spMkLst>
-              <pc:docMk/>
-              <pc:sldMasterMk cId="2725077284" sldId="2147483648"/>
-              <pc:sldLayoutMk cId="4227013450" sldId="2147483650"/>
-              <ac:spMk id="6" creationId="{1E6B5D97-094A-D8D8-0C4D-1DC08462EC16}"/>
-            </ac:spMkLst>
-          </pc:spChg>
         </pc:sldLayoutChg>
       </pc:sldMasterChg>
       <pc:sldMasterChg chg="new mod addSldLayout">
@@ -900,7 +543,7 @@
             <a:fld id="{F652B7C8-164C-4140-932B-122F288D33CD}" type="datetimeFigureOut">
               <a:rPr lang="en-GB" smtClean="0"/>
               <a:pPr/>
-              <a:t>27/09/2025</a:t>
+              <a:t>29/09/2025</a:t>
             </a:fld>
             <a:endParaRPr lang="en-GB" dirty="0"/>
           </a:p>
@@ -1068,7 +711,7 @@
     </p:spTree>
     <p:extLst>
       <p:ext uri="{BB962C8B-B14F-4D97-AF65-F5344CB8AC3E}">
-        <p14:creationId xmlns:p14="http://schemas.microsoft.com/office/powerpoint/2010/main" xmlns="" val="3775679127"/>
+        <p14:creationId xmlns:p14="http://schemas.microsoft.com/office/powerpoint/2010/main" val="3775679127"/>
       </p:ext>
     </p:extLst>
   </p:cSld>
@@ -1243,7 +886,7 @@
     </p:spTree>
     <p:extLst>
       <p:ext uri="{BB962C8B-B14F-4D97-AF65-F5344CB8AC3E}">
-        <p14:creationId xmlns:p14="http://schemas.microsoft.com/office/powerpoint/2010/main" xmlns="" val="3115524448"/>
+        <p14:creationId xmlns:p14="http://schemas.microsoft.com/office/powerpoint/2010/main" val="3115524448"/>
       </p:ext>
     </p:extLst>
   </p:cSld>
@@ -1275,7 +918,7 @@
           <p:cNvPr id="2" name="Title 1">
             <a:extLst>
               <a:ext uri="{FF2B5EF4-FFF2-40B4-BE49-F238E27FC236}">
-                <a16:creationId xmlns:a16="http://schemas.microsoft.com/office/drawing/2014/main" xmlns="" id="{B809CFF2-C4A0-C88B-1E9C-7E8851385606}"/>
+                <a16:creationId xmlns:a16="http://schemas.microsoft.com/office/drawing/2014/main" id="{B809CFF2-C4A0-C88B-1E9C-7E8851385606}"/>
               </a:ext>
             </a:extLst>
           </p:cNvPr>
@@ -1312,7 +955,7 @@
           <p:cNvPr id="3" name="Subtitle 2">
             <a:extLst>
               <a:ext uri="{FF2B5EF4-FFF2-40B4-BE49-F238E27FC236}">
-                <a16:creationId xmlns:a16="http://schemas.microsoft.com/office/drawing/2014/main" xmlns="" id="{E0F93A8F-E2E3-B4BD-3B84-D178AF0ED977}"/>
+                <a16:creationId xmlns:a16="http://schemas.microsoft.com/office/drawing/2014/main" id="{E0F93A8F-E2E3-B4BD-3B84-D178AF0ED977}"/>
               </a:ext>
             </a:extLst>
           </p:cNvPr>
@@ -1382,7 +1025,7 @@
           <p:cNvPr id="4" name="Date Placeholder 3">
             <a:extLst>
               <a:ext uri="{FF2B5EF4-FFF2-40B4-BE49-F238E27FC236}">
-                <a16:creationId xmlns:a16="http://schemas.microsoft.com/office/drawing/2014/main" xmlns="" id="{10D5BFD4-B46B-34FE-9A8B-9033E96DC691}"/>
+                <a16:creationId xmlns:a16="http://schemas.microsoft.com/office/drawing/2014/main" id="{10D5BFD4-B46B-34FE-9A8B-9033E96DC691}"/>
               </a:ext>
             </a:extLst>
           </p:cNvPr>
@@ -1401,7 +1044,7 @@
             <a:fld id="{2F3C9596-F9A4-4033-A4EE-DA44E0969D95}" type="datetime1">
               <a:rPr lang="en-GB" smtClean="0"/>
               <a:pPr/>
-              <a:t>27/09/2025</a:t>
+              <a:t>29/09/2025</a:t>
             </a:fld>
             <a:endParaRPr lang="en-GB" dirty="0"/>
           </a:p>
@@ -1412,7 +1055,7 @@
           <p:cNvPr id="6" name="Slide Number Placeholder 5">
             <a:extLst>
               <a:ext uri="{FF2B5EF4-FFF2-40B4-BE49-F238E27FC236}">
-                <a16:creationId xmlns:a16="http://schemas.microsoft.com/office/drawing/2014/main" xmlns="" id="{93F83137-53E8-FAAE-F427-32424D867174}"/>
+                <a16:creationId xmlns:a16="http://schemas.microsoft.com/office/drawing/2014/main" id="{93F83137-53E8-FAAE-F427-32424D867174}"/>
               </a:ext>
             </a:extLst>
           </p:cNvPr>
@@ -1449,7 +1092,7 @@
     </p:spTree>
     <p:extLst>
       <p:ext uri="{BB962C8B-B14F-4D97-AF65-F5344CB8AC3E}">
-        <p14:creationId xmlns:p14="http://schemas.microsoft.com/office/powerpoint/2010/main" xmlns="" val="4220339545"/>
+        <p14:creationId xmlns:p14="http://schemas.microsoft.com/office/powerpoint/2010/main" val="4220339545"/>
       </p:ext>
     </p:extLst>
   </p:cSld>
@@ -1481,7 +1124,7 @@
           <p:cNvPr id="2" name="Title 1">
             <a:extLst>
               <a:ext uri="{FF2B5EF4-FFF2-40B4-BE49-F238E27FC236}">
-                <a16:creationId xmlns:a16="http://schemas.microsoft.com/office/drawing/2014/main" xmlns="" id="{C7F44B09-72C5-4D15-0E4C-46764EB8C8D5}"/>
+                <a16:creationId xmlns:a16="http://schemas.microsoft.com/office/drawing/2014/main" id="{C7F44B09-72C5-4D15-0E4C-46764EB8C8D5}"/>
               </a:ext>
             </a:extLst>
           </p:cNvPr>
@@ -1509,7 +1152,7 @@
           <p:cNvPr id="3" name="Vertical Text Placeholder 2">
             <a:extLst>
               <a:ext uri="{FF2B5EF4-FFF2-40B4-BE49-F238E27FC236}">
-                <a16:creationId xmlns:a16="http://schemas.microsoft.com/office/drawing/2014/main" xmlns="" id="{91B470E9-1D3C-D5B3-7A54-66BD90099702}"/>
+                <a16:creationId xmlns:a16="http://schemas.microsoft.com/office/drawing/2014/main" id="{91B470E9-1D3C-D5B3-7A54-66BD90099702}"/>
               </a:ext>
             </a:extLst>
           </p:cNvPr>
@@ -1566,7 +1209,7 @@
           <p:cNvPr id="4" name="Date Placeholder 3">
             <a:extLst>
               <a:ext uri="{FF2B5EF4-FFF2-40B4-BE49-F238E27FC236}">
-                <a16:creationId xmlns:a16="http://schemas.microsoft.com/office/drawing/2014/main" xmlns="" id="{53516D05-728D-ACC9-D7EA-DC9D733002C0}"/>
+                <a16:creationId xmlns:a16="http://schemas.microsoft.com/office/drawing/2014/main" id="{53516D05-728D-ACC9-D7EA-DC9D733002C0}"/>
               </a:ext>
             </a:extLst>
           </p:cNvPr>
@@ -1585,7 +1228,7 @@
             <a:fld id="{6DB1959B-8D34-4EAD-AA49-411AFEF090E9}" type="datetime1">
               <a:rPr lang="en-GB" smtClean="0"/>
               <a:pPr/>
-              <a:t>27/09/2025</a:t>
+              <a:t>29/09/2025</a:t>
             </a:fld>
             <a:endParaRPr lang="en-GB" dirty="0"/>
           </a:p>
@@ -1596,7 +1239,7 @@
           <p:cNvPr id="5" name="Footer Placeholder 4">
             <a:extLst>
               <a:ext uri="{FF2B5EF4-FFF2-40B4-BE49-F238E27FC236}">
-                <a16:creationId xmlns:a16="http://schemas.microsoft.com/office/drawing/2014/main" xmlns="" id="{EE74FC10-CEAF-B332-2960-AABF9CE254E0}"/>
+                <a16:creationId xmlns:a16="http://schemas.microsoft.com/office/drawing/2014/main" id="{EE74FC10-CEAF-B332-2960-AABF9CE254E0}"/>
               </a:ext>
             </a:extLst>
           </p:cNvPr>
@@ -1613,7 +1256,7 @@
           <a:lstStyle/>
           <a:p>
             <a:r>
-              <a:rPr lang="en-GB" smtClean="0"/>
+              <a:rPr lang="en-GB"/>
               <a:t>present by:</a:t>
             </a:r>
             <a:endParaRPr lang="en-GB" dirty="0"/>
@@ -1625,7 +1268,7 @@
           <p:cNvPr id="6" name="Slide Number Placeholder 5">
             <a:extLst>
               <a:ext uri="{FF2B5EF4-FFF2-40B4-BE49-F238E27FC236}">
-                <a16:creationId xmlns:a16="http://schemas.microsoft.com/office/drawing/2014/main" xmlns="" id="{7E6ED6E7-B58D-A523-935C-4B108C943DAE}"/>
+                <a16:creationId xmlns:a16="http://schemas.microsoft.com/office/drawing/2014/main" id="{7E6ED6E7-B58D-A523-935C-4B108C943DAE}"/>
               </a:ext>
             </a:extLst>
           </p:cNvPr>
@@ -1653,7 +1296,7 @@
     </p:spTree>
     <p:extLst>
       <p:ext uri="{BB962C8B-B14F-4D97-AF65-F5344CB8AC3E}">
-        <p14:creationId xmlns:p14="http://schemas.microsoft.com/office/powerpoint/2010/main" xmlns="" val="2868758281"/>
+        <p14:creationId xmlns:p14="http://schemas.microsoft.com/office/powerpoint/2010/main" val="2868758281"/>
       </p:ext>
     </p:extLst>
   </p:cSld>
@@ -1685,7 +1328,7 @@
           <p:cNvPr id="2" name="Vertical Title 1">
             <a:extLst>
               <a:ext uri="{FF2B5EF4-FFF2-40B4-BE49-F238E27FC236}">
-                <a16:creationId xmlns:a16="http://schemas.microsoft.com/office/drawing/2014/main" xmlns="" id="{4368A110-A33F-744D-89CB-FFCF49E08A8C}"/>
+                <a16:creationId xmlns:a16="http://schemas.microsoft.com/office/drawing/2014/main" id="{4368A110-A33F-744D-89CB-FFCF49E08A8C}"/>
               </a:ext>
             </a:extLst>
           </p:cNvPr>
@@ -1718,7 +1361,7 @@
           <p:cNvPr id="3" name="Vertical Text Placeholder 2">
             <a:extLst>
               <a:ext uri="{FF2B5EF4-FFF2-40B4-BE49-F238E27FC236}">
-                <a16:creationId xmlns:a16="http://schemas.microsoft.com/office/drawing/2014/main" xmlns="" id="{BDB6FACB-31E5-361F-D71D-18FCBA5503E9}"/>
+                <a16:creationId xmlns:a16="http://schemas.microsoft.com/office/drawing/2014/main" id="{BDB6FACB-31E5-361F-D71D-18FCBA5503E9}"/>
               </a:ext>
             </a:extLst>
           </p:cNvPr>
@@ -1780,7 +1423,7 @@
           <p:cNvPr id="4" name="Date Placeholder 3">
             <a:extLst>
               <a:ext uri="{FF2B5EF4-FFF2-40B4-BE49-F238E27FC236}">
-                <a16:creationId xmlns:a16="http://schemas.microsoft.com/office/drawing/2014/main" xmlns="" id="{D4A399A6-3C5A-016E-2F7E-AE842F8D7BA5}"/>
+                <a16:creationId xmlns:a16="http://schemas.microsoft.com/office/drawing/2014/main" id="{D4A399A6-3C5A-016E-2F7E-AE842F8D7BA5}"/>
               </a:ext>
             </a:extLst>
           </p:cNvPr>
@@ -1799,7 +1442,7 @@
             <a:fld id="{AAD33550-FE73-4433-B430-7240E6A3E8D8}" type="datetime1">
               <a:rPr lang="en-GB" smtClean="0"/>
               <a:pPr/>
-              <a:t>27/09/2025</a:t>
+              <a:t>29/09/2025</a:t>
             </a:fld>
             <a:endParaRPr lang="en-GB" dirty="0"/>
           </a:p>
@@ -1810,7 +1453,7 @@
           <p:cNvPr id="5" name="Footer Placeholder 4">
             <a:extLst>
               <a:ext uri="{FF2B5EF4-FFF2-40B4-BE49-F238E27FC236}">
-                <a16:creationId xmlns:a16="http://schemas.microsoft.com/office/drawing/2014/main" xmlns="" id="{016242F9-DB70-E4F8-D075-6A905187516A}"/>
+                <a16:creationId xmlns:a16="http://schemas.microsoft.com/office/drawing/2014/main" id="{016242F9-DB70-E4F8-D075-6A905187516A}"/>
               </a:ext>
             </a:extLst>
           </p:cNvPr>
@@ -1827,7 +1470,7 @@
           <a:lstStyle/>
           <a:p>
             <a:r>
-              <a:rPr lang="en-GB" smtClean="0"/>
+              <a:rPr lang="en-GB"/>
               <a:t>present by:</a:t>
             </a:r>
             <a:endParaRPr lang="en-GB" dirty="0"/>
@@ -1839,7 +1482,7 @@
           <p:cNvPr id="6" name="Slide Number Placeholder 5">
             <a:extLst>
               <a:ext uri="{FF2B5EF4-FFF2-40B4-BE49-F238E27FC236}">
-                <a16:creationId xmlns:a16="http://schemas.microsoft.com/office/drawing/2014/main" xmlns="" id="{81EFAB33-4759-572E-2291-D19531D81F22}"/>
+                <a16:creationId xmlns:a16="http://schemas.microsoft.com/office/drawing/2014/main" id="{81EFAB33-4759-572E-2291-D19531D81F22}"/>
               </a:ext>
             </a:extLst>
           </p:cNvPr>
@@ -1867,7 +1510,7 @@
     </p:spTree>
     <p:extLst>
       <p:ext uri="{BB962C8B-B14F-4D97-AF65-F5344CB8AC3E}">
-        <p14:creationId xmlns:p14="http://schemas.microsoft.com/office/powerpoint/2010/main" xmlns="" val="1391460136"/>
+        <p14:creationId xmlns:p14="http://schemas.microsoft.com/office/powerpoint/2010/main" val="1391460136"/>
       </p:ext>
     </p:extLst>
   </p:cSld>
@@ -1899,7 +1542,7 @@
           <p:cNvPr id="2" name="Title 1">
             <a:extLst>
               <a:ext uri="{FF2B5EF4-FFF2-40B4-BE49-F238E27FC236}">
-                <a16:creationId xmlns:a16="http://schemas.microsoft.com/office/drawing/2014/main" xmlns="" id="{C2EAEF21-84C8-586D-C38F-81DE3F931CED}"/>
+                <a16:creationId xmlns:a16="http://schemas.microsoft.com/office/drawing/2014/main" id="{C2EAEF21-84C8-586D-C38F-81DE3F931CED}"/>
               </a:ext>
             </a:extLst>
           </p:cNvPr>
@@ -1936,7 +1579,7 @@
           <p:cNvPr id="3" name="Subtitle 2">
             <a:extLst>
               <a:ext uri="{FF2B5EF4-FFF2-40B4-BE49-F238E27FC236}">
-                <a16:creationId xmlns:a16="http://schemas.microsoft.com/office/drawing/2014/main" xmlns="" id="{B313036B-E08D-B4B8-69CB-C42176842BDF}"/>
+                <a16:creationId xmlns:a16="http://schemas.microsoft.com/office/drawing/2014/main" id="{B313036B-E08D-B4B8-69CB-C42176842BDF}"/>
               </a:ext>
             </a:extLst>
           </p:cNvPr>
@@ -2006,7 +1649,7 @@
           <p:cNvPr id="4" name="Date Placeholder 3">
             <a:extLst>
               <a:ext uri="{FF2B5EF4-FFF2-40B4-BE49-F238E27FC236}">
-                <a16:creationId xmlns:a16="http://schemas.microsoft.com/office/drawing/2014/main" xmlns="" id="{7193DB72-09E0-8BDF-14B4-4FA2820C1DB6}"/>
+                <a16:creationId xmlns:a16="http://schemas.microsoft.com/office/drawing/2014/main" id="{7193DB72-09E0-8BDF-14B4-4FA2820C1DB6}"/>
               </a:ext>
             </a:extLst>
           </p:cNvPr>
@@ -2025,7 +1668,7 @@
             <a:fld id="{AA700041-C127-4D5E-B0DE-26B9490F337D}" type="datetime1">
               <a:rPr lang="en-GB" smtClean="0"/>
               <a:pPr/>
-              <a:t>27/09/2025</a:t>
+              <a:t>29/09/2025</a:t>
             </a:fld>
             <a:endParaRPr lang="en-GB" dirty="0"/>
           </a:p>
@@ -2036,7 +1679,7 @@
           <p:cNvPr id="5" name="Footer Placeholder 4">
             <a:extLst>
               <a:ext uri="{FF2B5EF4-FFF2-40B4-BE49-F238E27FC236}">
-                <a16:creationId xmlns:a16="http://schemas.microsoft.com/office/drawing/2014/main" xmlns="" id="{181F2740-59F3-8354-CF52-53337A807A6A}"/>
+                <a16:creationId xmlns:a16="http://schemas.microsoft.com/office/drawing/2014/main" id="{181F2740-59F3-8354-CF52-53337A807A6A}"/>
               </a:ext>
             </a:extLst>
           </p:cNvPr>
@@ -2053,7 +1696,7 @@
           <a:lstStyle/>
           <a:p>
             <a:r>
-              <a:rPr lang="en-GB" smtClean="0"/>
+              <a:rPr lang="en-GB"/>
               <a:t>present by:</a:t>
             </a:r>
             <a:endParaRPr lang="en-GB" dirty="0"/>
@@ -2065,7 +1708,7 @@
           <p:cNvPr id="6" name="Slide Number Placeholder 5">
             <a:extLst>
               <a:ext uri="{FF2B5EF4-FFF2-40B4-BE49-F238E27FC236}">
-                <a16:creationId xmlns:a16="http://schemas.microsoft.com/office/drawing/2014/main" xmlns="" id="{A80C06A1-E2ED-D4C3-86B0-3C97240937FD}"/>
+                <a16:creationId xmlns:a16="http://schemas.microsoft.com/office/drawing/2014/main" id="{A80C06A1-E2ED-D4C3-86B0-3C97240937FD}"/>
               </a:ext>
             </a:extLst>
           </p:cNvPr>
@@ -2093,7 +1736,7 @@
     </p:spTree>
     <p:extLst>
       <p:ext uri="{BB962C8B-B14F-4D97-AF65-F5344CB8AC3E}">
-        <p14:creationId xmlns:p14="http://schemas.microsoft.com/office/powerpoint/2010/main" xmlns="" val="3998508360"/>
+        <p14:creationId xmlns:p14="http://schemas.microsoft.com/office/powerpoint/2010/main" val="3998508360"/>
       </p:ext>
     </p:extLst>
   </p:cSld>
@@ -2125,7 +1768,7 @@
           <p:cNvPr id="2" name="Title 1">
             <a:extLst>
               <a:ext uri="{FF2B5EF4-FFF2-40B4-BE49-F238E27FC236}">
-                <a16:creationId xmlns:a16="http://schemas.microsoft.com/office/drawing/2014/main" xmlns="" id="{38F8E779-A5CF-33E3-89F5-B43337C27156}"/>
+                <a16:creationId xmlns:a16="http://schemas.microsoft.com/office/drawing/2014/main" id="{38F8E779-A5CF-33E3-89F5-B43337C27156}"/>
               </a:ext>
             </a:extLst>
           </p:cNvPr>
@@ -2153,7 +1796,7 @@
           <p:cNvPr id="3" name="Content Placeholder 2">
             <a:extLst>
               <a:ext uri="{FF2B5EF4-FFF2-40B4-BE49-F238E27FC236}">
-                <a16:creationId xmlns:a16="http://schemas.microsoft.com/office/drawing/2014/main" xmlns="" id="{7C69D232-4F34-AEFC-AFD0-741DABBA5F1E}"/>
+                <a16:creationId xmlns:a16="http://schemas.microsoft.com/office/drawing/2014/main" id="{7C69D232-4F34-AEFC-AFD0-741DABBA5F1E}"/>
               </a:ext>
             </a:extLst>
           </p:cNvPr>
@@ -2210,7 +1853,7 @@
           <p:cNvPr id="4" name="Date Placeholder 3">
             <a:extLst>
               <a:ext uri="{FF2B5EF4-FFF2-40B4-BE49-F238E27FC236}">
-                <a16:creationId xmlns:a16="http://schemas.microsoft.com/office/drawing/2014/main" xmlns="" id="{DC5F2E77-D5DF-1D17-C854-897B9DD3BE1B}"/>
+                <a16:creationId xmlns:a16="http://schemas.microsoft.com/office/drawing/2014/main" id="{DC5F2E77-D5DF-1D17-C854-897B9DD3BE1B}"/>
               </a:ext>
             </a:extLst>
           </p:cNvPr>
@@ -2229,7 +1872,7 @@
             <a:fld id="{33B4C255-69D7-488E-80B3-40FCA806DBD8}" type="datetime1">
               <a:rPr lang="en-GB" smtClean="0"/>
               <a:pPr/>
-              <a:t>27/09/2025</a:t>
+              <a:t>29/09/2025</a:t>
             </a:fld>
             <a:endParaRPr lang="en-GB" dirty="0"/>
           </a:p>
@@ -2240,7 +1883,7 @@
           <p:cNvPr id="5" name="Footer Placeholder 4">
             <a:extLst>
               <a:ext uri="{FF2B5EF4-FFF2-40B4-BE49-F238E27FC236}">
-                <a16:creationId xmlns:a16="http://schemas.microsoft.com/office/drawing/2014/main" xmlns="" id="{313614D6-F2CE-1582-32E1-94A59C7A802A}"/>
+                <a16:creationId xmlns:a16="http://schemas.microsoft.com/office/drawing/2014/main" id="{313614D6-F2CE-1582-32E1-94A59C7A802A}"/>
               </a:ext>
             </a:extLst>
           </p:cNvPr>
@@ -2257,7 +1900,7 @@
           <a:lstStyle/>
           <a:p>
             <a:r>
-              <a:rPr lang="en-GB" smtClean="0"/>
+              <a:rPr lang="en-GB"/>
               <a:t>present by:</a:t>
             </a:r>
             <a:endParaRPr lang="en-GB" dirty="0"/>
@@ -2269,7 +1912,7 @@
           <p:cNvPr id="6" name="Slide Number Placeholder 5">
             <a:extLst>
               <a:ext uri="{FF2B5EF4-FFF2-40B4-BE49-F238E27FC236}">
-                <a16:creationId xmlns:a16="http://schemas.microsoft.com/office/drawing/2014/main" xmlns="" id="{93C27D5C-0D68-9101-A36C-9187E79BB9B4}"/>
+                <a16:creationId xmlns:a16="http://schemas.microsoft.com/office/drawing/2014/main" id="{93C27D5C-0D68-9101-A36C-9187E79BB9B4}"/>
               </a:ext>
             </a:extLst>
           </p:cNvPr>
@@ -2297,7 +1940,7 @@
     </p:spTree>
     <p:extLst>
       <p:ext uri="{BB962C8B-B14F-4D97-AF65-F5344CB8AC3E}">
-        <p14:creationId xmlns:p14="http://schemas.microsoft.com/office/powerpoint/2010/main" xmlns="" val="1946392929"/>
+        <p14:creationId xmlns:p14="http://schemas.microsoft.com/office/powerpoint/2010/main" val="1946392929"/>
       </p:ext>
     </p:extLst>
   </p:cSld>
@@ -2329,7 +1972,7 @@
           <p:cNvPr id="2" name="Title 1">
             <a:extLst>
               <a:ext uri="{FF2B5EF4-FFF2-40B4-BE49-F238E27FC236}">
-                <a16:creationId xmlns:a16="http://schemas.microsoft.com/office/drawing/2014/main" xmlns="" id="{F2758CC5-208E-4B47-6CAD-E29FCCC3966A}"/>
+                <a16:creationId xmlns:a16="http://schemas.microsoft.com/office/drawing/2014/main" id="{F2758CC5-208E-4B47-6CAD-E29FCCC3966A}"/>
               </a:ext>
             </a:extLst>
           </p:cNvPr>
@@ -2366,7 +2009,7 @@
           <p:cNvPr id="3" name="Text Placeholder 2">
             <a:extLst>
               <a:ext uri="{FF2B5EF4-FFF2-40B4-BE49-F238E27FC236}">
-                <a16:creationId xmlns:a16="http://schemas.microsoft.com/office/drawing/2014/main" xmlns="" id="{EDB79405-6B60-96C3-7F85-CE10C287709D}"/>
+                <a16:creationId xmlns:a16="http://schemas.microsoft.com/office/drawing/2014/main" id="{EDB79405-6B60-96C3-7F85-CE10C287709D}"/>
               </a:ext>
             </a:extLst>
           </p:cNvPr>
@@ -2491,7 +2134,7 @@
           <p:cNvPr id="4" name="Date Placeholder 3">
             <a:extLst>
               <a:ext uri="{FF2B5EF4-FFF2-40B4-BE49-F238E27FC236}">
-                <a16:creationId xmlns:a16="http://schemas.microsoft.com/office/drawing/2014/main" xmlns="" id="{8DECBA10-7C40-29AA-A669-FC240702E6BA}"/>
+                <a16:creationId xmlns:a16="http://schemas.microsoft.com/office/drawing/2014/main" id="{8DECBA10-7C40-29AA-A669-FC240702E6BA}"/>
               </a:ext>
             </a:extLst>
           </p:cNvPr>
@@ -2510,7 +2153,7 @@
             <a:fld id="{555B13FF-EF15-4B75-B3B2-25C79649DD7B}" type="datetime1">
               <a:rPr lang="en-GB" smtClean="0"/>
               <a:pPr/>
-              <a:t>27/09/2025</a:t>
+              <a:t>29/09/2025</a:t>
             </a:fld>
             <a:endParaRPr lang="en-GB" dirty="0"/>
           </a:p>
@@ -2521,7 +2164,7 @@
           <p:cNvPr id="5" name="Footer Placeholder 4">
             <a:extLst>
               <a:ext uri="{FF2B5EF4-FFF2-40B4-BE49-F238E27FC236}">
-                <a16:creationId xmlns:a16="http://schemas.microsoft.com/office/drawing/2014/main" xmlns="" id="{8C999825-A403-E91C-FFA8-F874E991D81C}"/>
+                <a16:creationId xmlns:a16="http://schemas.microsoft.com/office/drawing/2014/main" id="{8C999825-A403-E91C-FFA8-F874E991D81C}"/>
               </a:ext>
             </a:extLst>
           </p:cNvPr>
@@ -2538,7 +2181,7 @@
           <a:lstStyle/>
           <a:p>
             <a:r>
-              <a:rPr lang="en-GB" smtClean="0"/>
+              <a:rPr lang="en-GB"/>
               <a:t>present by:</a:t>
             </a:r>
             <a:endParaRPr lang="en-GB" dirty="0"/>
@@ -2550,7 +2193,7 @@
           <p:cNvPr id="6" name="Slide Number Placeholder 5">
             <a:extLst>
               <a:ext uri="{FF2B5EF4-FFF2-40B4-BE49-F238E27FC236}">
-                <a16:creationId xmlns:a16="http://schemas.microsoft.com/office/drawing/2014/main" xmlns="" id="{FECCBFE7-28C4-5DF1-911F-E0B622EAA9FC}"/>
+                <a16:creationId xmlns:a16="http://schemas.microsoft.com/office/drawing/2014/main" id="{FECCBFE7-28C4-5DF1-911F-E0B622EAA9FC}"/>
               </a:ext>
             </a:extLst>
           </p:cNvPr>
@@ -2578,7 +2221,7 @@
     </p:spTree>
     <p:extLst>
       <p:ext uri="{BB962C8B-B14F-4D97-AF65-F5344CB8AC3E}">
-        <p14:creationId xmlns:p14="http://schemas.microsoft.com/office/powerpoint/2010/main" xmlns="" val="1872219882"/>
+        <p14:creationId xmlns:p14="http://schemas.microsoft.com/office/powerpoint/2010/main" val="1872219882"/>
       </p:ext>
     </p:extLst>
   </p:cSld>
@@ -2610,7 +2253,7 @@
           <p:cNvPr id="2" name="Title 1">
             <a:extLst>
               <a:ext uri="{FF2B5EF4-FFF2-40B4-BE49-F238E27FC236}">
-                <a16:creationId xmlns:a16="http://schemas.microsoft.com/office/drawing/2014/main" xmlns="" id="{409B7720-A6A0-DF50-E2F8-F9527E23D100}"/>
+                <a16:creationId xmlns:a16="http://schemas.microsoft.com/office/drawing/2014/main" id="{409B7720-A6A0-DF50-E2F8-F9527E23D100}"/>
               </a:ext>
             </a:extLst>
           </p:cNvPr>
@@ -2638,7 +2281,7 @@
           <p:cNvPr id="3" name="Content Placeholder 2">
             <a:extLst>
               <a:ext uri="{FF2B5EF4-FFF2-40B4-BE49-F238E27FC236}">
-                <a16:creationId xmlns:a16="http://schemas.microsoft.com/office/drawing/2014/main" xmlns="" id="{EF86D186-8E32-BEAD-C81B-DE65895FD564}"/>
+                <a16:creationId xmlns:a16="http://schemas.microsoft.com/office/drawing/2014/main" id="{EF86D186-8E32-BEAD-C81B-DE65895FD564}"/>
               </a:ext>
             </a:extLst>
           </p:cNvPr>
@@ -2700,7 +2343,7 @@
           <p:cNvPr id="4" name="Content Placeholder 3">
             <a:extLst>
               <a:ext uri="{FF2B5EF4-FFF2-40B4-BE49-F238E27FC236}">
-                <a16:creationId xmlns:a16="http://schemas.microsoft.com/office/drawing/2014/main" xmlns="" id="{BFE57542-2B68-1767-C023-57D111E4E840}"/>
+                <a16:creationId xmlns:a16="http://schemas.microsoft.com/office/drawing/2014/main" id="{BFE57542-2B68-1767-C023-57D111E4E840}"/>
               </a:ext>
             </a:extLst>
           </p:cNvPr>
@@ -2762,7 +2405,7 @@
           <p:cNvPr id="5" name="Date Placeholder 4">
             <a:extLst>
               <a:ext uri="{FF2B5EF4-FFF2-40B4-BE49-F238E27FC236}">
-                <a16:creationId xmlns:a16="http://schemas.microsoft.com/office/drawing/2014/main" xmlns="" id="{B385A417-9018-30E4-0A47-8170AD7D24FD}"/>
+                <a16:creationId xmlns:a16="http://schemas.microsoft.com/office/drawing/2014/main" id="{B385A417-9018-30E4-0A47-8170AD7D24FD}"/>
               </a:ext>
             </a:extLst>
           </p:cNvPr>
@@ -2781,7 +2424,7 @@
             <a:fld id="{B9D2AA66-B921-4012-905D-8786CF1807E5}" type="datetime1">
               <a:rPr lang="en-GB" smtClean="0"/>
               <a:pPr/>
-              <a:t>27/09/2025</a:t>
+              <a:t>29/09/2025</a:t>
             </a:fld>
             <a:endParaRPr lang="en-GB" dirty="0"/>
           </a:p>
@@ -2792,7 +2435,7 @@
           <p:cNvPr id="6" name="Footer Placeholder 5">
             <a:extLst>
               <a:ext uri="{FF2B5EF4-FFF2-40B4-BE49-F238E27FC236}">
-                <a16:creationId xmlns:a16="http://schemas.microsoft.com/office/drawing/2014/main" xmlns="" id="{B07AF8F7-6A80-4F6A-4E5F-660537A2513F}"/>
+                <a16:creationId xmlns:a16="http://schemas.microsoft.com/office/drawing/2014/main" id="{B07AF8F7-6A80-4F6A-4E5F-660537A2513F}"/>
               </a:ext>
             </a:extLst>
           </p:cNvPr>
@@ -2809,7 +2452,7 @@
           <a:lstStyle/>
           <a:p>
             <a:r>
-              <a:rPr lang="en-GB" smtClean="0"/>
+              <a:rPr lang="en-GB"/>
               <a:t>present by:</a:t>
             </a:r>
             <a:endParaRPr lang="en-GB" dirty="0"/>
@@ -2821,7 +2464,7 @@
           <p:cNvPr id="7" name="Slide Number Placeholder 6">
             <a:extLst>
               <a:ext uri="{FF2B5EF4-FFF2-40B4-BE49-F238E27FC236}">
-                <a16:creationId xmlns:a16="http://schemas.microsoft.com/office/drawing/2014/main" xmlns="" id="{E0AD3418-4BA9-CD34-AE32-0EF416780FDD}"/>
+                <a16:creationId xmlns:a16="http://schemas.microsoft.com/office/drawing/2014/main" id="{E0AD3418-4BA9-CD34-AE32-0EF416780FDD}"/>
               </a:ext>
             </a:extLst>
           </p:cNvPr>
@@ -2849,7 +2492,7 @@
     </p:spTree>
     <p:extLst>
       <p:ext uri="{BB962C8B-B14F-4D97-AF65-F5344CB8AC3E}">
-        <p14:creationId xmlns:p14="http://schemas.microsoft.com/office/powerpoint/2010/main" xmlns="" val="3470366084"/>
+        <p14:creationId xmlns:p14="http://schemas.microsoft.com/office/powerpoint/2010/main" val="3470366084"/>
       </p:ext>
     </p:extLst>
   </p:cSld>
@@ -2881,7 +2524,7 @@
           <p:cNvPr id="2" name="Title 1">
             <a:extLst>
               <a:ext uri="{FF2B5EF4-FFF2-40B4-BE49-F238E27FC236}">
-                <a16:creationId xmlns:a16="http://schemas.microsoft.com/office/drawing/2014/main" xmlns="" id="{CD7908D8-A3B6-96B0-A29C-1B8262BE54E1}"/>
+                <a16:creationId xmlns:a16="http://schemas.microsoft.com/office/drawing/2014/main" id="{CD7908D8-A3B6-96B0-A29C-1B8262BE54E1}"/>
               </a:ext>
             </a:extLst>
           </p:cNvPr>
@@ -2914,7 +2557,7 @@
           <p:cNvPr id="3" name="Text Placeholder 2">
             <a:extLst>
               <a:ext uri="{FF2B5EF4-FFF2-40B4-BE49-F238E27FC236}">
-                <a16:creationId xmlns:a16="http://schemas.microsoft.com/office/drawing/2014/main" xmlns="" id="{6E905487-0425-138F-F9A2-0872272282FA}"/>
+                <a16:creationId xmlns:a16="http://schemas.microsoft.com/office/drawing/2014/main" id="{6E905487-0425-138F-F9A2-0872272282FA}"/>
               </a:ext>
             </a:extLst>
           </p:cNvPr>
@@ -2985,7 +2628,7 @@
           <p:cNvPr id="4" name="Content Placeholder 3">
             <a:extLst>
               <a:ext uri="{FF2B5EF4-FFF2-40B4-BE49-F238E27FC236}">
-                <a16:creationId xmlns:a16="http://schemas.microsoft.com/office/drawing/2014/main" xmlns="" id="{F33BCB02-5AB4-A5E9-0917-4B9DD049B77B}"/>
+                <a16:creationId xmlns:a16="http://schemas.microsoft.com/office/drawing/2014/main" id="{F33BCB02-5AB4-A5E9-0917-4B9DD049B77B}"/>
               </a:ext>
             </a:extLst>
           </p:cNvPr>
@@ -3047,7 +2690,7 @@
           <p:cNvPr id="5" name="Text Placeholder 4">
             <a:extLst>
               <a:ext uri="{FF2B5EF4-FFF2-40B4-BE49-F238E27FC236}">
-                <a16:creationId xmlns:a16="http://schemas.microsoft.com/office/drawing/2014/main" xmlns="" id="{A0A50C77-85F2-0754-8AD9-7A5A4AEF6530}"/>
+                <a16:creationId xmlns:a16="http://schemas.microsoft.com/office/drawing/2014/main" id="{A0A50C77-85F2-0754-8AD9-7A5A4AEF6530}"/>
               </a:ext>
             </a:extLst>
           </p:cNvPr>
@@ -3118,7 +2761,7 @@
           <p:cNvPr id="6" name="Content Placeholder 5">
             <a:extLst>
               <a:ext uri="{FF2B5EF4-FFF2-40B4-BE49-F238E27FC236}">
-                <a16:creationId xmlns:a16="http://schemas.microsoft.com/office/drawing/2014/main" xmlns="" id="{703DDF01-B6D2-31ED-A641-114B1A0ADBF1}"/>
+                <a16:creationId xmlns:a16="http://schemas.microsoft.com/office/drawing/2014/main" id="{703DDF01-B6D2-31ED-A641-114B1A0ADBF1}"/>
               </a:ext>
             </a:extLst>
           </p:cNvPr>
@@ -3180,7 +2823,7 @@
           <p:cNvPr id="7" name="Date Placeholder 6">
             <a:extLst>
               <a:ext uri="{FF2B5EF4-FFF2-40B4-BE49-F238E27FC236}">
-                <a16:creationId xmlns:a16="http://schemas.microsoft.com/office/drawing/2014/main" xmlns="" id="{1B1FCA1D-B4D0-56C6-A678-3E0624361E96}"/>
+                <a16:creationId xmlns:a16="http://schemas.microsoft.com/office/drawing/2014/main" id="{1B1FCA1D-B4D0-56C6-A678-3E0624361E96}"/>
               </a:ext>
             </a:extLst>
           </p:cNvPr>
@@ -3199,7 +2842,7 @@
             <a:fld id="{5BA0981A-3840-4516-9493-08B8513910BA}" type="datetime1">
               <a:rPr lang="en-GB" smtClean="0"/>
               <a:pPr/>
-              <a:t>27/09/2025</a:t>
+              <a:t>29/09/2025</a:t>
             </a:fld>
             <a:endParaRPr lang="en-GB" dirty="0"/>
           </a:p>
@@ -3210,7 +2853,7 @@
           <p:cNvPr id="8" name="Footer Placeholder 7">
             <a:extLst>
               <a:ext uri="{FF2B5EF4-FFF2-40B4-BE49-F238E27FC236}">
-                <a16:creationId xmlns:a16="http://schemas.microsoft.com/office/drawing/2014/main" xmlns="" id="{C30E1DB4-3501-792C-CAF9-4235B2E9152C}"/>
+                <a16:creationId xmlns:a16="http://schemas.microsoft.com/office/drawing/2014/main" id="{C30E1DB4-3501-792C-CAF9-4235B2E9152C}"/>
               </a:ext>
             </a:extLst>
           </p:cNvPr>
@@ -3227,7 +2870,7 @@
           <a:lstStyle/>
           <a:p>
             <a:r>
-              <a:rPr lang="en-GB" smtClean="0"/>
+              <a:rPr lang="en-GB"/>
               <a:t>present by:</a:t>
             </a:r>
             <a:endParaRPr lang="en-GB" dirty="0"/>
@@ -3239,7 +2882,7 @@
           <p:cNvPr id="9" name="Slide Number Placeholder 8">
             <a:extLst>
               <a:ext uri="{FF2B5EF4-FFF2-40B4-BE49-F238E27FC236}">
-                <a16:creationId xmlns:a16="http://schemas.microsoft.com/office/drawing/2014/main" xmlns="" id="{0CDD0757-7BFA-7895-D03C-767D64050241}"/>
+                <a16:creationId xmlns:a16="http://schemas.microsoft.com/office/drawing/2014/main" id="{0CDD0757-7BFA-7895-D03C-767D64050241}"/>
               </a:ext>
             </a:extLst>
           </p:cNvPr>
@@ -3267,7 +2910,7 @@
     </p:spTree>
     <p:extLst>
       <p:ext uri="{BB962C8B-B14F-4D97-AF65-F5344CB8AC3E}">
-        <p14:creationId xmlns:p14="http://schemas.microsoft.com/office/powerpoint/2010/main" xmlns="" val="4247317967"/>
+        <p14:creationId xmlns:p14="http://schemas.microsoft.com/office/powerpoint/2010/main" val="4247317967"/>
       </p:ext>
     </p:extLst>
   </p:cSld>
@@ -3299,7 +2942,7 @@
           <p:cNvPr id="2" name="Title 1">
             <a:extLst>
               <a:ext uri="{FF2B5EF4-FFF2-40B4-BE49-F238E27FC236}">
-                <a16:creationId xmlns:a16="http://schemas.microsoft.com/office/drawing/2014/main" xmlns="" id="{66B62EA9-258F-B5EB-624D-2EFA68C4193F}"/>
+                <a16:creationId xmlns:a16="http://schemas.microsoft.com/office/drawing/2014/main" id="{66B62EA9-258F-B5EB-624D-2EFA68C4193F}"/>
               </a:ext>
             </a:extLst>
           </p:cNvPr>
@@ -3327,7 +2970,7 @@
           <p:cNvPr id="3" name="Date Placeholder 2">
             <a:extLst>
               <a:ext uri="{FF2B5EF4-FFF2-40B4-BE49-F238E27FC236}">
-                <a16:creationId xmlns:a16="http://schemas.microsoft.com/office/drawing/2014/main" xmlns="" id="{BE148340-45BA-0901-1551-9D9DAFF07F55}"/>
+                <a16:creationId xmlns:a16="http://schemas.microsoft.com/office/drawing/2014/main" id="{BE148340-45BA-0901-1551-9D9DAFF07F55}"/>
               </a:ext>
             </a:extLst>
           </p:cNvPr>
@@ -3346,7 +2989,7 @@
             <a:fld id="{3D301684-BB53-4C65-8F3D-0B382796A942}" type="datetime1">
               <a:rPr lang="en-GB" smtClean="0"/>
               <a:pPr/>
-              <a:t>27/09/2025</a:t>
+              <a:t>29/09/2025</a:t>
             </a:fld>
             <a:endParaRPr lang="en-GB" dirty="0"/>
           </a:p>
@@ -3357,7 +3000,7 @@
           <p:cNvPr id="4" name="Footer Placeholder 3">
             <a:extLst>
               <a:ext uri="{FF2B5EF4-FFF2-40B4-BE49-F238E27FC236}">
-                <a16:creationId xmlns:a16="http://schemas.microsoft.com/office/drawing/2014/main" xmlns="" id="{9F42F2D2-B0BF-4202-0381-8243671BB647}"/>
+                <a16:creationId xmlns:a16="http://schemas.microsoft.com/office/drawing/2014/main" id="{9F42F2D2-B0BF-4202-0381-8243671BB647}"/>
               </a:ext>
             </a:extLst>
           </p:cNvPr>
@@ -3374,7 +3017,7 @@
           <a:lstStyle/>
           <a:p>
             <a:r>
-              <a:rPr lang="en-GB" smtClean="0"/>
+              <a:rPr lang="en-GB"/>
               <a:t>present by:</a:t>
             </a:r>
             <a:endParaRPr lang="en-GB" dirty="0"/>
@@ -3386,7 +3029,7 @@
           <p:cNvPr id="5" name="Slide Number Placeholder 4">
             <a:extLst>
               <a:ext uri="{FF2B5EF4-FFF2-40B4-BE49-F238E27FC236}">
-                <a16:creationId xmlns:a16="http://schemas.microsoft.com/office/drawing/2014/main" xmlns="" id="{F5F6687B-3FE7-76CE-1134-2B3A5D187F18}"/>
+                <a16:creationId xmlns:a16="http://schemas.microsoft.com/office/drawing/2014/main" id="{F5F6687B-3FE7-76CE-1134-2B3A5D187F18}"/>
               </a:ext>
             </a:extLst>
           </p:cNvPr>
@@ -3414,7 +3057,7 @@
     </p:spTree>
     <p:extLst>
       <p:ext uri="{BB962C8B-B14F-4D97-AF65-F5344CB8AC3E}">
-        <p14:creationId xmlns:p14="http://schemas.microsoft.com/office/powerpoint/2010/main" xmlns="" val="1747628139"/>
+        <p14:creationId xmlns:p14="http://schemas.microsoft.com/office/powerpoint/2010/main" val="1747628139"/>
       </p:ext>
     </p:extLst>
   </p:cSld>
@@ -3446,7 +3089,7 @@
           <p:cNvPr id="2" name="Date Placeholder 1">
             <a:extLst>
               <a:ext uri="{FF2B5EF4-FFF2-40B4-BE49-F238E27FC236}">
-                <a16:creationId xmlns:a16="http://schemas.microsoft.com/office/drawing/2014/main" xmlns="" id="{89B9E6C1-24CC-682A-8886-999E9A21F168}"/>
+                <a16:creationId xmlns:a16="http://schemas.microsoft.com/office/drawing/2014/main" id="{89B9E6C1-24CC-682A-8886-999E9A21F168}"/>
               </a:ext>
             </a:extLst>
           </p:cNvPr>
@@ -3465,7 +3108,7 @@
             <a:fld id="{49D6DACE-974B-401C-AC3A-BC42A363ED7E}" type="datetime1">
               <a:rPr lang="en-GB" smtClean="0"/>
               <a:pPr/>
-              <a:t>27/09/2025</a:t>
+              <a:t>29/09/2025</a:t>
             </a:fld>
             <a:endParaRPr lang="en-GB" dirty="0"/>
           </a:p>
@@ -3476,7 +3119,7 @@
           <p:cNvPr id="3" name="Footer Placeholder 2">
             <a:extLst>
               <a:ext uri="{FF2B5EF4-FFF2-40B4-BE49-F238E27FC236}">
-                <a16:creationId xmlns:a16="http://schemas.microsoft.com/office/drawing/2014/main" xmlns="" id="{DB275448-9567-EFBD-FC78-2B80C2BDF356}"/>
+                <a16:creationId xmlns:a16="http://schemas.microsoft.com/office/drawing/2014/main" id="{DB275448-9567-EFBD-FC78-2B80C2BDF356}"/>
               </a:ext>
             </a:extLst>
           </p:cNvPr>
@@ -3493,7 +3136,7 @@
           <a:lstStyle/>
           <a:p>
             <a:r>
-              <a:rPr lang="en-GB" smtClean="0"/>
+              <a:rPr lang="en-GB"/>
               <a:t>present by:</a:t>
             </a:r>
             <a:endParaRPr lang="en-GB" dirty="0"/>
@@ -3505,7 +3148,7 @@
           <p:cNvPr id="4" name="Slide Number Placeholder 3">
             <a:extLst>
               <a:ext uri="{FF2B5EF4-FFF2-40B4-BE49-F238E27FC236}">
-                <a16:creationId xmlns:a16="http://schemas.microsoft.com/office/drawing/2014/main" xmlns="" id="{30E95C70-5A8D-518E-49A4-1BE45385336E}"/>
+                <a16:creationId xmlns:a16="http://schemas.microsoft.com/office/drawing/2014/main" id="{30E95C70-5A8D-518E-49A4-1BE45385336E}"/>
               </a:ext>
             </a:extLst>
           </p:cNvPr>
@@ -3533,7 +3176,7 @@
     </p:spTree>
     <p:extLst>
       <p:ext uri="{BB962C8B-B14F-4D97-AF65-F5344CB8AC3E}">
-        <p14:creationId xmlns:p14="http://schemas.microsoft.com/office/powerpoint/2010/main" xmlns="" val="1228015747"/>
+        <p14:creationId xmlns:p14="http://schemas.microsoft.com/office/powerpoint/2010/main" val="1228015747"/>
       </p:ext>
     </p:extLst>
   </p:cSld>
@@ -3565,7 +3208,7 @@
           <p:cNvPr id="2" name="Title 1">
             <a:extLst>
               <a:ext uri="{FF2B5EF4-FFF2-40B4-BE49-F238E27FC236}">
-                <a16:creationId xmlns:a16="http://schemas.microsoft.com/office/drawing/2014/main" xmlns="" id="{3F2520AB-BD7C-3FEC-DC53-91B047807E00}"/>
+                <a16:creationId xmlns:a16="http://schemas.microsoft.com/office/drawing/2014/main" id="{3F2520AB-BD7C-3FEC-DC53-91B047807E00}"/>
               </a:ext>
             </a:extLst>
           </p:cNvPr>
@@ -3602,7 +3245,7 @@
           <p:cNvPr id="3" name="Content Placeholder 2">
             <a:extLst>
               <a:ext uri="{FF2B5EF4-FFF2-40B4-BE49-F238E27FC236}">
-                <a16:creationId xmlns:a16="http://schemas.microsoft.com/office/drawing/2014/main" xmlns="" id="{84EFA408-CFF5-5EB0-4399-BB87E6CF0230}"/>
+                <a16:creationId xmlns:a16="http://schemas.microsoft.com/office/drawing/2014/main" id="{84EFA408-CFF5-5EB0-4399-BB87E6CF0230}"/>
               </a:ext>
             </a:extLst>
           </p:cNvPr>
@@ -3692,7 +3335,7 @@
           <p:cNvPr id="4" name="Text Placeholder 3">
             <a:extLst>
               <a:ext uri="{FF2B5EF4-FFF2-40B4-BE49-F238E27FC236}">
-                <a16:creationId xmlns:a16="http://schemas.microsoft.com/office/drawing/2014/main" xmlns="" id="{12736F81-445C-5EF6-6E32-68D1E9C1C9B8}"/>
+                <a16:creationId xmlns:a16="http://schemas.microsoft.com/office/drawing/2014/main" id="{12736F81-445C-5EF6-6E32-68D1E9C1C9B8}"/>
               </a:ext>
             </a:extLst>
           </p:cNvPr>
@@ -3763,7 +3406,7 @@
           <p:cNvPr id="5" name="Date Placeholder 4">
             <a:extLst>
               <a:ext uri="{FF2B5EF4-FFF2-40B4-BE49-F238E27FC236}">
-                <a16:creationId xmlns:a16="http://schemas.microsoft.com/office/drawing/2014/main" xmlns="" id="{ACA08E69-7027-0F17-B524-CD221B586F57}"/>
+                <a16:creationId xmlns:a16="http://schemas.microsoft.com/office/drawing/2014/main" id="{ACA08E69-7027-0F17-B524-CD221B586F57}"/>
               </a:ext>
             </a:extLst>
           </p:cNvPr>
@@ -3782,7 +3425,7 @@
             <a:fld id="{A539CBAC-A979-49D5-BDF0-1BCBB1340A5F}" type="datetime1">
               <a:rPr lang="en-GB" smtClean="0"/>
               <a:pPr/>
-              <a:t>27/09/2025</a:t>
+              <a:t>29/09/2025</a:t>
             </a:fld>
             <a:endParaRPr lang="en-GB" dirty="0"/>
           </a:p>
@@ -3793,7 +3436,7 @@
           <p:cNvPr id="6" name="Footer Placeholder 5">
             <a:extLst>
               <a:ext uri="{FF2B5EF4-FFF2-40B4-BE49-F238E27FC236}">
-                <a16:creationId xmlns:a16="http://schemas.microsoft.com/office/drawing/2014/main" xmlns="" id="{A5145A00-EFDD-31BA-C55F-26A6CC9020DF}"/>
+                <a16:creationId xmlns:a16="http://schemas.microsoft.com/office/drawing/2014/main" id="{A5145A00-EFDD-31BA-C55F-26A6CC9020DF}"/>
               </a:ext>
             </a:extLst>
           </p:cNvPr>
@@ -3810,7 +3453,7 @@
           <a:lstStyle/>
           <a:p>
             <a:r>
-              <a:rPr lang="en-GB" smtClean="0"/>
+              <a:rPr lang="en-GB"/>
               <a:t>present by:</a:t>
             </a:r>
             <a:endParaRPr lang="en-GB" dirty="0"/>
@@ -3822,7 +3465,7 @@
           <p:cNvPr id="7" name="Slide Number Placeholder 6">
             <a:extLst>
               <a:ext uri="{FF2B5EF4-FFF2-40B4-BE49-F238E27FC236}">
-                <a16:creationId xmlns:a16="http://schemas.microsoft.com/office/drawing/2014/main" xmlns="" id="{431ACCAF-2E21-16F5-1C68-06D177E12AA8}"/>
+                <a16:creationId xmlns:a16="http://schemas.microsoft.com/office/drawing/2014/main" id="{431ACCAF-2E21-16F5-1C68-06D177E12AA8}"/>
               </a:ext>
             </a:extLst>
           </p:cNvPr>
@@ -3850,7 +3493,7 @@
     </p:spTree>
     <p:extLst>
       <p:ext uri="{BB962C8B-B14F-4D97-AF65-F5344CB8AC3E}">
-        <p14:creationId xmlns:p14="http://schemas.microsoft.com/office/powerpoint/2010/main" xmlns="" val="2552473330"/>
+        <p14:creationId xmlns:p14="http://schemas.microsoft.com/office/powerpoint/2010/main" val="2552473330"/>
       </p:ext>
     </p:extLst>
   </p:cSld>
@@ -3882,7 +3525,7 @@
           <p:cNvPr id="2" name="Title 1">
             <a:extLst>
               <a:ext uri="{FF2B5EF4-FFF2-40B4-BE49-F238E27FC236}">
-                <a16:creationId xmlns:a16="http://schemas.microsoft.com/office/drawing/2014/main" xmlns="" id="{31993033-AA4A-D955-AE39-E7F2A40C8A47}"/>
+                <a16:creationId xmlns:a16="http://schemas.microsoft.com/office/drawing/2014/main" id="{31993033-AA4A-D955-AE39-E7F2A40C8A47}"/>
               </a:ext>
             </a:extLst>
           </p:cNvPr>
@@ -3910,7 +3553,7 @@
           <p:cNvPr id="3" name="Content Placeholder 2">
             <a:extLst>
               <a:ext uri="{FF2B5EF4-FFF2-40B4-BE49-F238E27FC236}">
-                <a16:creationId xmlns:a16="http://schemas.microsoft.com/office/drawing/2014/main" xmlns="" id="{7638BDBB-4827-8B89-3EE0-5A3DD22172FC}"/>
+                <a16:creationId xmlns:a16="http://schemas.microsoft.com/office/drawing/2014/main" id="{7638BDBB-4827-8B89-3EE0-5A3DD22172FC}"/>
               </a:ext>
             </a:extLst>
           </p:cNvPr>
@@ -3967,7 +3610,7 @@
           <p:cNvPr id="4" name="Date Placeholder 3">
             <a:extLst>
               <a:ext uri="{FF2B5EF4-FFF2-40B4-BE49-F238E27FC236}">
-                <a16:creationId xmlns:a16="http://schemas.microsoft.com/office/drawing/2014/main" xmlns="" id="{92EA4901-6338-2E30-CCE8-77FD13F592F1}"/>
+                <a16:creationId xmlns:a16="http://schemas.microsoft.com/office/drawing/2014/main" id="{92EA4901-6338-2E30-CCE8-77FD13F592F1}"/>
               </a:ext>
             </a:extLst>
           </p:cNvPr>
@@ -3986,7 +3629,7 @@
             <a:fld id="{5D81F35A-3948-440E-9A1B-E9C2AB3624F4}" type="datetime1">
               <a:rPr lang="en-GB" smtClean="0"/>
               <a:pPr/>
-              <a:t>27/09/2025</a:t>
+              <a:t>29/09/2025</a:t>
             </a:fld>
             <a:endParaRPr lang="en-GB" dirty="0"/>
           </a:p>
@@ -3997,7 +3640,7 @@
           <p:cNvPr id="6" name="Slide Number Placeholder 5">
             <a:extLst>
               <a:ext uri="{FF2B5EF4-FFF2-40B4-BE49-F238E27FC236}">
-                <a16:creationId xmlns:a16="http://schemas.microsoft.com/office/drawing/2014/main" xmlns="" id="{1E6B5D97-094A-D8D8-0C4D-1DC08462EC16}"/>
+                <a16:creationId xmlns:a16="http://schemas.microsoft.com/office/drawing/2014/main" id="{1E6B5D97-094A-D8D8-0C4D-1DC08462EC16}"/>
               </a:ext>
             </a:extLst>
           </p:cNvPr>
@@ -4030,7 +3673,7 @@
     </p:spTree>
     <p:extLst>
       <p:ext uri="{BB962C8B-B14F-4D97-AF65-F5344CB8AC3E}">
-        <p14:creationId xmlns:p14="http://schemas.microsoft.com/office/powerpoint/2010/main" xmlns="" val="4227013450"/>
+        <p14:creationId xmlns:p14="http://schemas.microsoft.com/office/powerpoint/2010/main" val="4227013450"/>
       </p:ext>
     </p:extLst>
   </p:cSld>
@@ -4062,7 +3705,7 @@
           <p:cNvPr id="2" name="Title 1">
             <a:extLst>
               <a:ext uri="{FF2B5EF4-FFF2-40B4-BE49-F238E27FC236}">
-                <a16:creationId xmlns:a16="http://schemas.microsoft.com/office/drawing/2014/main" xmlns="" id="{FFBEA28B-29EC-E505-5884-CB4B1C6FD8B0}"/>
+                <a16:creationId xmlns:a16="http://schemas.microsoft.com/office/drawing/2014/main" id="{FFBEA28B-29EC-E505-5884-CB4B1C6FD8B0}"/>
               </a:ext>
             </a:extLst>
           </p:cNvPr>
@@ -4099,7 +3742,7 @@
           <p:cNvPr id="3" name="Picture Placeholder 2">
             <a:extLst>
               <a:ext uri="{FF2B5EF4-FFF2-40B4-BE49-F238E27FC236}">
-                <a16:creationId xmlns:a16="http://schemas.microsoft.com/office/drawing/2014/main" xmlns="" id="{65425986-DCF9-FBB5-39AD-D04792C6534C}"/>
+                <a16:creationId xmlns:a16="http://schemas.microsoft.com/office/drawing/2014/main" id="{65425986-DCF9-FBB5-39AD-D04792C6534C}"/>
               </a:ext>
             </a:extLst>
           </p:cNvPr>
@@ -4166,7 +3809,7 @@
           <p:cNvPr id="4" name="Text Placeholder 3">
             <a:extLst>
               <a:ext uri="{FF2B5EF4-FFF2-40B4-BE49-F238E27FC236}">
-                <a16:creationId xmlns:a16="http://schemas.microsoft.com/office/drawing/2014/main" xmlns="" id="{451AEB0E-C7EC-4F26-009D-409178E43FE4}"/>
+                <a16:creationId xmlns:a16="http://schemas.microsoft.com/office/drawing/2014/main" id="{451AEB0E-C7EC-4F26-009D-409178E43FE4}"/>
               </a:ext>
             </a:extLst>
           </p:cNvPr>
@@ -4237,7 +3880,7 @@
           <p:cNvPr id="5" name="Date Placeholder 4">
             <a:extLst>
               <a:ext uri="{FF2B5EF4-FFF2-40B4-BE49-F238E27FC236}">
-                <a16:creationId xmlns:a16="http://schemas.microsoft.com/office/drawing/2014/main" xmlns="" id="{7C4AB446-5A6F-5112-F417-65A55A0DC581}"/>
+                <a16:creationId xmlns:a16="http://schemas.microsoft.com/office/drawing/2014/main" id="{7C4AB446-5A6F-5112-F417-65A55A0DC581}"/>
               </a:ext>
             </a:extLst>
           </p:cNvPr>
@@ -4256,7 +3899,7 @@
             <a:fld id="{177ED510-6826-41BC-BAA4-9B12C07F4FAD}" type="datetime1">
               <a:rPr lang="en-GB" smtClean="0"/>
               <a:pPr/>
-              <a:t>27/09/2025</a:t>
+              <a:t>29/09/2025</a:t>
             </a:fld>
             <a:endParaRPr lang="en-GB" dirty="0"/>
           </a:p>
@@ -4267,7 +3910,7 @@
           <p:cNvPr id="6" name="Footer Placeholder 5">
             <a:extLst>
               <a:ext uri="{FF2B5EF4-FFF2-40B4-BE49-F238E27FC236}">
-                <a16:creationId xmlns:a16="http://schemas.microsoft.com/office/drawing/2014/main" xmlns="" id="{5F42D12D-03AA-1A0A-4595-8E0638173A63}"/>
+                <a16:creationId xmlns:a16="http://schemas.microsoft.com/office/drawing/2014/main" id="{5F42D12D-03AA-1A0A-4595-8E0638173A63}"/>
               </a:ext>
             </a:extLst>
           </p:cNvPr>
@@ -4284,7 +3927,7 @@
           <a:lstStyle/>
           <a:p>
             <a:r>
-              <a:rPr lang="en-GB" smtClean="0"/>
+              <a:rPr lang="en-GB"/>
               <a:t>present by:</a:t>
             </a:r>
             <a:endParaRPr lang="en-GB" dirty="0"/>
@@ -4296,7 +3939,7 @@
           <p:cNvPr id="7" name="Slide Number Placeholder 6">
             <a:extLst>
               <a:ext uri="{FF2B5EF4-FFF2-40B4-BE49-F238E27FC236}">
-                <a16:creationId xmlns:a16="http://schemas.microsoft.com/office/drawing/2014/main" xmlns="" id="{9FCB350E-16AC-3E65-1704-09F648ABBBE3}"/>
+                <a16:creationId xmlns:a16="http://schemas.microsoft.com/office/drawing/2014/main" id="{9FCB350E-16AC-3E65-1704-09F648ABBBE3}"/>
               </a:ext>
             </a:extLst>
           </p:cNvPr>
@@ -4324,7 +3967,7 @@
     </p:spTree>
     <p:extLst>
       <p:ext uri="{BB962C8B-B14F-4D97-AF65-F5344CB8AC3E}">
-        <p14:creationId xmlns:p14="http://schemas.microsoft.com/office/powerpoint/2010/main" xmlns="" val="1637644174"/>
+        <p14:creationId xmlns:p14="http://schemas.microsoft.com/office/powerpoint/2010/main" val="1637644174"/>
       </p:ext>
     </p:extLst>
   </p:cSld>
@@ -4356,7 +3999,7 @@
           <p:cNvPr id="2" name="Title 1">
             <a:extLst>
               <a:ext uri="{FF2B5EF4-FFF2-40B4-BE49-F238E27FC236}">
-                <a16:creationId xmlns:a16="http://schemas.microsoft.com/office/drawing/2014/main" xmlns="" id="{BABC8C89-C725-395E-E708-BEF95E19CCE8}"/>
+                <a16:creationId xmlns:a16="http://schemas.microsoft.com/office/drawing/2014/main" id="{BABC8C89-C725-395E-E708-BEF95E19CCE8}"/>
               </a:ext>
             </a:extLst>
           </p:cNvPr>
@@ -4384,7 +4027,7 @@
           <p:cNvPr id="3" name="Vertical Text Placeholder 2">
             <a:extLst>
               <a:ext uri="{FF2B5EF4-FFF2-40B4-BE49-F238E27FC236}">
-                <a16:creationId xmlns:a16="http://schemas.microsoft.com/office/drawing/2014/main" xmlns="" id="{341E4975-013E-CB40-86C9-4D346B73C948}"/>
+                <a16:creationId xmlns:a16="http://schemas.microsoft.com/office/drawing/2014/main" id="{341E4975-013E-CB40-86C9-4D346B73C948}"/>
               </a:ext>
             </a:extLst>
           </p:cNvPr>
@@ -4441,7 +4084,7 @@
           <p:cNvPr id="4" name="Date Placeholder 3">
             <a:extLst>
               <a:ext uri="{FF2B5EF4-FFF2-40B4-BE49-F238E27FC236}">
-                <a16:creationId xmlns:a16="http://schemas.microsoft.com/office/drawing/2014/main" xmlns="" id="{B9A6C674-4D68-9DAC-8E93-7EB627FCC2B1}"/>
+                <a16:creationId xmlns:a16="http://schemas.microsoft.com/office/drawing/2014/main" id="{B9A6C674-4D68-9DAC-8E93-7EB627FCC2B1}"/>
               </a:ext>
             </a:extLst>
           </p:cNvPr>
@@ -4460,7 +4103,7 @@
             <a:fld id="{E87B9CD6-35B0-412B-A30C-A0694B6FF112}" type="datetime1">
               <a:rPr lang="en-GB" smtClean="0"/>
               <a:pPr/>
-              <a:t>27/09/2025</a:t>
+              <a:t>29/09/2025</a:t>
             </a:fld>
             <a:endParaRPr lang="en-GB" dirty="0"/>
           </a:p>
@@ -4471,7 +4114,7 @@
           <p:cNvPr id="5" name="Footer Placeholder 4">
             <a:extLst>
               <a:ext uri="{FF2B5EF4-FFF2-40B4-BE49-F238E27FC236}">
-                <a16:creationId xmlns:a16="http://schemas.microsoft.com/office/drawing/2014/main" xmlns="" id="{14CC36B8-CAAE-BDC6-8DF5-9451A698F110}"/>
+                <a16:creationId xmlns:a16="http://schemas.microsoft.com/office/drawing/2014/main" id="{14CC36B8-CAAE-BDC6-8DF5-9451A698F110}"/>
               </a:ext>
             </a:extLst>
           </p:cNvPr>
@@ -4488,7 +4131,7 @@
           <a:lstStyle/>
           <a:p>
             <a:r>
-              <a:rPr lang="en-GB" smtClean="0"/>
+              <a:rPr lang="en-GB"/>
               <a:t>present by:</a:t>
             </a:r>
             <a:endParaRPr lang="en-GB" dirty="0"/>
@@ -4500,7 +4143,7 @@
           <p:cNvPr id="6" name="Slide Number Placeholder 5">
             <a:extLst>
               <a:ext uri="{FF2B5EF4-FFF2-40B4-BE49-F238E27FC236}">
-                <a16:creationId xmlns:a16="http://schemas.microsoft.com/office/drawing/2014/main" xmlns="" id="{926750A4-9B92-8DB3-B407-A8A74CEA4CAC}"/>
+                <a16:creationId xmlns:a16="http://schemas.microsoft.com/office/drawing/2014/main" id="{926750A4-9B92-8DB3-B407-A8A74CEA4CAC}"/>
               </a:ext>
             </a:extLst>
           </p:cNvPr>
@@ -4528,7 +4171,7 @@
     </p:spTree>
     <p:extLst>
       <p:ext uri="{BB962C8B-B14F-4D97-AF65-F5344CB8AC3E}">
-        <p14:creationId xmlns:p14="http://schemas.microsoft.com/office/powerpoint/2010/main" xmlns="" val="2297805215"/>
+        <p14:creationId xmlns:p14="http://schemas.microsoft.com/office/powerpoint/2010/main" val="2297805215"/>
       </p:ext>
     </p:extLst>
   </p:cSld>
@@ -4560,7 +4203,7 @@
           <p:cNvPr id="2" name="Vertical Title 1">
             <a:extLst>
               <a:ext uri="{FF2B5EF4-FFF2-40B4-BE49-F238E27FC236}">
-                <a16:creationId xmlns:a16="http://schemas.microsoft.com/office/drawing/2014/main" xmlns="" id="{5F9A6511-7D12-4461-0A24-9B3134C2C7DF}"/>
+                <a16:creationId xmlns:a16="http://schemas.microsoft.com/office/drawing/2014/main" id="{5F9A6511-7D12-4461-0A24-9B3134C2C7DF}"/>
               </a:ext>
             </a:extLst>
           </p:cNvPr>
@@ -4593,7 +4236,7 @@
           <p:cNvPr id="3" name="Vertical Text Placeholder 2">
             <a:extLst>
               <a:ext uri="{FF2B5EF4-FFF2-40B4-BE49-F238E27FC236}">
-                <a16:creationId xmlns:a16="http://schemas.microsoft.com/office/drawing/2014/main" xmlns="" id="{C05222EB-F23C-083B-09C9-48B924AC7F6D}"/>
+                <a16:creationId xmlns:a16="http://schemas.microsoft.com/office/drawing/2014/main" id="{C05222EB-F23C-083B-09C9-48B924AC7F6D}"/>
               </a:ext>
             </a:extLst>
           </p:cNvPr>
@@ -4655,7 +4298,7 @@
           <p:cNvPr id="4" name="Date Placeholder 3">
             <a:extLst>
               <a:ext uri="{FF2B5EF4-FFF2-40B4-BE49-F238E27FC236}">
-                <a16:creationId xmlns:a16="http://schemas.microsoft.com/office/drawing/2014/main" xmlns="" id="{63A908F9-D1F7-F94A-CA98-198F714C58D6}"/>
+                <a16:creationId xmlns:a16="http://schemas.microsoft.com/office/drawing/2014/main" id="{63A908F9-D1F7-F94A-CA98-198F714C58D6}"/>
               </a:ext>
             </a:extLst>
           </p:cNvPr>
@@ -4674,7 +4317,7 @@
             <a:fld id="{B1DC7CE0-29E1-43EA-B614-0834D047EA96}" type="datetime1">
               <a:rPr lang="en-GB" smtClean="0"/>
               <a:pPr/>
-              <a:t>27/09/2025</a:t>
+              <a:t>29/09/2025</a:t>
             </a:fld>
             <a:endParaRPr lang="en-GB" dirty="0"/>
           </a:p>
@@ -4685,7 +4328,7 @@
           <p:cNvPr id="5" name="Footer Placeholder 4">
             <a:extLst>
               <a:ext uri="{FF2B5EF4-FFF2-40B4-BE49-F238E27FC236}">
-                <a16:creationId xmlns:a16="http://schemas.microsoft.com/office/drawing/2014/main" xmlns="" id="{AFD1FCF1-AD09-ED98-9C1F-DDCABBE25E27}"/>
+                <a16:creationId xmlns:a16="http://schemas.microsoft.com/office/drawing/2014/main" id="{AFD1FCF1-AD09-ED98-9C1F-DDCABBE25E27}"/>
               </a:ext>
             </a:extLst>
           </p:cNvPr>
@@ -4702,7 +4345,7 @@
           <a:lstStyle/>
           <a:p>
             <a:r>
-              <a:rPr lang="en-GB" smtClean="0"/>
+              <a:rPr lang="en-GB"/>
               <a:t>present by:</a:t>
             </a:r>
             <a:endParaRPr lang="en-GB" dirty="0"/>
@@ -4714,7 +4357,7 @@
           <p:cNvPr id="6" name="Slide Number Placeholder 5">
             <a:extLst>
               <a:ext uri="{FF2B5EF4-FFF2-40B4-BE49-F238E27FC236}">
-                <a16:creationId xmlns:a16="http://schemas.microsoft.com/office/drawing/2014/main" xmlns="" id="{5B63C831-E5D1-B4E6-5F4E-FB9FFB5D91C1}"/>
+                <a16:creationId xmlns:a16="http://schemas.microsoft.com/office/drawing/2014/main" id="{5B63C831-E5D1-B4E6-5F4E-FB9FFB5D91C1}"/>
               </a:ext>
             </a:extLst>
           </p:cNvPr>
@@ -4742,7 +4385,7 @@
     </p:spTree>
     <p:extLst>
       <p:ext uri="{BB962C8B-B14F-4D97-AF65-F5344CB8AC3E}">
-        <p14:creationId xmlns:p14="http://schemas.microsoft.com/office/powerpoint/2010/main" xmlns="" val="3056425374"/>
+        <p14:creationId xmlns:p14="http://schemas.microsoft.com/office/powerpoint/2010/main" val="3056425374"/>
       </p:ext>
     </p:extLst>
   </p:cSld>
@@ -4774,7 +4417,7 @@
           <p:cNvPr id="2" name="Title 1">
             <a:extLst>
               <a:ext uri="{FF2B5EF4-FFF2-40B4-BE49-F238E27FC236}">
-                <a16:creationId xmlns:a16="http://schemas.microsoft.com/office/drawing/2014/main" xmlns="" id="{37690F5D-2977-B8B5-3FC5-DF3AE8740EF4}"/>
+                <a16:creationId xmlns:a16="http://schemas.microsoft.com/office/drawing/2014/main" id="{37690F5D-2977-B8B5-3FC5-DF3AE8740EF4}"/>
               </a:ext>
             </a:extLst>
           </p:cNvPr>
@@ -4811,7 +4454,7 @@
           <p:cNvPr id="3" name="Text Placeholder 2">
             <a:extLst>
               <a:ext uri="{FF2B5EF4-FFF2-40B4-BE49-F238E27FC236}">
-                <a16:creationId xmlns:a16="http://schemas.microsoft.com/office/drawing/2014/main" xmlns="" id="{75C247B5-0632-4013-2832-15D3D21A8CE1}"/>
+                <a16:creationId xmlns:a16="http://schemas.microsoft.com/office/drawing/2014/main" id="{75C247B5-0632-4013-2832-15D3D21A8CE1}"/>
               </a:ext>
             </a:extLst>
           </p:cNvPr>
@@ -4936,7 +4579,7 @@
           <p:cNvPr id="4" name="Date Placeholder 3">
             <a:extLst>
               <a:ext uri="{FF2B5EF4-FFF2-40B4-BE49-F238E27FC236}">
-                <a16:creationId xmlns:a16="http://schemas.microsoft.com/office/drawing/2014/main" xmlns="" id="{261A4BC1-6A36-94FE-17CE-DFAD0BF1ACA3}"/>
+                <a16:creationId xmlns:a16="http://schemas.microsoft.com/office/drawing/2014/main" id="{261A4BC1-6A36-94FE-17CE-DFAD0BF1ACA3}"/>
               </a:ext>
             </a:extLst>
           </p:cNvPr>
@@ -4955,7 +4598,7 @@
             <a:fld id="{3E7098A8-41AE-4B3B-8BA8-E3D124D7B501}" type="datetime1">
               <a:rPr lang="en-GB" smtClean="0"/>
               <a:pPr/>
-              <a:t>27/09/2025</a:t>
+              <a:t>29/09/2025</a:t>
             </a:fld>
             <a:endParaRPr lang="en-GB" dirty="0"/>
           </a:p>
@@ -4966,7 +4609,7 @@
           <p:cNvPr id="5" name="Footer Placeholder 4">
             <a:extLst>
               <a:ext uri="{FF2B5EF4-FFF2-40B4-BE49-F238E27FC236}">
-                <a16:creationId xmlns:a16="http://schemas.microsoft.com/office/drawing/2014/main" xmlns="" id="{88D5FD8C-55CD-AD30-1E91-60750BCCDF72}"/>
+                <a16:creationId xmlns:a16="http://schemas.microsoft.com/office/drawing/2014/main" id="{88D5FD8C-55CD-AD30-1E91-60750BCCDF72}"/>
               </a:ext>
             </a:extLst>
           </p:cNvPr>
@@ -4983,7 +4626,7 @@
           <a:lstStyle/>
           <a:p>
             <a:r>
-              <a:rPr lang="en-GB" smtClean="0"/>
+              <a:rPr lang="en-GB"/>
               <a:t>present by:</a:t>
             </a:r>
             <a:endParaRPr lang="en-GB" dirty="0"/>
@@ -4995,7 +4638,7 @@
           <p:cNvPr id="6" name="Slide Number Placeholder 5">
             <a:extLst>
               <a:ext uri="{FF2B5EF4-FFF2-40B4-BE49-F238E27FC236}">
-                <a16:creationId xmlns:a16="http://schemas.microsoft.com/office/drawing/2014/main" xmlns="" id="{D15A2AD0-0D56-CC63-D932-D1C61C778073}"/>
+                <a16:creationId xmlns:a16="http://schemas.microsoft.com/office/drawing/2014/main" id="{D15A2AD0-0D56-CC63-D932-D1C61C778073}"/>
               </a:ext>
             </a:extLst>
           </p:cNvPr>
@@ -5023,7 +4666,7 @@
     </p:spTree>
     <p:extLst>
       <p:ext uri="{BB962C8B-B14F-4D97-AF65-F5344CB8AC3E}">
-        <p14:creationId xmlns:p14="http://schemas.microsoft.com/office/powerpoint/2010/main" xmlns="" val="3669486186"/>
+        <p14:creationId xmlns:p14="http://schemas.microsoft.com/office/powerpoint/2010/main" val="3669486186"/>
       </p:ext>
     </p:extLst>
   </p:cSld>
@@ -5055,7 +4698,7 @@
           <p:cNvPr id="2" name="Title 1">
             <a:extLst>
               <a:ext uri="{FF2B5EF4-FFF2-40B4-BE49-F238E27FC236}">
-                <a16:creationId xmlns:a16="http://schemas.microsoft.com/office/drawing/2014/main" xmlns="" id="{D9013920-E451-6E8D-B0CB-C3FB9C0F70BE}"/>
+                <a16:creationId xmlns:a16="http://schemas.microsoft.com/office/drawing/2014/main" id="{D9013920-E451-6E8D-B0CB-C3FB9C0F70BE}"/>
               </a:ext>
             </a:extLst>
           </p:cNvPr>
@@ -5083,7 +4726,7 @@
           <p:cNvPr id="3" name="Content Placeholder 2">
             <a:extLst>
               <a:ext uri="{FF2B5EF4-FFF2-40B4-BE49-F238E27FC236}">
-                <a16:creationId xmlns:a16="http://schemas.microsoft.com/office/drawing/2014/main" xmlns="" id="{D47CFBA5-B73E-6B89-322D-7C32A35A121C}"/>
+                <a16:creationId xmlns:a16="http://schemas.microsoft.com/office/drawing/2014/main" id="{D47CFBA5-B73E-6B89-322D-7C32A35A121C}"/>
               </a:ext>
             </a:extLst>
           </p:cNvPr>
@@ -5145,7 +4788,7 @@
           <p:cNvPr id="4" name="Content Placeholder 3">
             <a:extLst>
               <a:ext uri="{FF2B5EF4-FFF2-40B4-BE49-F238E27FC236}">
-                <a16:creationId xmlns:a16="http://schemas.microsoft.com/office/drawing/2014/main" xmlns="" id="{C4BF8199-371A-141A-1CD7-D551EEEFDFB9}"/>
+                <a16:creationId xmlns:a16="http://schemas.microsoft.com/office/drawing/2014/main" id="{C4BF8199-371A-141A-1CD7-D551EEEFDFB9}"/>
               </a:ext>
             </a:extLst>
           </p:cNvPr>
@@ -5207,7 +4850,7 @@
           <p:cNvPr id="5" name="Date Placeholder 4">
             <a:extLst>
               <a:ext uri="{FF2B5EF4-FFF2-40B4-BE49-F238E27FC236}">
-                <a16:creationId xmlns:a16="http://schemas.microsoft.com/office/drawing/2014/main" xmlns="" id="{D963C60A-FE48-2910-84A1-612B23A7822D}"/>
+                <a16:creationId xmlns:a16="http://schemas.microsoft.com/office/drawing/2014/main" id="{D963C60A-FE48-2910-84A1-612B23A7822D}"/>
               </a:ext>
             </a:extLst>
           </p:cNvPr>
@@ -5226,7 +4869,7 @@
             <a:fld id="{148E7002-1C4E-4597-BE1D-41156F986DF4}" type="datetime1">
               <a:rPr lang="en-GB" smtClean="0"/>
               <a:pPr/>
-              <a:t>27/09/2025</a:t>
+              <a:t>29/09/2025</a:t>
             </a:fld>
             <a:endParaRPr lang="en-GB" dirty="0"/>
           </a:p>
@@ -5237,7 +4880,7 @@
           <p:cNvPr id="6" name="Footer Placeholder 5">
             <a:extLst>
               <a:ext uri="{FF2B5EF4-FFF2-40B4-BE49-F238E27FC236}">
-                <a16:creationId xmlns:a16="http://schemas.microsoft.com/office/drawing/2014/main" xmlns="" id="{D7BC67CE-6F73-71D9-BF0B-18A7CD945CD9}"/>
+                <a16:creationId xmlns:a16="http://schemas.microsoft.com/office/drawing/2014/main" id="{D7BC67CE-6F73-71D9-BF0B-18A7CD945CD9}"/>
               </a:ext>
             </a:extLst>
           </p:cNvPr>
@@ -5254,7 +4897,7 @@
           <a:lstStyle/>
           <a:p>
             <a:r>
-              <a:rPr lang="en-GB" smtClean="0"/>
+              <a:rPr lang="en-GB"/>
               <a:t>present by:</a:t>
             </a:r>
             <a:endParaRPr lang="en-GB" dirty="0"/>
@@ -5266,7 +4909,7 @@
           <p:cNvPr id="7" name="Slide Number Placeholder 6">
             <a:extLst>
               <a:ext uri="{FF2B5EF4-FFF2-40B4-BE49-F238E27FC236}">
-                <a16:creationId xmlns:a16="http://schemas.microsoft.com/office/drawing/2014/main" xmlns="" id="{DE580765-E2ED-A6A2-9401-8425BFA02772}"/>
+                <a16:creationId xmlns:a16="http://schemas.microsoft.com/office/drawing/2014/main" id="{DE580765-E2ED-A6A2-9401-8425BFA02772}"/>
               </a:ext>
             </a:extLst>
           </p:cNvPr>
@@ -5294,7 +4937,7 @@
     </p:spTree>
     <p:extLst>
       <p:ext uri="{BB962C8B-B14F-4D97-AF65-F5344CB8AC3E}">
-        <p14:creationId xmlns:p14="http://schemas.microsoft.com/office/powerpoint/2010/main" xmlns="" val="1645754821"/>
+        <p14:creationId xmlns:p14="http://schemas.microsoft.com/office/powerpoint/2010/main" val="1645754821"/>
       </p:ext>
     </p:extLst>
   </p:cSld>
@@ -5326,7 +4969,7 @@
           <p:cNvPr id="2" name="Title 1">
             <a:extLst>
               <a:ext uri="{FF2B5EF4-FFF2-40B4-BE49-F238E27FC236}">
-                <a16:creationId xmlns:a16="http://schemas.microsoft.com/office/drawing/2014/main" xmlns="" id="{5D5BF7B7-87CF-1A3E-E33E-44DC6E0152FF}"/>
+                <a16:creationId xmlns:a16="http://schemas.microsoft.com/office/drawing/2014/main" id="{5D5BF7B7-87CF-1A3E-E33E-44DC6E0152FF}"/>
               </a:ext>
             </a:extLst>
           </p:cNvPr>
@@ -5359,7 +5002,7 @@
           <p:cNvPr id="3" name="Text Placeholder 2">
             <a:extLst>
               <a:ext uri="{FF2B5EF4-FFF2-40B4-BE49-F238E27FC236}">
-                <a16:creationId xmlns:a16="http://schemas.microsoft.com/office/drawing/2014/main" xmlns="" id="{84B21B8D-C5F5-5242-4069-B1546B4BC046}"/>
+                <a16:creationId xmlns:a16="http://schemas.microsoft.com/office/drawing/2014/main" id="{84B21B8D-C5F5-5242-4069-B1546B4BC046}"/>
               </a:ext>
             </a:extLst>
           </p:cNvPr>
@@ -5430,7 +5073,7 @@
           <p:cNvPr id="4" name="Content Placeholder 3">
             <a:extLst>
               <a:ext uri="{FF2B5EF4-FFF2-40B4-BE49-F238E27FC236}">
-                <a16:creationId xmlns:a16="http://schemas.microsoft.com/office/drawing/2014/main" xmlns="" id="{274D26CD-98BD-17E2-BE55-DBB74BBC640E}"/>
+                <a16:creationId xmlns:a16="http://schemas.microsoft.com/office/drawing/2014/main" id="{274D26CD-98BD-17E2-BE55-DBB74BBC640E}"/>
               </a:ext>
             </a:extLst>
           </p:cNvPr>
@@ -5492,7 +5135,7 @@
           <p:cNvPr id="5" name="Text Placeholder 4">
             <a:extLst>
               <a:ext uri="{FF2B5EF4-FFF2-40B4-BE49-F238E27FC236}">
-                <a16:creationId xmlns:a16="http://schemas.microsoft.com/office/drawing/2014/main" xmlns="" id="{163B8D60-279E-D76A-9222-12B704BAEB38}"/>
+                <a16:creationId xmlns:a16="http://schemas.microsoft.com/office/drawing/2014/main" id="{163B8D60-279E-D76A-9222-12B704BAEB38}"/>
               </a:ext>
             </a:extLst>
           </p:cNvPr>
@@ -5563,7 +5206,7 @@
           <p:cNvPr id="6" name="Content Placeholder 5">
             <a:extLst>
               <a:ext uri="{FF2B5EF4-FFF2-40B4-BE49-F238E27FC236}">
-                <a16:creationId xmlns:a16="http://schemas.microsoft.com/office/drawing/2014/main" xmlns="" id="{4A1AF34B-F683-41AD-C71C-8E8C66CC4CC0}"/>
+                <a16:creationId xmlns:a16="http://schemas.microsoft.com/office/drawing/2014/main" id="{4A1AF34B-F683-41AD-C71C-8E8C66CC4CC0}"/>
               </a:ext>
             </a:extLst>
           </p:cNvPr>
@@ -5625,7 +5268,7 @@
           <p:cNvPr id="7" name="Date Placeholder 6">
             <a:extLst>
               <a:ext uri="{FF2B5EF4-FFF2-40B4-BE49-F238E27FC236}">
-                <a16:creationId xmlns:a16="http://schemas.microsoft.com/office/drawing/2014/main" xmlns="" id="{39696258-07C0-0BF2-CA2A-156B572B5B53}"/>
+                <a16:creationId xmlns:a16="http://schemas.microsoft.com/office/drawing/2014/main" id="{39696258-07C0-0BF2-CA2A-156B572B5B53}"/>
               </a:ext>
             </a:extLst>
           </p:cNvPr>
@@ -5644,7 +5287,7 @@
             <a:fld id="{410B4C1F-0A0D-4BEC-B32D-DA1E5DB2F446}" type="datetime1">
               <a:rPr lang="en-GB" smtClean="0"/>
               <a:pPr/>
-              <a:t>27/09/2025</a:t>
+              <a:t>29/09/2025</a:t>
             </a:fld>
             <a:endParaRPr lang="en-GB" dirty="0"/>
           </a:p>
@@ -5655,7 +5298,7 @@
           <p:cNvPr id="8" name="Footer Placeholder 7">
             <a:extLst>
               <a:ext uri="{FF2B5EF4-FFF2-40B4-BE49-F238E27FC236}">
-                <a16:creationId xmlns:a16="http://schemas.microsoft.com/office/drawing/2014/main" xmlns="" id="{6B07D047-C31B-4C8F-E0B3-75014FF62F8E}"/>
+                <a16:creationId xmlns:a16="http://schemas.microsoft.com/office/drawing/2014/main" id="{6B07D047-C31B-4C8F-E0B3-75014FF62F8E}"/>
               </a:ext>
             </a:extLst>
           </p:cNvPr>
@@ -5672,7 +5315,7 @@
           <a:lstStyle/>
           <a:p>
             <a:r>
-              <a:rPr lang="en-GB" smtClean="0"/>
+              <a:rPr lang="en-GB"/>
               <a:t>present by:</a:t>
             </a:r>
             <a:endParaRPr lang="en-GB" dirty="0"/>
@@ -5684,7 +5327,7 @@
           <p:cNvPr id="9" name="Slide Number Placeholder 8">
             <a:extLst>
               <a:ext uri="{FF2B5EF4-FFF2-40B4-BE49-F238E27FC236}">
-                <a16:creationId xmlns:a16="http://schemas.microsoft.com/office/drawing/2014/main" xmlns="" id="{9484742A-6F5B-071B-E0EA-980402529BCA}"/>
+                <a16:creationId xmlns:a16="http://schemas.microsoft.com/office/drawing/2014/main" id="{9484742A-6F5B-071B-E0EA-980402529BCA}"/>
               </a:ext>
             </a:extLst>
           </p:cNvPr>
@@ -5712,7 +5355,7 @@
     </p:spTree>
     <p:extLst>
       <p:ext uri="{BB962C8B-B14F-4D97-AF65-F5344CB8AC3E}">
-        <p14:creationId xmlns:p14="http://schemas.microsoft.com/office/powerpoint/2010/main" xmlns="" val="1848101979"/>
+        <p14:creationId xmlns:p14="http://schemas.microsoft.com/office/powerpoint/2010/main" val="1848101979"/>
       </p:ext>
     </p:extLst>
   </p:cSld>
@@ -5744,7 +5387,7 @@
           <p:cNvPr id="2" name="Title 1">
             <a:extLst>
               <a:ext uri="{FF2B5EF4-FFF2-40B4-BE49-F238E27FC236}">
-                <a16:creationId xmlns:a16="http://schemas.microsoft.com/office/drawing/2014/main" xmlns="" id="{D237C287-18A0-EB82-8A27-F94CA3880D06}"/>
+                <a16:creationId xmlns:a16="http://schemas.microsoft.com/office/drawing/2014/main" id="{D237C287-18A0-EB82-8A27-F94CA3880D06}"/>
               </a:ext>
             </a:extLst>
           </p:cNvPr>
@@ -5772,7 +5415,7 @@
           <p:cNvPr id="3" name="Date Placeholder 2">
             <a:extLst>
               <a:ext uri="{FF2B5EF4-FFF2-40B4-BE49-F238E27FC236}">
-                <a16:creationId xmlns:a16="http://schemas.microsoft.com/office/drawing/2014/main" xmlns="" id="{A42CDD78-FBCD-76B9-2CA1-031942F2198D}"/>
+                <a16:creationId xmlns:a16="http://schemas.microsoft.com/office/drawing/2014/main" id="{A42CDD78-FBCD-76B9-2CA1-031942F2198D}"/>
               </a:ext>
             </a:extLst>
           </p:cNvPr>
@@ -5791,7 +5434,7 @@
             <a:fld id="{CB1DE1C4-F818-4EB5-B9C8-3003604527FB}" type="datetime1">
               <a:rPr lang="en-GB" smtClean="0"/>
               <a:pPr/>
-              <a:t>27/09/2025</a:t>
+              <a:t>29/09/2025</a:t>
             </a:fld>
             <a:endParaRPr lang="en-GB" dirty="0"/>
           </a:p>
@@ -5802,7 +5445,7 @@
           <p:cNvPr id="4" name="Footer Placeholder 3">
             <a:extLst>
               <a:ext uri="{FF2B5EF4-FFF2-40B4-BE49-F238E27FC236}">
-                <a16:creationId xmlns:a16="http://schemas.microsoft.com/office/drawing/2014/main" xmlns="" id="{FC8218E7-E787-22C8-B531-FFEC9002A9B8}"/>
+                <a16:creationId xmlns:a16="http://schemas.microsoft.com/office/drawing/2014/main" id="{FC8218E7-E787-22C8-B531-FFEC9002A9B8}"/>
               </a:ext>
             </a:extLst>
           </p:cNvPr>
@@ -5819,7 +5462,7 @@
           <a:lstStyle/>
           <a:p>
             <a:r>
-              <a:rPr lang="en-GB" smtClean="0"/>
+              <a:rPr lang="en-GB"/>
               <a:t>present by:</a:t>
             </a:r>
             <a:endParaRPr lang="en-GB" dirty="0"/>
@@ -5831,7 +5474,7 @@
           <p:cNvPr id="5" name="Slide Number Placeholder 4">
             <a:extLst>
               <a:ext uri="{FF2B5EF4-FFF2-40B4-BE49-F238E27FC236}">
-                <a16:creationId xmlns:a16="http://schemas.microsoft.com/office/drawing/2014/main" xmlns="" id="{50876BDA-2FCA-9763-2EA1-4033A5600EFC}"/>
+                <a16:creationId xmlns:a16="http://schemas.microsoft.com/office/drawing/2014/main" id="{50876BDA-2FCA-9763-2EA1-4033A5600EFC}"/>
               </a:ext>
             </a:extLst>
           </p:cNvPr>
@@ -5859,7 +5502,7 @@
     </p:spTree>
     <p:extLst>
       <p:ext uri="{BB962C8B-B14F-4D97-AF65-F5344CB8AC3E}">
-        <p14:creationId xmlns:p14="http://schemas.microsoft.com/office/powerpoint/2010/main" xmlns="" val="1786705494"/>
+        <p14:creationId xmlns:p14="http://schemas.microsoft.com/office/powerpoint/2010/main" val="1786705494"/>
       </p:ext>
     </p:extLst>
   </p:cSld>
@@ -5891,7 +5534,7 @@
           <p:cNvPr id="2" name="Date Placeholder 1">
             <a:extLst>
               <a:ext uri="{FF2B5EF4-FFF2-40B4-BE49-F238E27FC236}">
-                <a16:creationId xmlns:a16="http://schemas.microsoft.com/office/drawing/2014/main" xmlns="" id="{5F0FDB8F-73D7-2EBC-A62D-4DC73794646B}"/>
+                <a16:creationId xmlns:a16="http://schemas.microsoft.com/office/drawing/2014/main" id="{5F0FDB8F-73D7-2EBC-A62D-4DC73794646B}"/>
               </a:ext>
             </a:extLst>
           </p:cNvPr>
@@ -5910,7 +5553,7 @@
             <a:fld id="{FC452156-F984-447A-A7B6-077333609EAA}" type="datetime1">
               <a:rPr lang="en-GB" smtClean="0"/>
               <a:pPr/>
-              <a:t>27/09/2025</a:t>
+              <a:t>29/09/2025</a:t>
             </a:fld>
             <a:endParaRPr lang="en-GB" dirty="0"/>
           </a:p>
@@ -5921,7 +5564,7 @@
           <p:cNvPr id="3" name="Footer Placeholder 2">
             <a:extLst>
               <a:ext uri="{FF2B5EF4-FFF2-40B4-BE49-F238E27FC236}">
-                <a16:creationId xmlns:a16="http://schemas.microsoft.com/office/drawing/2014/main" xmlns="" id="{8CD8D704-B4F5-F739-D1FA-65F2302BC187}"/>
+                <a16:creationId xmlns:a16="http://schemas.microsoft.com/office/drawing/2014/main" id="{8CD8D704-B4F5-F739-D1FA-65F2302BC187}"/>
               </a:ext>
             </a:extLst>
           </p:cNvPr>
@@ -5938,7 +5581,7 @@
           <a:lstStyle/>
           <a:p>
             <a:r>
-              <a:rPr lang="en-GB" smtClean="0"/>
+              <a:rPr lang="en-GB"/>
               <a:t>present by:</a:t>
             </a:r>
             <a:endParaRPr lang="en-GB" dirty="0"/>
@@ -5950,7 +5593,7 @@
           <p:cNvPr id="4" name="Slide Number Placeholder 3">
             <a:extLst>
               <a:ext uri="{FF2B5EF4-FFF2-40B4-BE49-F238E27FC236}">
-                <a16:creationId xmlns:a16="http://schemas.microsoft.com/office/drawing/2014/main" xmlns="" id="{AAC7751D-0392-D26F-33B1-9B05704F88C2}"/>
+                <a16:creationId xmlns:a16="http://schemas.microsoft.com/office/drawing/2014/main" id="{AAC7751D-0392-D26F-33B1-9B05704F88C2}"/>
               </a:ext>
             </a:extLst>
           </p:cNvPr>
@@ -5978,7 +5621,7 @@
     </p:spTree>
     <p:extLst>
       <p:ext uri="{BB962C8B-B14F-4D97-AF65-F5344CB8AC3E}">
-        <p14:creationId xmlns:p14="http://schemas.microsoft.com/office/powerpoint/2010/main" xmlns="" val="4024279848"/>
+        <p14:creationId xmlns:p14="http://schemas.microsoft.com/office/powerpoint/2010/main" val="4024279848"/>
       </p:ext>
     </p:extLst>
   </p:cSld>
@@ -6010,7 +5653,7 @@
           <p:cNvPr id="2" name="Title 1">
             <a:extLst>
               <a:ext uri="{FF2B5EF4-FFF2-40B4-BE49-F238E27FC236}">
-                <a16:creationId xmlns:a16="http://schemas.microsoft.com/office/drawing/2014/main" xmlns="" id="{7E94D20E-7D43-D4CD-1058-46300B8EE4FE}"/>
+                <a16:creationId xmlns:a16="http://schemas.microsoft.com/office/drawing/2014/main" id="{7E94D20E-7D43-D4CD-1058-46300B8EE4FE}"/>
               </a:ext>
             </a:extLst>
           </p:cNvPr>
@@ -6047,7 +5690,7 @@
           <p:cNvPr id="3" name="Content Placeholder 2">
             <a:extLst>
               <a:ext uri="{FF2B5EF4-FFF2-40B4-BE49-F238E27FC236}">
-                <a16:creationId xmlns:a16="http://schemas.microsoft.com/office/drawing/2014/main" xmlns="" id="{3EB6584A-B476-0EA1-C12B-07C273F70E7C}"/>
+                <a16:creationId xmlns:a16="http://schemas.microsoft.com/office/drawing/2014/main" id="{3EB6584A-B476-0EA1-C12B-07C273F70E7C}"/>
               </a:ext>
             </a:extLst>
           </p:cNvPr>
@@ -6137,7 +5780,7 @@
           <p:cNvPr id="4" name="Text Placeholder 3">
             <a:extLst>
               <a:ext uri="{FF2B5EF4-FFF2-40B4-BE49-F238E27FC236}">
-                <a16:creationId xmlns:a16="http://schemas.microsoft.com/office/drawing/2014/main" xmlns="" id="{51694232-1597-B186-D108-397BCF214D6E}"/>
+                <a16:creationId xmlns:a16="http://schemas.microsoft.com/office/drawing/2014/main" id="{51694232-1597-B186-D108-397BCF214D6E}"/>
               </a:ext>
             </a:extLst>
           </p:cNvPr>
@@ -6208,7 +5851,7 @@
           <p:cNvPr id="5" name="Date Placeholder 4">
             <a:extLst>
               <a:ext uri="{FF2B5EF4-FFF2-40B4-BE49-F238E27FC236}">
-                <a16:creationId xmlns:a16="http://schemas.microsoft.com/office/drawing/2014/main" xmlns="" id="{693685DB-F13A-97BE-F448-174160797353}"/>
+                <a16:creationId xmlns:a16="http://schemas.microsoft.com/office/drawing/2014/main" id="{693685DB-F13A-97BE-F448-174160797353}"/>
               </a:ext>
             </a:extLst>
           </p:cNvPr>
@@ -6227,7 +5870,7 @@
             <a:fld id="{455C1A75-C448-4478-BF80-56ED7F756758}" type="datetime1">
               <a:rPr lang="en-GB" smtClean="0"/>
               <a:pPr/>
-              <a:t>27/09/2025</a:t>
+              <a:t>29/09/2025</a:t>
             </a:fld>
             <a:endParaRPr lang="en-GB" dirty="0"/>
           </a:p>
@@ -6238,7 +5881,7 @@
           <p:cNvPr id="6" name="Footer Placeholder 5">
             <a:extLst>
               <a:ext uri="{FF2B5EF4-FFF2-40B4-BE49-F238E27FC236}">
-                <a16:creationId xmlns:a16="http://schemas.microsoft.com/office/drawing/2014/main" xmlns="" id="{5D70ACE2-CF77-9AC4-52EF-82FBD40BB672}"/>
+                <a16:creationId xmlns:a16="http://schemas.microsoft.com/office/drawing/2014/main" id="{5D70ACE2-CF77-9AC4-52EF-82FBD40BB672}"/>
               </a:ext>
             </a:extLst>
           </p:cNvPr>
@@ -6255,7 +5898,7 @@
           <a:lstStyle/>
           <a:p>
             <a:r>
-              <a:rPr lang="en-GB" smtClean="0"/>
+              <a:rPr lang="en-GB"/>
               <a:t>present by:</a:t>
             </a:r>
             <a:endParaRPr lang="en-GB" dirty="0"/>
@@ -6267,7 +5910,7 @@
           <p:cNvPr id="7" name="Slide Number Placeholder 6">
             <a:extLst>
               <a:ext uri="{FF2B5EF4-FFF2-40B4-BE49-F238E27FC236}">
-                <a16:creationId xmlns:a16="http://schemas.microsoft.com/office/drawing/2014/main" xmlns="" id="{A560D674-CAD3-59F8-9DF5-CA4D8E7A04CE}"/>
+                <a16:creationId xmlns:a16="http://schemas.microsoft.com/office/drawing/2014/main" id="{A560D674-CAD3-59F8-9DF5-CA4D8E7A04CE}"/>
               </a:ext>
             </a:extLst>
           </p:cNvPr>
@@ -6295,7 +5938,7 @@
     </p:spTree>
     <p:extLst>
       <p:ext uri="{BB962C8B-B14F-4D97-AF65-F5344CB8AC3E}">
-        <p14:creationId xmlns:p14="http://schemas.microsoft.com/office/powerpoint/2010/main" xmlns="" val="3727982439"/>
+        <p14:creationId xmlns:p14="http://schemas.microsoft.com/office/powerpoint/2010/main" val="3727982439"/>
       </p:ext>
     </p:extLst>
   </p:cSld>
@@ -6327,7 +5970,7 @@
           <p:cNvPr id="2" name="Title 1">
             <a:extLst>
               <a:ext uri="{FF2B5EF4-FFF2-40B4-BE49-F238E27FC236}">
-                <a16:creationId xmlns:a16="http://schemas.microsoft.com/office/drawing/2014/main" xmlns="" id="{F4E2DC87-27CE-5A07-9629-719DC91DE449}"/>
+                <a16:creationId xmlns:a16="http://schemas.microsoft.com/office/drawing/2014/main" id="{F4E2DC87-27CE-5A07-9629-719DC91DE449}"/>
               </a:ext>
             </a:extLst>
           </p:cNvPr>
@@ -6364,7 +6007,7 @@
           <p:cNvPr id="3" name="Picture Placeholder 2">
             <a:extLst>
               <a:ext uri="{FF2B5EF4-FFF2-40B4-BE49-F238E27FC236}">
-                <a16:creationId xmlns:a16="http://schemas.microsoft.com/office/drawing/2014/main" xmlns="" id="{3F65E744-3606-1D16-E7B2-58DAFC3E88A1}"/>
+                <a16:creationId xmlns:a16="http://schemas.microsoft.com/office/drawing/2014/main" id="{3F65E744-3606-1D16-E7B2-58DAFC3E88A1}"/>
               </a:ext>
             </a:extLst>
           </p:cNvPr>
@@ -6431,7 +6074,7 @@
           <p:cNvPr id="4" name="Text Placeholder 3">
             <a:extLst>
               <a:ext uri="{FF2B5EF4-FFF2-40B4-BE49-F238E27FC236}">
-                <a16:creationId xmlns:a16="http://schemas.microsoft.com/office/drawing/2014/main" xmlns="" id="{EEA9C703-BF20-85AF-358A-01ADED33CF13}"/>
+                <a16:creationId xmlns:a16="http://schemas.microsoft.com/office/drawing/2014/main" id="{EEA9C703-BF20-85AF-358A-01ADED33CF13}"/>
               </a:ext>
             </a:extLst>
           </p:cNvPr>
@@ -6502,7 +6145,7 @@
           <p:cNvPr id="5" name="Date Placeholder 4">
             <a:extLst>
               <a:ext uri="{FF2B5EF4-FFF2-40B4-BE49-F238E27FC236}">
-                <a16:creationId xmlns:a16="http://schemas.microsoft.com/office/drawing/2014/main" xmlns="" id="{564AE937-083F-51CA-E382-30FE9BEB01B2}"/>
+                <a16:creationId xmlns:a16="http://schemas.microsoft.com/office/drawing/2014/main" id="{564AE937-083F-51CA-E382-30FE9BEB01B2}"/>
               </a:ext>
             </a:extLst>
           </p:cNvPr>
@@ -6521,7 +6164,7 @@
             <a:fld id="{0F53539B-E332-4DFC-90F8-DC85A20E8C50}" type="datetime1">
               <a:rPr lang="en-GB" smtClean="0"/>
               <a:pPr/>
-              <a:t>27/09/2025</a:t>
+              <a:t>29/09/2025</a:t>
             </a:fld>
             <a:endParaRPr lang="en-GB" dirty="0"/>
           </a:p>
@@ -6532,7 +6175,7 @@
           <p:cNvPr id="6" name="Footer Placeholder 5">
             <a:extLst>
               <a:ext uri="{FF2B5EF4-FFF2-40B4-BE49-F238E27FC236}">
-                <a16:creationId xmlns:a16="http://schemas.microsoft.com/office/drawing/2014/main" xmlns="" id="{A11F255A-C1CC-7A32-A0B3-4283D8583650}"/>
+                <a16:creationId xmlns:a16="http://schemas.microsoft.com/office/drawing/2014/main" id="{A11F255A-C1CC-7A32-A0B3-4283D8583650}"/>
               </a:ext>
             </a:extLst>
           </p:cNvPr>
@@ -6549,7 +6192,7 @@
           <a:lstStyle/>
           <a:p>
             <a:r>
-              <a:rPr lang="en-GB" smtClean="0"/>
+              <a:rPr lang="en-GB"/>
               <a:t>present by:</a:t>
             </a:r>
             <a:endParaRPr lang="en-GB" dirty="0"/>
@@ -6561,7 +6204,7 @@
           <p:cNvPr id="7" name="Slide Number Placeholder 6">
             <a:extLst>
               <a:ext uri="{FF2B5EF4-FFF2-40B4-BE49-F238E27FC236}">
-                <a16:creationId xmlns:a16="http://schemas.microsoft.com/office/drawing/2014/main" xmlns="" id="{8476C013-C03F-024A-D0F4-FF67E6709890}"/>
+                <a16:creationId xmlns:a16="http://schemas.microsoft.com/office/drawing/2014/main" id="{8476C013-C03F-024A-D0F4-FF67E6709890}"/>
               </a:ext>
             </a:extLst>
           </p:cNvPr>
@@ -6589,7 +6232,7 @@
     </p:spTree>
     <p:extLst>
       <p:ext uri="{BB962C8B-B14F-4D97-AF65-F5344CB8AC3E}">
-        <p14:creationId xmlns:p14="http://schemas.microsoft.com/office/powerpoint/2010/main" xmlns="" val="2036317533"/>
+        <p14:creationId xmlns:p14="http://schemas.microsoft.com/office/powerpoint/2010/main" val="2036317533"/>
       </p:ext>
     </p:extLst>
   </p:cSld>
@@ -6626,7 +6269,7 @@
           <p:cNvPr id="2" name="Title Placeholder 1">
             <a:extLst>
               <a:ext uri="{FF2B5EF4-FFF2-40B4-BE49-F238E27FC236}">
-                <a16:creationId xmlns:a16="http://schemas.microsoft.com/office/drawing/2014/main" xmlns="" id="{74A75E23-C68E-95B1-6539-4A187BBC42F7}"/>
+                <a16:creationId xmlns:a16="http://schemas.microsoft.com/office/drawing/2014/main" id="{74A75E23-C68E-95B1-6539-4A187BBC42F7}"/>
               </a:ext>
             </a:extLst>
           </p:cNvPr>
@@ -6664,7 +6307,7 @@
           <p:cNvPr id="3" name="Text Placeholder 2">
             <a:extLst>
               <a:ext uri="{FF2B5EF4-FFF2-40B4-BE49-F238E27FC236}">
-                <a16:creationId xmlns:a16="http://schemas.microsoft.com/office/drawing/2014/main" xmlns="" id="{476B4C36-B64B-F839-789E-0C40D5E60E0F}"/>
+                <a16:creationId xmlns:a16="http://schemas.microsoft.com/office/drawing/2014/main" id="{476B4C36-B64B-F839-789E-0C40D5E60E0F}"/>
               </a:ext>
             </a:extLst>
           </p:cNvPr>
@@ -6731,7 +6374,7 @@
           <p:cNvPr id="4" name="Date Placeholder 3">
             <a:extLst>
               <a:ext uri="{FF2B5EF4-FFF2-40B4-BE49-F238E27FC236}">
-                <a16:creationId xmlns:a16="http://schemas.microsoft.com/office/drawing/2014/main" xmlns="" id="{A6D593D3-E60D-CF97-AC8A-2B02D933B02F}"/>
+                <a16:creationId xmlns:a16="http://schemas.microsoft.com/office/drawing/2014/main" id="{A6D593D3-E60D-CF97-AC8A-2B02D933B02F}"/>
               </a:ext>
             </a:extLst>
           </p:cNvPr>
@@ -6768,7 +6411,7 @@
             <a:fld id="{02FE8E81-142D-49A5-8141-395401F28A50}" type="datetime1">
               <a:rPr lang="en-GB" smtClean="0"/>
               <a:pPr/>
-              <a:t>27/09/2025</a:t>
+              <a:t>29/09/2025</a:t>
             </a:fld>
             <a:endParaRPr lang="en-GB" dirty="0"/>
           </a:p>
@@ -6779,7 +6422,7 @@
           <p:cNvPr id="5" name="Footer Placeholder 4">
             <a:extLst>
               <a:ext uri="{FF2B5EF4-FFF2-40B4-BE49-F238E27FC236}">
-                <a16:creationId xmlns:a16="http://schemas.microsoft.com/office/drawing/2014/main" xmlns="" id="{F164827E-F028-4C94-EB63-600BCABCD15C}"/>
+                <a16:creationId xmlns:a16="http://schemas.microsoft.com/office/drawing/2014/main" id="{F164827E-F028-4C94-EB63-600BCABCD15C}"/>
               </a:ext>
             </a:extLst>
           </p:cNvPr>
@@ -6814,7 +6457,7 @@
           </a:lstStyle>
           <a:p>
             <a:r>
-              <a:rPr lang="en-GB" smtClean="0"/>
+              <a:rPr lang="en-GB"/>
               <a:t>present by:</a:t>
             </a:r>
             <a:endParaRPr lang="en-GB" dirty="0"/>
@@ -6826,7 +6469,7 @@
           <p:cNvPr id="6" name="Slide Number Placeholder 5">
             <a:extLst>
               <a:ext uri="{FF2B5EF4-FFF2-40B4-BE49-F238E27FC236}">
-                <a16:creationId xmlns:a16="http://schemas.microsoft.com/office/drawing/2014/main" xmlns="" id="{00B8DD39-3F07-862A-3C91-AC524529184A}"/>
+                <a16:creationId xmlns:a16="http://schemas.microsoft.com/office/drawing/2014/main" id="{00B8DD39-3F07-862A-3C91-AC524529184A}"/>
               </a:ext>
             </a:extLst>
           </p:cNvPr>
@@ -6872,7 +6515,7 @@
     </p:spTree>
     <p:extLst>
       <p:ext uri="{BB962C8B-B14F-4D97-AF65-F5344CB8AC3E}">
-        <p14:creationId xmlns:p14="http://schemas.microsoft.com/office/powerpoint/2010/main" xmlns="" val="2725077284"/>
+        <p14:creationId xmlns:p14="http://schemas.microsoft.com/office/powerpoint/2010/main" val="2725077284"/>
       </p:ext>
     </p:extLst>
   </p:cSld>
@@ -7201,7 +6844,7 @@
           <p:cNvPr id="2" name="Title Placeholder 1">
             <a:extLst>
               <a:ext uri="{FF2B5EF4-FFF2-40B4-BE49-F238E27FC236}">
-                <a16:creationId xmlns:a16="http://schemas.microsoft.com/office/drawing/2014/main" xmlns="" id="{2F324F72-DEC3-C328-E288-A7FC5B1D56D3}"/>
+                <a16:creationId xmlns:a16="http://schemas.microsoft.com/office/drawing/2014/main" id="{2F324F72-DEC3-C328-E288-A7FC5B1D56D3}"/>
               </a:ext>
             </a:extLst>
           </p:cNvPr>
@@ -7239,7 +6882,7 @@
           <p:cNvPr id="3" name="Text Placeholder 2">
             <a:extLst>
               <a:ext uri="{FF2B5EF4-FFF2-40B4-BE49-F238E27FC236}">
-                <a16:creationId xmlns:a16="http://schemas.microsoft.com/office/drawing/2014/main" xmlns="" id="{4A7096B6-F39D-5D3A-895A-1CE61CD3F621}"/>
+                <a16:creationId xmlns:a16="http://schemas.microsoft.com/office/drawing/2014/main" id="{4A7096B6-F39D-5D3A-895A-1CE61CD3F621}"/>
               </a:ext>
             </a:extLst>
           </p:cNvPr>
@@ -7306,7 +6949,7 @@
           <p:cNvPr id="4" name="Date Placeholder 3">
             <a:extLst>
               <a:ext uri="{FF2B5EF4-FFF2-40B4-BE49-F238E27FC236}">
-                <a16:creationId xmlns:a16="http://schemas.microsoft.com/office/drawing/2014/main" xmlns="" id="{520726E2-FBE9-5D75-A698-6FD0ED09701B}"/>
+                <a16:creationId xmlns:a16="http://schemas.microsoft.com/office/drawing/2014/main" id="{520726E2-FBE9-5D75-A698-6FD0ED09701B}"/>
               </a:ext>
             </a:extLst>
           </p:cNvPr>
@@ -7343,7 +6986,7 @@
             <a:fld id="{139CAC94-EA0F-4A04-8BA7-AB69D1284E60}" type="datetime1">
               <a:rPr lang="en-GB" smtClean="0"/>
               <a:pPr/>
-              <a:t>27/09/2025</a:t>
+              <a:t>29/09/2025</a:t>
             </a:fld>
             <a:endParaRPr lang="en-GB" dirty="0"/>
           </a:p>
@@ -7354,7 +6997,7 @@
           <p:cNvPr id="5" name="Footer Placeholder 4">
             <a:extLst>
               <a:ext uri="{FF2B5EF4-FFF2-40B4-BE49-F238E27FC236}">
-                <a16:creationId xmlns:a16="http://schemas.microsoft.com/office/drawing/2014/main" xmlns="" id="{775CAFA2-68FA-9BA2-4F27-A8680F507961}"/>
+                <a16:creationId xmlns:a16="http://schemas.microsoft.com/office/drawing/2014/main" id="{775CAFA2-68FA-9BA2-4F27-A8680F507961}"/>
               </a:ext>
             </a:extLst>
           </p:cNvPr>
@@ -7389,7 +7032,7 @@
           </a:lstStyle>
           <a:p>
             <a:r>
-              <a:rPr lang="en-GB" smtClean="0"/>
+              <a:rPr lang="en-GB"/>
               <a:t>present by:</a:t>
             </a:r>
             <a:endParaRPr lang="en-GB" dirty="0"/>
@@ -7401,7 +7044,7 @@
           <p:cNvPr id="6" name="Slide Number Placeholder 5">
             <a:extLst>
               <a:ext uri="{FF2B5EF4-FFF2-40B4-BE49-F238E27FC236}">
-                <a16:creationId xmlns:a16="http://schemas.microsoft.com/office/drawing/2014/main" xmlns="" id="{C1A027B2-667B-4034-930B-AB076347AC10}"/>
+                <a16:creationId xmlns:a16="http://schemas.microsoft.com/office/drawing/2014/main" id="{C1A027B2-667B-4034-930B-AB076347AC10}"/>
               </a:ext>
             </a:extLst>
           </p:cNvPr>
@@ -7447,7 +7090,7 @@
     </p:spTree>
     <p:extLst>
       <p:ext uri="{BB962C8B-B14F-4D97-AF65-F5344CB8AC3E}">
-        <p14:creationId xmlns:p14="http://schemas.microsoft.com/office/powerpoint/2010/main" xmlns="" val="2561481761"/>
+        <p14:creationId xmlns:p14="http://schemas.microsoft.com/office/powerpoint/2010/main" val="2561481761"/>
       </p:ext>
     </p:extLst>
   </p:cSld>
@@ -7771,7 +7414,7 @@
           <p:cNvPr id="2" name="Title 1">
             <a:extLst>
               <a:ext uri="{FF2B5EF4-FFF2-40B4-BE49-F238E27FC236}">
-                <a16:creationId xmlns:a16="http://schemas.microsoft.com/office/drawing/2014/main" xmlns="" id="{99F47672-3CC8-A3D9-5404-84F2B78B6280}"/>
+                <a16:creationId xmlns:a16="http://schemas.microsoft.com/office/drawing/2014/main" id="{99F47672-3CC8-A3D9-5404-84F2B78B6280}"/>
               </a:ext>
             </a:extLst>
           </p:cNvPr>
@@ -7795,7 +7438,7 @@
           <a:lstStyle/>
           <a:p>
             <a:r>
-              <a:rPr lang="it-IT" sz="4000" dirty="0" smtClean="0">
+              <a:rPr lang="it-IT" sz="4000" dirty="0">
                 <a:latin typeface="Times New Roman" pitchFamily="18" charset="0"/>
                 <a:cs typeface="Times New Roman" pitchFamily="18" charset="0"/>
               </a:rPr>
@@ -7813,7 +7456,7 @@
           <p:cNvPr id="3" name="Subtitle 2">
             <a:extLst>
               <a:ext uri="{FF2B5EF4-FFF2-40B4-BE49-F238E27FC236}">
-                <a16:creationId xmlns:a16="http://schemas.microsoft.com/office/drawing/2014/main" xmlns="" id="{277A63BB-08BE-619B-2533-3CC69CC19E93}"/>
+                <a16:creationId xmlns:a16="http://schemas.microsoft.com/office/drawing/2014/main" id="{277A63BB-08BE-619B-2533-3CC69CC19E93}"/>
               </a:ext>
             </a:extLst>
           </p:cNvPr>
@@ -7841,19 +7484,8 @@
                 <a:latin typeface="Times New Roman" pitchFamily="18" charset="0"/>
                 <a:cs typeface="Times New Roman" pitchFamily="18" charset="0"/>
               </a:rPr>
-              <a:t>Week </a:t>
+              <a:t>Week number : 02</a:t>
             </a:r>
-            <a:r>
-              <a:rPr lang="it-IT" sz="2000" dirty="0" smtClean="0">
-                <a:latin typeface="Times New Roman" pitchFamily="18" charset="0"/>
-                <a:cs typeface="Times New Roman" pitchFamily="18" charset="0"/>
-              </a:rPr>
-              <a:t>number : 02</a:t>
-            </a:r>
-            <a:endParaRPr lang="it-IT" sz="2000" dirty="0">
-              <a:latin typeface="Times New Roman" pitchFamily="18" charset="0"/>
-              <a:cs typeface="Times New Roman" pitchFamily="18" charset="0"/>
-            </a:endParaRPr>
           </a:p>
           <a:p>
             <a:r>
@@ -7861,19 +7493,8 @@
                 <a:latin typeface="Times New Roman" pitchFamily="18" charset="0"/>
                 <a:cs typeface="Times New Roman" pitchFamily="18" charset="0"/>
               </a:rPr>
-              <a:t>Date: </a:t>
+              <a:t>Date: 30/09/2025</a:t>
             </a:r>
-            <a:r>
-              <a:rPr lang="it-IT" sz="2000" dirty="0" smtClean="0">
-                <a:latin typeface="Times New Roman" pitchFamily="18" charset="0"/>
-                <a:cs typeface="Times New Roman" pitchFamily="18" charset="0"/>
-              </a:rPr>
-              <a:t>30/09/2025</a:t>
-            </a:r>
-            <a:endParaRPr lang="it-IT" sz="2000" dirty="0">
-              <a:latin typeface="Times New Roman" pitchFamily="18" charset="0"/>
-              <a:cs typeface="Times New Roman" pitchFamily="18" charset="0"/>
-            </a:endParaRPr>
           </a:p>
           <a:p>
             <a:r>
@@ -7881,14 +7502,7 @@
                 <a:latin typeface="Times New Roman" pitchFamily="18" charset="0"/>
                 <a:cs typeface="Times New Roman" pitchFamily="18" charset="0"/>
               </a:rPr>
-              <a:t>Supervisor: Prof. </a:t>
-            </a:r>
-            <a:r>
-              <a:rPr lang="it-IT" sz="2000" dirty="0" smtClean="0">
-                <a:latin typeface="Times New Roman" pitchFamily="18" charset="0"/>
-                <a:cs typeface="Times New Roman" pitchFamily="18" charset="0"/>
-              </a:rPr>
-              <a:t>Peter Quell</a:t>
+              <a:t>Supervisor: Prof. Peter Quell</a:t>
             </a:r>
             <a:endParaRPr lang="en-GB" sz="2000" dirty="0">
               <a:latin typeface="Times New Roman" pitchFamily="18" charset="0"/>
@@ -7902,7 +7516,7 @@
           <p:cNvPr id="8" name="Picture 8" descr="Hochschule Flensburg (Fachhochschule) – Wikipedia">
             <a:extLst>
               <a:ext uri="{FF2B5EF4-FFF2-40B4-BE49-F238E27FC236}">
-                <a16:creationId xmlns:a16="http://schemas.microsoft.com/office/drawing/2014/main" xmlns="" id="{E88D30C2-B846-594F-69A8-55F55380460E}"/>
+                <a16:creationId xmlns:a16="http://schemas.microsoft.com/office/drawing/2014/main" id="{E88D30C2-B846-594F-69A8-55F55380460E}"/>
               </a:ext>
             </a:extLst>
           </p:cNvPr>
@@ -7915,7 +7529,7 @@
           <a:blip r:embed="rId3" cstate="print">
             <a:extLst>
               <a:ext uri="{28A0092B-C50C-407E-A947-70E740481C1C}">
-                <a14:useLocalDpi xmlns:a14="http://schemas.microsoft.com/office/drawing/2010/main" xmlns="" val="0"/>
+                <a14:useLocalDpi xmlns:a14="http://schemas.microsoft.com/office/drawing/2010/main" val="0"/>
               </a:ext>
             </a:extLst>
           </a:blip>
@@ -7978,7 +7592,7 @@
           <a:noFill/>
           <a:extLst>
             <a:ext uri="{909E8E84-426E-40DD-AFC4-6F175D3DCCD1}">
-              <a14:hiddenFill xmlns:a14="http://schemas.microsoft.com/office/drawing/2010/main" xmlns="">
+              <a14:hiddenFill xmlns:a14="http://schemas.microsoft.com/office/drawing/2010/main">
                 <a:solidFill>
                   <a:srgbClr val="FFFFFF"/>
                 </a:solidFill>
@@ -7992,7 +7606,7 @@
           <p:cNvPr id="9" name="Picture 14" descr="A black background with blue text&#10;&#10;AI-generated content may be incorrect.">
             <a:extLst>
               <a:ext uri="{FF2B5EF4-FFF2-40B4-BE49-F238E27FC236}">
-                <a16:creationId xmlns:a16="http://schemas.microsoft.com/office/drawing/2014/main" xmlns="" id="{EE7EEC8C-633A-AEB3-3E8A-978E3C75A188}"/>
+                <a16:creationId xmlns:a16="http://schemas.microsoft.com/office/drawing/2014/main" id="{EE7EEC8C-633A-AEB3-3E8A-978E3C75A188}"/>
               </a:ext>
             </a:extLst>
           </p:cNvPr>
@@ -8005,7 +7619,7 @@
           <a:blip r:embed="rId4" cstate="print">
             <a:extLst>
               <a:ext uri="{28A0092B-C50C-407E-A947-70E740481C1C}">
-                <a14:useLocalDpi xmlns:a14="http://schemas.microsoft.com/office/drawing/2010/main" xmlns="" val="0"/>
+                <a14:useLocalDpi xmlns:a14="http://schemas.microsoft.com/office/drawing/2010/main" val="0"/>
               </a:ext>
             </a:extLst>
           </a:blip>
@@ -8068,7 +7682,7 @@
           <a:noFill/>
           <a:extLst>
             <a:ext uri="{909E8E84-426E-40DD-AFC4-6F175D3DCCD1}">
-              <a14:hiddenFill xmlns:a14="http://schemas.microsoft.com/office/drawing/2010/main" xmlns="">
+              <a14:hiddenFill xmlns:a14="http://schemas.microsoft.com/office/drawing/2010/main">
                 <a:solidFill>
                   <a:srgbClr val="FFFFFF"/>
                 </a:solidFill>
@@ -8082,7 +7696,7 @@
           <p:cNvPr id="11" name="Grafik 10">
             <a:extLst>
               <a:ext uri="{FF2B5EF4-FFF2-40B4-BE49-F238E27FC236}">
-                <a16:creationId xmlns:a16="http://schemas.microsoft.com/office/drawing/2014/main" xmlns="" id="{D13120F1-DE8B-A6AA-A1D5-19926A98F028}"/>
+                <a16:creationId xmlns:a16="http://schemas.microsoft.com/office/drawing/2014/main" id="{D13120F1-DE8B-A6AA-A1D5-19926A98F028}"/>
               </a:ext>
             </a:extLst>
           </p:cNvPr>
@@ -8112,7 +7726,7 @@
           <p:cNvPr id="34" name="Free-form: Shape 13">
             <a:extLst>
               <a:ext uri="{FF2B5EF4-FFF2-40B4-BE49-F238E27FC236}">
-                <a16:creationId xmlns:a16="http://schemas.microsoft.com/office/drawing/2014/main" xmlns="" id="{44C88E41-E5B3-0D11-A4D3-711DA18380C9}"/>
+                <a16:creationId xmlns:a16="http://schemas.microsoft.com/office/drawing/2014/main" id="{44C88E41-E5B3-0D11-A4D3-711DA18380C9}"/>
               </a:ext>
             </a:extLst>
           </p:cNvPr>
@@ -8808,7 +8422,7 @@
           <p:cNvPr id="35" name="Free-form: Shape 13">
             <a:extLst>
               <a:ext uri="{FF2B5EF4-FFF2-40B4-BE49-F238E27FC236}">
-                <a16:creationId xmlns:a16="http://schemas.microsoft.com/office/drawing/2014/main" xmlns="" id="{C26B78DF-71CA-5509-F4C5-6276C7251B89}"/>
+                <a16:creationId xmlns:a16="http://schemas.microsoft.com/office/drawing/2014/main" id="{C26B78DF-71CA-5509-F4C5-6276C7251B89}"/>
               </a:ext>
             </a:extLst>
           </p:cNvPr>
@@ -9276,7 +8890,7 @@
           <p:cNvPr id="36" name="Free-form: Shape 13">
             <a:extLst>
               <a:ext uri="{FF2B5EF4-FFF2-40B4-BE49-F238E27FC236}">
-                <a16:creationId xmlns:a16="http://schemas.microsoft.com/office/drawing/2014/main" xmlns="" id="{2AC7F7CE-A165-18C0-6918-B9EA07638042}"/>
+                <a16:creationId xmlns:a16="http://schemas.microsoft.com/office/drawing/2014/main" id="{2AC7F7CE-A165-18C0-6918-B9EA07638042}"/>
               </a:ext>
             </a:extLst>
           </p:cNvPr>
@@ -10004,7 +9618,7 @@
           <p:cNvPr id="4" name="Rechteck 17">
             <a:extLst>
               <a:ext uri="{FF2B5EF4-FFF2-40B4-BE49-F238E27FC236}">
-                <a16:creationId xmlns:a16="http://schemas.microsoft.com/office/drawing/2014/main" xmlns="" id="{735E7E19-AD9A-2739-2D13-BC73EA4C7596}"/>
+                <a16:creationId xmlns:a16="http://schemas.microsoft.com/office/drawing/2014/main" id="{735E7E19-AD9A-2739-2D13-BC73EA4C7596}"/>
               </a:ext>
             </a:extLst>
           </p:cNvPr>
@@ -10058,7 +9672,7 @@
           <p:cNvPr id="19" name="Picture 18" descr="A white windmill with clouds in the background&#10;&#10;AI-generated content may be incorrect.">
             <a:extLst>
               <a:ext uri="{FF2B5EF4-FFF2-40B4-BE49-F238E27FC236}">
-                <a16:creationId xmlns:a16="http://schemas.microsoft.com/office/drawing/2014/main" xmlns="" id="{2FD2ECB6-38EA-E857-A881-0C8E141A489F}"/>
+                <a16:creationId xmlns:a16="http://schemas.microsoft.com/office/drawing/2014/main" id="{2FD2ECB6-38EA-E857-A881-0C8E141A489F}"/>
               </a:ext>
             </a:extLst>
           </p:cNvPr>
@@ -10071,7 +9685,7 @@
           <a:blip r:embed="rId6" cstate="print">
             <a:extLst>
               <a:ext uri="{28A0092B-C50C-407E-A947-70E740481C1C}">
-                <a14:useLocalDpi xmlns:a14="http://schemas.microsoft.com/office/drawing/2010/main" xmlns="" val="0"/>
+                <a14:useLocalDpi xmlns:a14="http://schemas.microsoft.com/office/drawing/2010/main" val="0"/>
               </a:ext>
             </a:extLst>
           </a:blip>
@@ -10112,7 +9726,7 @@
           <a:lstStyle/>
           <a:p>
             <a:r>
-              <a:rPr lang="en-US" b="1" dirty="0" smtClean="0">
+              <a:rPr lang="en-US" b="1" dirty="0">
                 <a:latin typeface="Times New Roman" pitchFamily="18" charset="0"/>
                 <a:cs typeface="Times New Roman" pitchFamily="18" charset="0"/>
               </a:rPr>
@@ -10125,7 +9739,7 @@
               <a:buAutoNum type="arabicPeriod"/>
             </a:pPr>
             <a:r>
-              <a:rPr lang="en-US" dirty="0" smtClean="0">
+              <a:rPr lang="en-US" dirty="0">
                 <a:latin typeface="Times New Roman" pitchFamily="18" charset="0"/>
                 <a:cs typeface="Times New Roman" pitchFamily="18" charset="0"/>
               </a:rPr>
@@ -10138,7 +9752,7 @@
               <a:buAutoNum type="arabicPeriod"/>
             </a:pPr>
             <a:r>
-              <a:rPr lang="en-US" dirty="0" smtClean="0">
+              <a:rPr lang="en-US" dirty="0">
                 <a:latin typeface="Times New Roman" pitchFamily="18" charset="0"/>
                 <a:cs typeface="Times New Roman" pitchFamily="18" charset="0"/>
               </a:rPr>
@@ -10151,7 +9765,7 @@
               <a:buAutoNum type="arabicPeriod"/>
             </a:pPr>
             <a:r>
-              <a:rPr lang="en-US" dirty="0" smtClean="0">
+              <a:rPr lang="en-US" dirty="0">
                 <a:latin typeface="Times New Roman" pitchFamily="18" charset="0"/>
                 <a:cs typeface="Times New Roman" pitchFamily="18" charset="0"/>
               </a:rPr>
@@ -10164,23 +9778,19 @@
               <a:buAutoNum type="arabicPeriod"/>
             </a:pPr>
             <a:r>
-              <a:rPr lang="en-US" dirty="0" smtClean="0">
+              <a:rPr lang="en-US" dirty="0">
                 <a:latin typeface="Times New Roman" pitchFamily="18" charset="0"/>
                 <a:cs typeface="Times New Roman" pitchFamily="18" charset="0"/>
               </a:rPr>
               <a:t>Syed Mohammed Sikandar</a:t>
             </a:r>
-            <a:endParaRPr lang="en-US" dirty="0">
-              <a:latin typeface="Times New Roman" pitchFamily="18" charset="0"/>
-              <a:cs typeface="Times New Roman" pitchFamily="18" charset="0"/>
-            </a:endParaRPr>
           </a:p>
         </p:txBody>
       </p:sp>
     </p:spTree>
     <p:extLst>
       <p:ext uri="{BB962C8B-B14F-4D97-AF65-F5344CB8AC3E}">
-        <p14:creationId xmlns:p14="http://schemas.microsoft.com/office/powerpoint/2010/main" xmlns="" val="736408120"/>
+        <p14:creationId xmlns:p14="http://schemas.microsoft.com/office/powerpoint/2010/main" val="736408120"/>
       </p:ext>
     </p:extLst>
   </p:cSld>
@@ -10212,7 +9822,7 @@
           <p:cNvPr id="11" name="Free-form: Shape 13">
             <a:extLst>
               <a:ext uri="{FF2B5EF4-FFF2-40B4-BE49-F238E27FC236}">
-                <a16:creationId xmlns:a16="http://schemas.microsoft.com/office/drawing/2014/main" xmlns="" id="{727BC127-4545-D3CD-4862-C320531ABA9D}"/>
+                <a16:creationId xmlns:a16="http://schemas.microsoft.com/office/drawing/2014/main" id="{727BC127-4545-D3CD-4862-C320531ABA9D}"/>
               </a:ext>
             </a:extLst>
           </p:cNvPr>
@@ -10940,7 +10550,7 @@
           <p:cNvPr id="10" name="Free-form: Shape 13">
             <a:extLst>
               <a:ext uri="{FF2B5EF4-FFF2-40B4-BE49-F238E27FC236}">
-                <a16:creationId xmlns:a16="http://schemas.microsoft.com/office/drawing/2014/main" xmlns="" id="{5F9413CA-8E0D-B250-B31E-4AA68BA7D014}"/>
+                <a16:creationId xmlns:a16="http://schemas.microsoft.com/office/drawing/2014/main" id="{5F9413CA-8E0D-B250-B31E-4AA68BA7D014}"/>
               </a:ext>
             </a:extLst>
           </p:cNvPr>
@@ -11408,7 +11018,7 @@
           <p:cNvPr id="9" name="Free-form: Shape 13">
             <a:extLst>
               <a:ext uri="{FF2B5EF4-FFF2-40B4-BE49-F238E27FC236}">
-                <a16:creationId xmlns:a16="http://schemas.microsoft.com/office/drawing/2014/main" xmlns="" id="{87E5E9A3-5B8C-CBB5-88F6-FB4E956A66F7}"/>
+                <a16:creationId xmlns:a16="http://schemas.microsoft.com/office/drawing/2014/main" id="{87E5E9A3-5B8C-CBB5-88F6-FB4E956A66F7}"/>
               </a:ext>
             </a:extLst>
           </p:cNvPr>
@@ -12102,7 +11712,7 @@
           <p:cNvPr id="18" name="Rechteck 17">
             <a:extLst>
               <a:ext uri="{FF2B5EF4-FFF2-40B4-BE49-F238E27FC236}">
-                <a16:creationId xmlns:a16="http://schemas.microsoft.com/office/drawing/2014/main" xmlns="" id="{837C855E-F70E-F97A-5061-29D00BA11349}"/>
+                <a16:creationId xmlns:a16="http://schemas.microsoft.com/office/drawing/2014/main" id="{837C855E-F70E-F97A-5061-29D00BA11349}"/>
               </a:ext>
             </a:extLst>
           </p:cNvPr>
@@ -12156,7 +11766,7 @@
           <p:cNvPr id="5" name="Slide Number Placeholder 5">
             <a:extLst>
               <a:ext uri="{FF2B5EF4-FFF2-40B4-BE49-F238E27FC236}">
-                <a16:creationId xmlns:a16="http://schemas.microsoft.com/office/drawing/2014/main" xmlns="" id="{9E0AA001-DA32-5B78-E7F7-573800334952}"/>
+                <a16:creationId xmlns:a16="http://schemas.microsoft.com/office/drawing/2014/main" id="{9E0AA001-DA32-5B78-E7F7-573800334952}"/>
               </a:ext>
             </a:extLst>
           </p:cNvPr>
@@ -12199,7 +11809,7 @@
           <p:cNvPr id="2" name="Titel 1">
             <a:extLst>
               <a:ext uri="{FF2B5EF4-FFF2-40B4-BE49-F238E27FC236}">
-                <a16:creationId xmlns:a16="http://schemas.microsoft.com/office/drawing/2014/main" xmlns="" id="{FEBE381E-3397-D2E2-45A9-C6F7EAF78AC9}"/>
+                <a16:creationId xmlns:a16="http://schemas.microsoft.com/office/drawing/2014/main" id="{FEBE381E-3397-D2E2-45A9-C6F7EAF78AC9}"/>
               </a:ext>
             </a:extLst>
           </p:cNvPr>
@@ -12224,16 +11834,12 @@
           <a:p>
             <a:pPr algn="ctr"/>
             <a:r>
-              <a:rPr lang="de-DE" dirty="0" smtClean="0">
+              <a:rPr lang="de-DE" dirty="0">
                 <a:latin typeface="Times New Roman" pitchFamily="18" charset="0"/>
                 <a:cs typeface="Times New Roman" pitchFamily="18" charset="0"/>
               </a:rPr>
               <a:t>Agenda</a:t>
             </a:r>
-            <a:endParaRPr lang="de-DE" dirty="0">
-              <a:latin typeface="Times New Roman" pitchFamily="18" charset="0"/>
-              <a:cs typeface="Times New Roman" pitchFamily="18" charset="0"/>
-            </a:endParaRPr>
           </a:p>
         </p:txBody>
       </p:sp>
@@ -12242,7 +11848,7 @@
           <p:cNvPr id="6" name="Straight Connector 5">
             <a:extLst>
               <a:ext uri="{FF2B5EF4-FFF2-40B4-BE49-F238E27FC236}">
-                <a16:creationId xmlns:a16="http://schemas.microsoft.com/office/drawing/2014/main" xmlns="" id="{8873AD17-49A9-1372-BEA3-994BB76CBDE8}"/>
+                <a16:creationId xmlns:a16="http://schemas.microsoft.com/office/drawing/2014/main" id="{8873AD17-49A9-1372-BEA3-994BB76CBDE8}"/>
               </a:ext>
             </a:extLst>
           </p:cNvPr>
@@ -12311,7 +11917,7 @@
               <a:buChar char="•"/>
             </a:pPr>
             <a:r>
-              <a:rPr lang="en-US" sz="2800" dirty="0" smtClean="0">
+              <a:rPr lang="en-US" sz="2800" dirty="0">
                 <a:latin typeface="Times New Roman" pitchFamily="18" charset="0"/>
                 <a:cs typeface="Times New Roman" pitchFamily="18" charset="0"/>
               </a:rPr>
@@ -12330,7 +11936,7 @@
               <a:buChar char="•"/>
             </a:pPr>
             <a:r>
-              <a:rPr lang="en-US" sz="2800" dirty="0" smtClean="0">
+              <a:rPr lang="en-US" sz="2800" dirty="0">
                 <a:latin typeface="Times New Roman" pitchFamily="18" charset="0"/>
                 <a:cs typeface="Times New Roman" pitchFamily="18" charset="0"/>
               </a:rPr>
@@ -12349,7 +11955,7 @@
               <a:buChar char="•"/>
             </a:pPr>
             <a:r>
-              <a:rPr lang="en-US" sz="2800" dirty="0" smtClean="0">
+              <a:rPr lang="en-US" sz="2800" dirty="0">
                 <a:latin typeface="Times New Roman" pitchFamily="18" charset="0"/>
                 <a:cs typeface="Times New Roman" pitchFamily="18" charset="0"/>
               </a:rPr>
@@ -12368,7 +11974,7 @@
               <a:buChar char="•"/>
             </a:pPr>
             <a:r>
-              <a:rPr lang="en-US" sz="2800" dirty="0" smtClean="0">
+              <a:rPr lang="en-US" sz="2800" dirty="0">
                 <a:latin typeface="Times New Roman" pitchFamily="18" charset="0"/>
                 <a:cs typeface="Times New Roman" pitchFamily="18" charset="0"/>
               </a:rPr>
@@ -12384,16 +11990,12 @@
               <a:buChar char="•"/>
             </a:pPr>
             <a:r>
-              <a:rPr lang="en-US" sz="2800" dirty="0" smtClean="0">
+              <a:rPr lang="en-US" sz="2800" dirty="0">
                 <a:latin typeface="Times New Roman" pitchFamily="18" charset="0"/>
                 <a:cs typeface="Times New Roman" pitchFamily="18" charset="0"/>
               </a:rPr>
               <a:t> List of parts </a:t>
             </a:r>
-            <a:endParaRPr lang="en-US" sz="2800" dirty="0">
-              <a:latin typeface="Times New Roman" pitchFamily="18" charset="0"/>
-              <a:cs typeface="Times New Roman" pitchFamily="18" charset="0"/>
-            </a:endParaRPr>
           </a:p>
         </p:txBody>
       </p:sp>
@@ -12420,30 +12022,19 @@
           <a:lstStyle/>
           <a:p>
             <a:r>
-              <a:rPr lang="en-US" dirty="0" smtClean="0">
+              <a:rPr lang="en-US" dirty="0">
                 <a:latin typeface="Times New Roman" pitchFamily="18" charset="0"/>
                 <a:cs typeface="Times New Roman" pitchFamily="18" charset="0"/>
               </a:rPr>
-              <a:t>Presented by: Adharsh </a:t>
+              <a:t>Presented by: Adharsh Pappinisseri Veedu - 770483</a:t>
             </a:r>
-            <a:r>
-              <a:rPr lang="en-US" dirty="0" smtClean="0">
-                <a:latin typeface="Times New Roman" pitchFamily="18" charset="0"/>
-                <a:cs typeface="Times New Roman" pitchFamily="18" charset="0"/>
-              </a:rPr>
-              <a:t>Pappinisseri Veedu - 770483</a:t>
-            </a:r>
-            <a:endParaRPr lang="en-US" dirty="0">
-              <a:latin typeface="Times New Roman" pitchFamily="18" charset="0"/>
-              <a:cs typeface="Times New Roman" pitchFamily="18" charset="0"/>
-            </a:endParaRPr>
           </a:p>
         </p:txBody>
       </p:sp>
     </p:spTree>
     <p:extLst>
       <p:ext uri="{BB962C8B-B14F-4D97-AF65-F5344CB8AC3E}">
-        <p14:creationId xmlns:p14="http://schemas.microsoft.com/office/powerpoint/2010/main" xmlns="" val="1106553756"/>
+        <p14:creationId xmlns:p14="http://schemas.microsoft.com/office/powerpoint/2010/main" val="1106553756"/>
       </p:ext>
     </p:extLst>
   </p:cSld>
@@ -12475,7 +12066,7 @@
           <p:cNvPr id="11" name="Free-form: Shape 13">
             <a:extLst>
               <a:ext uri="{FF2B5EF4-FFF2-40B4-BE49-F238E27FC236}">
-                <a16:creationId xmlns:a16="http://schemas.microsoft.com/office/drawing/2014/main" xmlns="" id="{727BC127-4545-D3CD-4862-C320531ABA9D}"/>
+                <a16:creationId xmlns:a16="http://schemas.microsoft.com/office/drawing/2014/main" id="{727BC127-4545-D3CD-4862-C320531ABA9D}"/>
               </a:ext>
             </a:extLst>
           </p:cNvPr>
@@ -13203,7 +12794,7 @@
           <p:cNvPr id="10" name="Free-form: Shape 13">
             <a:extLst>
               <a:ext uri="{FF2B5EF4-FFF2-40B4-BE49-F238E27FC236}">
-                <a16:creationId xmlns:a16="http://schemas.microsoft.com/office/drawing/2014/main" xmlns="" id="{5F9413CA-8E0D-B250-B31E-4AA68BA7D014}"/>
+                <a16:creationId xmlns:a16="http://schemas.microsoft.com/office/drawing/2014/main" id="{5F9413CA-8E0D-B250-B31E-4AA68BA7D014}"/>
               </a:ext>
             </a:extLst>
           </p:cNvPr>
@@ -13671,7 +13262,7 @@
           <p:cNvPr id="9" name="Free-form: Shape 13">
             <a:extLst>
               <a:ext uri="{FF2B5EF4-FFF2-40B4-BE49-F238E27FC236}">
-                <a16:creationId xmlns:a16="http://schemas.microsoft.com/office/drawing/2014/main" xmlns="" id="{87E5E9A3-5B8C-CBB5-88F6-FB4E956A66F7}"/>
+                <a16:creationId xmlns:a16="http://schemas.microsoft.com/office/drawing/2014/main" id="{87E5E9A3-5B8C-CBB5-88F6-FB4E956A66F7}"/>
               </a:ext>
             </a:extLst>
           </p:cNvPr>
@@ -14365,7 +13956,7 @@
           <p:cNvPr id="18" name="Rechteck 17">
             <a:extLst>
               <a:ext uri="{FF2B5EF4-FFF2-40B4-BE49-F238E27FC236}">
-                <a16:creationId xmlns:a16="http://schemas.microsoft.com/office/drawing/2014/main" xmlns="" id="{837C855E-F70E-F97A-5061-29D00BA11349}"/>
+                <a16:creationId xmlns:a16="http://schemas.microsoft.com/office/drawing/2014/main" id="{837C855E-F70E-F97A-5061-29D00BA11349}"/>
               </a:ext>
             </a:extLst>
           </p:cNvPr>
@@ -14419,7 +14010,7 @@
           <p:cNvPr id="5" name="Slide Number Placeholder 5">
             <a:extLst>
               <a:ext uri="{FF2B5EF4-FFF2-40B4-BE49-F238E27FC236}">
-                <a16:creationId xmlns:a16="http://schemas.microsoft.com/office/drawing/2014/main" xmlns="" id="{9E0AA001-DA32-5B78-E7F7-573800334952}"/>
+                <a16:creationId xmlns:a16="http://schemas.microsoft.com/office/drawing/2014/main" id="{9E0AA001-DA32-5B78-E7F7-573800334952}"/>
               </a:ext>
             </a:extLst>
           </p:cNvPr>
@@ -14462,7 +14053,7 @@
           <p:cNvPr id="6" name="Straight Connector 5">
             <a:extLst>
               <a:ext uri="{FF2B5EF4-FFF2-40B4-BE49-F238E27FC236}">
-                <a16:creationId xmlns:a16="http://schemas.microsoft.com/office/drawing/2014/main" xmlns="" id="{8873AD17-49A9-1372-BEA3-994BB76CBDE8}"/>
+                <a16:creationId xmlns:a16="http://schemas.microsoft.com/office/drawing/2014/main" id="{8873AD17-49A9-1372-BEA3-994BB76CBDE8}"/>
               </a:ext>
             </a:extLst>
           </p:cNvPr>
@@ -14520,16 +14111,12 @@
           <a:p>
             <a:pPr algn="ctr"/>
             <a:r>
-              <a:rPr lang="en-US" dirty="0" smtClean="0">
+              <a:rPr lang="en-US" dirty="0">
                 <a:latin typeface="Times New Roman" pitchFamily="18" charset="0"/>
                 <a:cs typeface="Times New Roman" pitchFamily="18" charset="0"/>
               </a:rPr>
               <a:t>Shapes of Hub</a:t>
             </a:r>
-            <a:endParaRPr lang="en-US" dirty="0">
-              <a:latin typeface="Times New Roman" pitchFamily="18" charset="0"/>
-              <a:cs typeface="Times New Roman" pitchFamily="18" charset="0"/>
-            </a:endParaRPr>
           </a:p>
         </p:txBody>
       </p:sp>
@@ -14560,16 +14147,12 @@
               <a:buChar char="•"/>
             </a:pPr>
             <a:r>
-              <a:rPr lang="en-US" sz="2000" dirty="0" smtClean="0">
+              <a:rPr lang="en-US" sz="2000" dirty="0">
                 <a:latin typeface="Times New Roman" pitchFamily="18" charset="0"/>
                 <a:cs typeface="Times New Roman" pitchFamily="18" charset="0"/>
               </a:rPr>
               <a:t>Now a days there are two types of Hub shape is commonly use:</a:t>
             </a:r>
-            <a:endParaRPr lang="en-US" sz="2000" dirty="0">
-              <a:latin typeface="Times New Roman" pitchFamily="18" charset="0"/>
-              <a:cs typeface="Times New Roman" pitchFamily="18" charset="0"/>
-            </a:endParaRPr>
           </a:p>
         </p:txBody>
       </p:sp>
@@ -14702,7 +14285,7 @@
           <a:lstStyle/>
           <a:p>
             <a:r>
-              <a:rPr lang="en-US" b="1" dirty="0" smtClean="0">
+              <a:rPr lang="en-US" b="1" dirty="0">
                 <a:solidFill>
                   <a:srgbClr val="000000"/>
                 </a:solidFill>
@@ -14736,7 +14319,7 @@
           <a:lstStyle/>
           <a:p>
             <a:r>
-              <a:rPr lang="en-US" b="1" dirty="0" smtClean="0">
+              <a:rPr lang="en-US" b="1" dirty="0">
                 <a:solidFill>
                   <a:srgbClr val="000000"/>
                 </a:solidFill>
@@ -14750,7 +14333,7 @@
     </p:spTree>
     <p:extLst>
       <p:ext uri="{BB962C8B-B14F-4D97-AF65-F5344CB8AC3E}">
-        <p14:creationId xmlns:p14="http://schemas.microsoft.com/office/powerpoint/2010/main" xmlns="" val="1106553756"/>
+        <p14:creationId xmlns:p14="http://schemas.microsoft.com/office/powerpoint/2010/main" val="1106553756"/>
       </p:ext>
     </p:extLst>
   </p:cSld>
@@ -14782,7 +14365,7 @@
           <p:cNvPr id="11" name="Free-form: Shape 13">
             <a:extLst>
               <a:ext uri="{FF2B5EF4-FFF2-40B4-BE49-F238E27FC236}">
-                <a16:creationId xmlns:a16="http://schemas.microsoft.com/office/drawing/2014/main" xmlns="" id="{727BC127-4545-D3CD-4862-C320531ABA9D}"/>
+                <a16:creationId xmlns:a16="http://schemas.microsoft.com/office/drawing/2014/main" id="{727BC127-4545-D3CD-4862-C320531ABA9D}"/>
               </a:ext>
             </a:extLst>
           </p:cNvPr>
@@ -15510,7 +15093,7 @@
           <p:cNvPr id="10" name="Free-form: Shape 13">
             <a:extLst>
               <a:ext uri="{FF2B5EF4-FFF2-40B4-BE49-F238E27FC236}">
-                <a16:creationId xmlns:a16="http://schemas.microsoft.com/office/drawing/2014/main" xmlns="" id="{5F9413CA-8E0D-B250-B31E-4AA68BA7D014}"/>
+                <a16:creationId xmlns:a16="http://schemas.microsoft.com/office/drawing/2014/main" id="{5F9413CA-8E0D-B250-B31E-4AA68BA7D014}"/>
               </a:ext>
             </a:extLst>
           </p:cNvPr>
@@ -15978,7 +15561,7 @@
           <p:cNvPr id="9" name="Free-form: Shape 13">
             <a:extLst>
               <a:ext uri="{FF2B5EF4-FFF2-40B4-BE49-F238E27FC236}">
-                <a16:creationId xmlns:a16="http://schemas.microsoft.com/office/drawing/2014/main" xmlns="" id="{87E5E9A3-5B8C-CBB5-88F6-FB4E956A66F7}"/>
+                <a16:creationId xmlns:a16="http://schemas.microsoft.com/office/drawing/2014/main" id="{87E5E9A3-5B8C-CBB5-88F6-FB4E956A66F7}"/>
               </a:ext>
             </a:extLst>
           </p:cNvPr>
@@ -16672,7 +16255,7 @@
           <p:cNvPr id="18" name="Rechteck 17">
             <a:extLst>
               <a:ext uri="{FF2B5EF4-FFF2-40B4-BE49-F238E27FC236}">
-                <a16:creationId xmlns:a16="http://schemas.microsoft.com/office/drawing/2014/main" xmlns="" id="{837C855E-F70E-F97A-5061-29D00BA11349}"/>
+                <a16:creationId xmlns:a16="http://schemas.microsoft.com/office/drawing/2014/main" id="{837C855E-F70E-F97A-5061-29D00BA11349}"/>
               </a:ext>
             </a:extLst>
           </p:cNvPr>
@@ -16726,7 +16309,7 @@
           <p:cNvPr id="5" name="Slide Number Placeholder 5">
             <a:extLst>
               <a:ext uri="{FF2B5EF4-FFF2-40B4-BE49-F238E27FC236}">
-                <a16:creationId xmlns:a16="http://schemas.microsoft.com/office/drawing/2014/main" xmlns="" id="{9E0AA001-DA32-5B78-E7F7-573800334952}"/>
+                <a16:creationId xmlns:a16="http://schemas.microsoft.com/office/drawing/2014/main" id="{9E0AA001-DA32-5B78-E7F7-573800334952}"/>
               </a:ext>
             </a:extLst>
           </p:cNvPr>
@@ -16769,7 +16352,7 @@
           <p:cNvPr id="6" name="Straight Connector 5">
             <a:extLst>
               <a:ext uri="{FF2B5EF4-FFF2-40B4-BE49-F238E27FC236}">
-                <a16:creationId xmlns:a16="http://schemas.microsoft.com/office/drawing/2014/main" xmlns="" id="{8873AD17-49A9-1372-BEA3-994BB76CBDE8}"/>
+                <a16:creationId xmlns:a16="http://schemas.microsoft.com/office/drawing/2014/main" id="{8873AD17-49A9-1372-BEA3-994BB76CBDE8}"/>
               </a:ext>
             </a:extLst>
           </p:cNvPr>
@@ -16827,16 +16410,12 @@
           <a:p>
             <a:pPr algn="ctr"/>
             <a:r>
-              <a:rPr lang="en-US" dirty="0" smtClean="0">
+              <a:rPr lang="en-US" dirty="0">
                 <a:latin typeface="Times New Roman" pitchFamily="18" charset="0"/>
                 <a:cs typeface="Times New Roman" pitchFamily="18" charset="0"/>
               </a:rPr>
               <a:t>Rotor Hub Shape Comparison</a:t>
             </a:r>
-            <a:endParaRPr lang="en-US" dirty="0">
-              <a:latin typeface="Times New Roman" pitchFamily="18" charset="0"/>
-              <a:cs typeface="Times New Roman" pitchFamily="18" charset="0"/>
-            </a:endParaRPr>
           </a:p>
         </p:txBody>
       </p:sp>
@@ -16857,10 +16436,34 @@
             <a:tbl>
               <a:tblPr/>
               <a:tblGrid>
-                <a:gridCol w="1932386"/>
-                <a:gridCol w="4098452"/>
-                <a:gridCol w="4976561"/>
-                <a:gridCol w="1184601"/>
+                <a:gridCol w="1932386">
+                  <a:extLst>
+                    <a:ext uri="{9D8B030D-6E8A-4147-A177-3AD203B41FA5}">
+                      <a16:colId xmlns:a16="http://schemas.microsoft.com/office/drawing/2014/main" val="20000"/>
+                    </a:ext>
+                  </a:extLst>
+                </a:gridCol>
+                <a:gridCol w="4098452">
+                  <a:extLst>
+                    <a:ext uri="{9D8B030D-6E8A-4147-A177-3AD203B41FA5}">
+                      <a16:colId xmlns:a16="http://schemas.microsoft.com/office/drawing/2014/main" val="20001"/>
+                    </a:ext>
+                  </a:extLst>
+                </a:gridCol>
+                <a:gridCol w="4976561">
+                  <a:extLst>
+                    <a:ext uri="{9D8B030D-6E8A-4147-A177-3AD203B41FA5}">
+                      <a16:colId xmlns:a16="http://schemas.microsoft.com/office/drawing/2014/main" val="20002"/>
+                    </a:ext>
+                  </a:extLst>
+                </a:gridCol>
+                <a:gridCol w="1184601">
+                  <a:extLst>
+                    <a:ext uri="{9D8B030D-6E8A-4147-A177-3AD203B41FA5}">
+                      <a16:colId xmlns:a16="http://schemas.microsoft.com/office/drawing/2014/main" val="20003"/>
+                    </a:ext>
+                  </a:extLst>
+                </a:gridCol>
               </a:tblGrid>
               <a:tr h="469862">
                 <a:tc>
@@ -17099,6 +16702,11 @@
                     </a:solidFill>
                   </a:tcPr>
                 </a:tc>
+                <a:extLst>
+                  <a:ext uri="{0D108BD9-81ED-4DB2-BD59-A6C34878D82A}">
+                    <a16:rowId xmlns:a16="http://schemas.microsoft.com/office/drawing/2014/main" val="10000"/>
+                  </a:ext>
+                </a:extLst>
               </a:tr>
               <a:tr h="469862">
                 <a:tc>
@@ -17182,25 +16790,7 @@
                           </a:solidFill>
                           <a:latin typeface="Times New Roman"/>
                         </a:rPr>
-                        <a:t> </a:t>
-                      </a:r>
-                      <a:r>
-                        <a:rPr lang="en-US" sz="1400" b="0" i="0" u="none" strike="noStrike" dirty="0" smtClean="0">
-                          <a:solidFill>
-                            <a:srgbClr val="000000"/>
-                          </a:solidFill>
-                          <a:latin typeface="Times New Roman"/>
-                        </a:rPr>
-                        <a:t>- </a:t>
-                      </a:r>
-                      <a:r>
-                        <a:rPr lang="en-US" sz="1400" b="0" i="0" u="none" strike="noStrike" dirty="0">
-                          <a:solidFill>
-                            <a:srgbClr val="000000"/>
-                          </a:solidFill>
-                          <a:latin typeface="Times New Roman"/>
-                        </a:rPr>
-                        <a:t>more drag due to protrusions and edges</a:t>
+                        <a:t> - more drag due to protrusions and edges</a:t>
                       </a:r>
                     </a:p>
                   </a:txBody>
@@ -17259,22 +16849,13 @@
                         <a:t>High </a:t>
                       </a:r>
                       <a:r>
-                        <a:rPr lang="en-US" sz="1400" b="0" i="0" u="none" strike="noStrike" dirty="0" smtClean="0">
-                          <a:solidFill>
-                            <a:srgbClr val="000000"/>
-                          </a:solidFill>
-                          <a:latin typeface="Times New Roman"/>
-                        </a:rPr>
-                        <a:t>- </a:t>
-                      </a:r>
-                      <a:r>
                         <a:rPr lang="en-US" sz="1400" b="0" i="0" u="none" strike="noStrike" dirty="0">
                           <a:solidFill>
                             <a:srgbClr val="000000"/>
                           </a:solidFill>
                           <a:latin typeface="Times New Roman"/>
                         </a:rPr>
-                        <a:t>smoother surface, lower drag, reduced turbulence</a:t>
+                        <a:t>- smoother surface, lower drag, reduced turbulence</a:t>
                       </a:r>
                     </a:p>
                   </a:txBody>
@@ -17376,6 +16957,11 @@
                     </a:solidFill>
                   </a:tcPr>
                 </a:tc>
+                <a:extLst>
+                  <a:ext uri="{0D108BD9-81ED-4DB2-BD59-A6C34878D82A}">
+                    <a16:rowId xmlns:a16="http://schemas.microsoft.com/office/drawing/2014/main" val="10001"/>
+                  </a:ext>
+                </a:extLst>
               </a:tr>
               <a:tr h="535440">
                 <a:tc>
@@ -17459,25 +17045,7 @@
                           </a:solidFill>
                           <a:latin typeface="Times New Roman"/>
                         </a:rPr>
-                        <a:t> </a:t>
-                      </a:r>
-                      <a:r>
-                        <a:rPr lang="en-US" sz="1400" b="0" i="0" u="none" strike="noStrike" dirty="0" smtClean="0">
-                          <a:solidFill>
-                            <a:srgbClr val="000000"/>
-                          </a:solidFill>
-                          <a:latin typeface="Times New Roman"/>
-                        </a:rPr>
-                        <a:t>- </a:t>
-                      </a:r>
-                      <a:r>
-                        <a:rPr lang="en-US" sz="1400" b="0" i="0" u="none" strike="noStrike" dirty="0">
-                          <a:solidFill>
-                            <a:srgbClr val="000000"/>
-                          </a:solidFill>
-                          <a:latin typeface="Times New Roman"/>
-                        </a:rPr>
-                        <a:t>direct load paths, simple geometry</a:t>
+                        <a:t> - direct load paths, simple geometry</a:t>
                       </a:r>
                     </a:p>
                   </a:txBody>
@@ -17542,25 +17110,7 @@
                           </a:solidFill>
                           <a:latin typeface="Times New Roman"/>
                         </a:rPr>
-                        <a:t> </a:t>
-                      </a:r>
-                      <a:r>
-                        <a:rPr lang="en-US" sz="1400" b="0" i="0" u="none" strike="noStrike" dirty="0" smtClean="0">
-                          <a:solidFill>
-                            <a:srgbClr val="000000"/>
-                          </a:solidFill>
-                          <a:latin typeface="Times New Roman"/>
-                        </a:rPr>
-                        <a:t>- </a:t>
-                      </a:r>
-                      <a:r>
-                        <a:rPr lang="en-US" sz="1400" b="0" i="0" u="none" strike="noStrike" dirty="0">
-                          <a:solidFill>
-                            <a:srgbClr val="000000"/>
-                          </a:solidFill>
-                          <a:latin typeface="Times New Roman"/>
-                        </a:rPr>
-                        <a:t>curved shapes require complex internal support</a:t>
+                        <a:t> - curved shapes require complex internal support</a:t>
                       </a:r>
                     </a:p>
                   </a:txBody>
@@ -17662,6 +17212,11 @@
                     </a:solidFill>
                   </a:tcPr>
                 </a:tc>
+                <a:extLst>
+                  <a:ext uri="{0D108BD9-81ED-4DB2-BD59-A6C34878D82A}">
+                    <a16:rowId xmlns:a16="http://schemas.microsoft.com/office/drawing/2014/main" val="10002"/>
+                  </a:ext>
+                </a:extLst>
               </a:tr>
               <a:tr h="644325">
                 <a:tc>
@@ -17745,25 +17300,7 @@
                           </a:solidFill>
                           <a:latin typeface="Times New Roman"/>
                         </a:rPr>
-                        <a:t> </a:t>
-                      </a:r>
-                      <a:r>
-                        <a:rPr lang="en-US" sz="1400" b="0" i="0" u="none" strike="noStrike" dirty="0" smtClean="0">
-                          <a:solidFill>
-                            <a:srgbClr val="000000"/>
-                          </a:solidFill>
-                          <a:latin typeface="Times New Roman"/>
-                        </a:rPr>
-                        <a:t>- </a:t>
-                      </a:r>
-                      <a:r>
-                        <a:rPr lang="en-US" sz="1400" b="0" i="0" u="none" strike="noStrike" dirty="0">
-                          <a:solidFill>
-                            <a:srgbClr val="000000"/>
-                          </a:solidFill>
-                          <a:latin typeface="Times New Roman"/>
-                        </a:rPr>
-                        <a:t>simpler to cast, weld, or machine</a:t>
+                        <a:t> - simpler to cast, weld, or machine</a:t>
                       </a:r>
                     </a:p>
                   </a:txBody>
@@ -17828,25 +17365,7 @@
                           </a:solidFill>
                           <a:latin typeface="Times New Roman"/>
                         </a:rPr>
-                        <a:t> </a:t>
-                      </a:r>
-                      <a:r>
-                        <a:rPr lang="en-US" sz="1400" b="0" i="0" u="none" strike="noStrike" dirty="0" smtClean="0">
-                          <a:solidFill>
-                            <a:srgbClr val="000000"/>
-                          </a:solidFill>
-                          <a:latin typeface="Times New Roman"/>
-                        </a:rPr>
-                        <a:t>- </a:t>
-                      </a:r>
-                      <a:r>
-                        <a:rPr lang="en-US" sz="1400" b="0" i="0" u="none" strike="noStrike" dirty="0">
-                          <a:solidFill>
-                            <a:srgbClr val="000000"/>
-                          </a:solidFill>
-                          <a:latin typeface="Times New Roman"/>
-                        </a:rPr>
-                        <a:t>harder to fabricate due to curves and internal transitions</a:t>
+                        <a:t> - harder to fabricate due to curves and internal transitions</a:t>
                       </a:r>
                     </a:p>
                   </a:txBody>
@@ -17948,6 +17467,11 @@
                     </a:solidFill>
                   </a:tcPr>
                 </a:tc>
+                <a:extLst>
+                  <a:ext uri="{0D108BD9-81ED-4DB2-BD59-A6C34878D82A}">
+                    <a16:rowId xmlns:a16="http://schemas.microsoft.com/office/drawing/2014/main" val="10003"/>
+                  </a:ext>
+                </a:extLst>
               </a:tr>
               <a:tr h="469862">
                 <a:tc>
@@ -18025,22 +17549,13 @@
                         <a:t>Easy </a:t>
                       </a:r>
                       <a:r>
-                        <a:rPr lang="en-US" sz="1400" b="0" i="0" u="none" strike="noStrike" dirty="0" smtClean="0">
-                          <a:solidFill>
-                            <a:srgbClr val="000000"/>
-                          </a:solidFill>
-                          <a:latin typeface="Times New Roman"/>
-                        </a:rPr>
-                        <a:t>- </a:t>
-                      </a:r>
-                      <a:r>
                         <a:rPr lang="en-US" sz="1400" b="0" i="0" u="none" strike="noStrike" dirty="0">
                           <a:solidFill>
                             <a:srgbClr val="000000"/>
                           </a:solidFill>
                           <a:latin typeface="Times New Roman"/>
                         </a:rPr>
-                        <a:t>accessible joints at blade roots</a:t>
+                        <a:t>- accessible joints at blade roots</a:t>
                       </a:r>
                     </a:p>
                   </a:txBody>
@@ -18099,22 +17614,13 @@
                         <a:t>Harder </a:t>
                       </a:r>
                       <a:r>
-                        <a:rPr lang="en-US" sz="1400" b="0" i="0" u="none" strike="noStrike" dirty="0" smtClean="0">
-                          <a:solidFill>
-                            <a:srgbClr val="000000"/>
-                          </a:solidFill>
-                          <a:latin typeface="Times New Roman"/>
-                        </a:rPr>
-                        <a:t>- </a:t>
-                      </a:r>
-                      <a:r>
                         <a:rPr lang="en-US" sz="1400" b="0" i="0" u="none" strike="noStrike" dirty="0">
                           <a:solidFill>
                             <a:srgbClr val="000000"/>
                           </a:solidFill>
                           <a:latin typeface="Times New Roman"/>
                         </a:rPr>
-                        <a:t>may require disassembly or special tools</a:t>
+                        <a:t>- may require disassembly or special tools</a:t>
                       </a:r>
                     </a:p>
                   </a:txBody>
@@ -18216,6 +17722,11 @@
                     </a:solidFill>
                   </a:tcPr>
                 </a:tc>
+                <a:extLst>
+                  <a:ext uri="{0D108BD9-81ED-4DB2-BD59-A6C34878D82A}">
+                    <a16:rowId xmlns:a16="http://schemas.microsoft.com/office/drawing/2014/main" val="10004"/>
+                  </a:ext>
+                </a:extLst>
               </a:tr>
               <a:tr h="598361">
                 <a:tc>
@@ -18293,22 +17804,13 @@
                         <a:t>Good </a:t>
                       </a:r>
                       <a:r>
-                        <a:rPr lang="en-US" sz="1400" b="0" i="0" u="none" strike="noStrike" dirty="0" smtClean="0">
-                          <a:solidFill>
-                            <a:srgbClr val="000000"/>
-                          </a:solidFill>
-                          <a:latin typeface="Times New Roman"/>
-                        </a:rPr>
-                        <a:t>- </a:t>
-                      </a:r>
-                      <a:r>
                         <a:rPr lang="en-US" sz="1400" b="0" i="0" u="none" strike="noStrike" dirty="0">
                           <a:solidFill>
                             <a:srgbClr val="000000"/>
                           </a:solidFill>
                           <a:latin typeface="Times New Roman"/>
                         </a:rPr>
-                        <a:t>but stress concentrations at blade root junctions</a:t>
+                        <a:t>- but stress concentrations at blade root junctions</a:t>
                       </a:r>
                     </a:p>
                   </a:txBody>
@@ -18367,22 +17869,13 @@
                         <a:t>Excellent </a:t>
                       </a:r>
                       <a:r>
-                        <a:rPr lang="en-US" sz="1400" b="0" i="0" u="none" strike="noStrike" dirty="0" smtClean="0">
-                          <a:solidFill>
-                            <a:srgbClr val="000000"/>
-                          </a:solidFill>
-                          <a:latin typeface="Times New Roman"/>
-                        </a:rPr>
-                        <a:t>- </a:t>
-                      </a:r>
-                      <a:r>
                         <a:rPr lang="en-US" sz="1400" b="0" i="0" u="none" strike="noStrike" dirty="0">
                           <a:solidFill>
                             <a:srgbClr val="000000"/>
                           </a:solidFill>
                           <a:latin typeface="Times New Roman"/>
                         </a:rPr>
-                        <a:t>smoother load distribution reduces fatigue cracks</a:t>
+                        <a:t>- smoother load distribution reduces fatigue cracks</a:t>
                       </a:r>
                     </a:p>
                   </a:txBody>
@@ -18484,6 +17977,11 @@
                     </a:solidFill>
                   </a:tcPr>
                 </a:tc>
+                <a:extLst>
+                  <a:ext uri="{0D108BD9-81ED-4DB2-BD59-A6C34878D82A}">
+                    <a16:rowId xmlns:a16="http://schemas.microsoft.com/office/drawing/2014/main" val="10005"/>
+                  </a:ext>
+                </a:extLst>
               </a:tr>
               <a:tr h="491722">
                 <a:tc>
@@ -18567,25 +18065,7 @@
                           </a:solidFill>
                           <a:latin typeface="Times New Roman"/>
                         </a:rPr>
-                        <a:t> </a:t>
-                      </a:r>
-                      <a:r>
-                        <a:rPr lang="en-US" sz="1400" b="0" i="0" u="none" strike="noStrike" dirty="0" smtClean="0">
-                          <a:solidFill>
-                            <a:srgbClr val="000000"/>
-                          </a:solidFill>
-                          <a:latin typeface="Times New Roman"/>
-                        </a:rPr>
-                        <a:t>- </a:t>
-                      </a:r>
-                      <a:r>
-                        <a:rPr lang="en-US" sz="1400" b="0" i="0" u="none" strike="noStrike" dirty="0">
-                          <a:solidFill>
-                            <a:srgbClr val="000000"/>
-                          </a:solidFill>
-                          <a:latin typeface="Times New Roman"/>
-                        </a:rPr>
-                        <a:t>less material due to simpler design</a:t>
+                        <a:t> - less material due to simpler design</a:t>
                       </a:r>
                     </a:p>
                   </a:txBody>
@@ -18644,22 +18124,13 @@
                         <a:t>Heavier </a:t>
                       </a:r>
                       <a:r>
-                        <a:rPr lang="en-US" sz="1400" b="0" i="0" u="none" strike="noStrike" dirty="0" smtClean="0">
-                          <a:solidFill>
-                            <a:srgbClr val="000000"/>
-                          </a:solidFill>
-                          <a:latin typeface="Times New Roman"/>
-                        </a:rPr>
-                        <a:t>- </a:t>
-                      </a:r>
-                      <a:r>
                         <a:rPr lang="en-US" sz="1400" b="0" i="0" u="none" strike="noStrike" dirty="0">
                           <a:solidFill>
                             <a:srgbClr val="000000"/>
                           </a:solidFill>
                           <a:latin typeface="Times New Roman"/>
                         </a:rPr>
-                        <a:t>more material for smooth integration and strength</a:t>
+                        <a:t>- more material for smooth integration and strength</a:t>
                       </a:r>
                     </a:p>
                   </a:txBody>
@@ -18761,6 +18232,11 @@
                     </a:solidFill>
                   </a:tcPr>
                 </a:tc>
+                <a:extLst>
+                  <a:ext uri="{0D108BD9-81ED-4DB2-BD59-A6C34878D82A}">
+                    <a16:rowId xmlns:a16="http://schemas.microsoft.com/office/drawing/2014/main" val="10006"/>
+                  </a:ext>
+                </a:extLst>
               </a:tr>
               <a:tr h="457809">
                 <a:tc>
@@ -18838,22 +18314,13 @@
                         <a:t>Lower </a:t>
                       </a:r>
                       <a:r>
-                        <a:rPr lang="en-US" sz="1400" b="0" i="0" u="none" strike="noStrike" dirty="0" smtClean="0">
-                          <a:solidFill>
-                            <a:srgbClr val="000000"/>
-                          </a:solidFill>
-                          <a:latin typeface="Times New Roman"/>
-                        </a:rPr>
-                        <a:t>- </a:t>
-                      </a:r>
-                      <a:r>
                         <a:rPr lang="en-US" sz="1400" b="0" i="0" u="none" strike="noStrike" dirty="0">
                           <a:solidFill>
                             <a:srgbClr val="000000"/>
                           </a:solidFill>
                           <a:latin typeface="Times New Roman"/>
                         </a:rPr>
-                        <a:t>materials, labor, and tooling costs are minimal</a:t>
+                        <a:t>- materials, labor, and tooling costs are minimal</a:t>
                       </a:r>
                     </a:p>
                   </a:txBody>
@@ -18918,25 +18385,7 @@
                           </a:solidFill>
                           <a:latin typeface="Times New Roman"/>
                         </a:rPr>
-                        <a:t> </a:t>
-                      </a:r>
-                      <a:r>
-                        <a:rPr lang="en-US" sz="1400" b="0" i="0" u="none" strike="noStrike" dirty="0" smtClean="0">
-                          <a:solidFill>
-                            <a:srgbClr val="000000"/>
-                          </a:solidFill>
-                          <a:latin typeface="Times New Roman"/>
-                        </a:rPr>
-                        <a:t>- </a:t>
-                      </a:r>
-                      <a:r>
-                        <a:rPr lang="en-US" sz="1400" b="0" i="0" u="none" strike="noStrike" dirty="0">
-                          <a:solidFill>
-                            <a:srgbClr val="000000"/>
-                          </a:solidFill>
-                          <a:latin typeface="Times New Roman"/>
-                        </a:rPr>
-                        <a:t>due to design and fabrication complexity</a:t>
+                        <a:t> - due to design and fabrication complexity</a:t>
                       </a:r>
                     </a:p>
                   </a:txBody>
@@ -19038,6 +18487,11 @@
                     </a:solidFill>
                   </a:tcPr>
                 </a:tc>
+                <a:extLst>
+                  <a:ext uri="{0D108BD9-81ED-4DB2-BD59-A6C34878D82A}">
+                    <a16:rowId xmlns:a16="http://schemas.microsoft.com/office/drawing/2014/main" val="10007"/>
+                  </a:ext>
+                </a:extLst>
               </a:tr>
               <a:tr h="469862">
                 <a:tc>
@@ -19115,22 +18569,13 @@
                         <a:t>Very suitable </a:t>
                       </a:r>
                       <a:r>
-                        <a:rPr lang="en-US" sz="1400" b="0" i="0" u="none" strike="noStrike" dirty="0" smtClean="0">
-                          <a:solidFill>
-                            <a:srgbClr val="000000"/>
-                          </a:solidFill>
-                          <a:latin typeface="Times New Roman"/>
-                        </a:rPr>
-                        <a:t>- </a:t>
-                      </a:r>
-                      <a:r>
                         <a:rPr lang="en-US" sz="1400" b="0" i="0" u="none" strike="noStrike" dirty="0">
                           <a:solidFill>
                             <a:srgbClr val="000000"/>
                           </a:solidFill>
                           <a:latin typeface="Times New Roman"/>
                         </a:rPr>
-                        <a:t>proven and practical</a:t>
+                        <a:t>- proven and practical</a:t>
                       </a:r>
                     </a:p>
                   </a:txBody>
@@ -19189,22 +18634,13 @@
                         <a:t>Less common </a:t>
                       </a:r>
                       <a:r>
-                        <a:rPr lang="en-US" sz="1400" b="0" i="0" u="none" strike="noStrike" dirty="0" smtClean="0">
-                          <a:solidFill>
-                            <a:srgbClr val="000000"/>
-                          </a:solidFill>
-                          <a:latin typeface="Times New Roman"/>
-                        </a:rPr>
-                        <a:t>- </a:t>
-                      </a:r>
-                      <a:r>
                         <a:rPr lang="en-US" sz="1400" b="0" i="0" u="none" strike="noStrike" dirty="0">
                           <a:solidFill>
                             <a:srgbClr val="000000"/>
                           </a:solidFill>
                           <a:latin typeface="Times New Roman"/>
                         </a:rPr>
-                        <a:t>unless specific goals are targeted</a:t>
+                        <a:t>- unless specific goals are targeted</a:t>
                       </a:r>
                     </a:p>
                   </a:txBody>
@@ -19306,6 +18742,11 @@
                     </a:solidFill>
                   </a:tcPr>
                 </a:tc>
+                <a:extLst>
+                  <a:ext uri="{0D108BD9-81ED-4DB2-BD59-A6C34878D82A}">
+                    <a16:rowId xmlns:a16="http://schemas.microsoft.com/office/drawing/2014/main" val="10008"/>
+                  </a:ext>
+                </a:extLst>
               </a:tr>
               <a:tr h="469862">
                 <a:tc>
@@ -19502,6 +18943,11 @@
                     </a:solidFill>
                   </a:tcPr>
                 </a:tc>
+                <a:extLst>
+                  <a:ext uri="{0D108BD9-81ED-4DB2-BD59-A6C34878D82A}">
+                    <a16:rowId xmlns:a16="http://schemas.microsoft.com/office/drawing/2014/main" val="10009"/>
+                  </a:ext>
+                </a:extLst>
               </a:tr>
             </a:tbl>
           </a:graphicData>
@@ -19510,7 +18956,7 @@
     </p:spTree>
     <p:extLst>
       <p:ext uri="{BB962C8B-B14F-4D97-AF65-F5344CB8AC3E}">
-        <p14:creationId xmlns:p14="http://schemas.microsoft.com/office/powerpoint/2010/main" xmlns="" val="1106553756"/>
+        <p14:creationId xmlns:p14="http://schemas.microsoft.com/office/powerpoint/2010/main" val="1106553756"/>
       </p:ext>
     </p:extLst>
   </p:cSld>
@@ -19542,7 +18988,7 @@
           <p:cNvPr id="11" name="Free-form: Shape 13">
             <a:extLst>
               <a:ext uri="{FF2B5EF4-FFF2-40B4-BE49-F238E27FC236}">
-                <a16:creationId xmlns:a16="http://schemas.microsoft.com/office/drawing/2014/main" xmlns="" id="{727BC127-4545-D3CD-4862-C320531ABA9D}"/>
+                <a16:creationId xmlns:a16="http://schemas.microsoft.com/office/drawing/2014/main" id="{727BC127-4545-D3CD-4862-C320531ABA9D}"/>
               </a:ext>
             </a:extLst>
           </p:cNvPr>
@@ -20270,7 +19716,7 @@
           <p:cNvPr id="10" name="Free-form: Shape 13">
             <a:extLst>
               <a:ext uri="{FF2B5EF4-FFF2-40B4-BE49-F238E27FC236}">
-                <a16:creationId xmlns:a16="http://schemas.microsoft.com/office/drawing/2014/main" xmlns="" id="{5F9413CA-8E0D-B250-B31E-4AA68BA7D014}"/>
+                <a16:creationId xmlns:a16="http://schemas.microsoft.com/office/drawing/2014/main" id="{5F9413CA-8E0D-B250-B31E-4AA68BA7D014}"/>
               </a:ext>
             </a:extLst>
           </p:cNvPr>
@@ -20738,7 +20184,7 @@
           <p:cNvPr id="9" name="Free-form: Shape 13">
             <a:extLst>
               <a:ext uri="{FF2B5EF4-FFF2-40B4-BE49-F238E27FC236}">
-                <a16:creationId xmlns:a16="http://schemas.microsoft.com/office/drawing/2014/main" xmlns="" id="{87E5E9A3-5B8C-CBB5-88F6-FB4E956A66F7}"/>
+                <a16:creationId xmlns:a16="http://schemas.microsoft.com/office/drawing/2014/main" id="{87E5E9A3-5B8C-CBB5-88F6-FB4E956A66F7}"/>
               </a:ext>
             </a:extLst>
           </p:cNvPr>
@@ -21432,7 +20878,7 @@
           <p:cNvPr id="18" name="Rechteck 17">
             <a:extLst>
               <a:ext uri="{FF2B5EF4-FFF2-40B4-BE49-F238E27FC236}">
-                <a16:creationId xmlns:a16="http://schemas.microsoft.com/office/drawing/2014/main" xmlns="" id="{837C855E-F70E-F97A-5061-29D00BA11349}"/>
+                <a16:creationId xmlns:a16="http://schemas.microsoft.com/office/drawing/2014/main" id="{837C855E-F70E-F97A-5061-29D00BA11349}"/>
               </a:ext>
             </a:extLst>
           </p:cNvPr>
@@ -21486,7 +20932,7 @@
           <p:cNvPr id="5" name="Slide Number Placeholder 5">
             <a:extLst>
               <a:ext uri="{FF2B5EF4-FFF2-40B4-BE49-F238E27FC236}">
-                <a16:creationId xmlns:a16="http://schemas.microsoft.com/office/drawing/2014/main" xmlns="" id="{9E0AA001-DA32-5B78-E7F7-573800334952}"/>
+                <a16:creationId xmlns:a16="http://schemas.microsoft.com/office/drawing/2014/main" id="{9E0AA001-DA32-5B78-E7F7-573800334952}"/>
               </a:ext>
             </a:extLst>
           </p:cNvPr>
@@ -21529,7 +20975,7 @@
           <p:cNvPr id="6" name="Straight Connector 5">
             <a:extLst>
               <a:ext uri="{FF2B5EF4-FFF2-40B4-BE49-F238E27FC236}">
-                <a16:creationId xmlns:a16="http://schemas.microsoft.com/office/drawing/2014/main" xmlns="" id="{8873AD17-49A9-1372-BEA3-994BB76CBDE8}"/>
+                <a16:creationId xmlns:a16="http://schemas.microsoft.com/office/drawing/2014/main" id="{8873AD17-49A9-1372-BEA3-994BB76CBDE8}"/>
               </a:ext>
             </a:extLst>
           </p:cNvPr>
@@ -21587,16 +21033,12 @@
           <a:p>
             <a:pPr algn="ctr"/>
             <a:r>
-              <a:rPr lang="en-US" dirty="0" smtClean="0">
+              <a:rPr lang="en-US" dirty="0">
                 <a:latin typeface="Times New Roman" pitchFamily="18" charset="0"/>
                 <a:cs typeface="Times New Roman" pitchFamily="18" charset="0"/>
               </a:rPr>
               <a:t>Hydraulic Pitch Control System</a:t>
             </a:r>
-            <a:endParaRPr lang="en-US" dirty="0">
-              <a:latin typeface="Times New Roman" pitchFamily="18" charset="0"/>
-              <a:cs typeface="Times New Roman" pitchFamily="18" charset="0"/>
-            </a:endParaRPr>
           </a:p>
         </p:txBody>
       </p:sp>
@@ -21630,11 +21072,11 @@
               <a:buChar char="ü"/>
             </a:pPr>
             <a:r>
-              <a:rPr lang="en-US" dirty="0" smtClean="0"/>
+              <a:rPr lang="en-US" dirty="0"/>
               <a:t> </a:t>
             </a:r>
             <a:r>
-              <a:rPr lang="en-US" sz="2400" dirty="0" smtClean="0">
+              <a:rPr lang="en-US" sz="2400" dirty="0">
                 <a:latin typeface="Times New Roman" pitchFamily="18" charset="0"/>
                 <a:cs typeface="Times New Roman" pitchFamily="18" charset="0"/>
               </a:rPr>
@@ -21650,7 +21092,7 @@
               <a:buChar char="ü"/>
             </a:pPr>
             <a:r>
-              <a:rPr lang="en-US" sz="2400" dirty="0" smtClean="0">
+              <a:rPr lang="en-US" sz="2400" dirty="0">
                 <a:latin typeface="Times New Roman" pitchFamily="18" charset="0"/>
                 <a:cs typeface="Times New Roman" pitchFamily="18" charset="0"/>
               </a:rPr>
@@ -21666,7 +21108,7 @@
               <a:buChar char="ü"/>
             </a:pPr>
             <a:r>
-              <a:rPr lang="en-US" sz="2400" dirty="0" smtClean="0">
+              <a:rPr lang="en-US" sz="2400" dirty="0">
                 <a:latin typeface="Times New Roman" pitchFamily="18" charset="0"/>
                 <a:cs typeface="Times New Roman" pitchFamily="18" charset="0"/>
               </a:rPr>
@@ -21682,7 +21124,7 @@
               <a:buChar char="ü"/>
             </a:pPr>
             <a:r>
-              <a:rPr lang="en-US" sz="2400" dirty="0" smtClean="0">
+              <a:rPr lang="en-US" sz="2400" dirty="0">
                 <a:latin typeface="Times New Roman" pitchFamily="18" charset="0"/>
                 <a:cs typeface="Times New Roman" pitchFamily="18" charset="0"/>
               </a:rPr>
@@ -21699,7 +21141,7 @@
           <p:cNvPr id="17" name="Picture 16">
             <a:extLst>
               <a:ext uri="{FF2B5EF4-FFF2-40B4-BE49-F238E27FC236}">
-                <a16:creationId xmlns="" xmlns:a16="http://schemas.microsoft.com/office/drawing/2014/main" id="{DE63204A-6F21-032F-F015-B495246A7C3F}"/>
+                <a16:creationId xmlns:a16="http://schemas.microsoft.com/office/drawing/2014/main" id="{DE63204A-6F21-032F-F015-B495246A7C3F}"/>
               </a:ext>
             </a:extLst>
           </p:cNvPr>
@@ -21712,7 +21154,7 @@
           <a:blip r:embed="rId2">
             <a:extLst>
               <a:ext uri="{28A0092B-C50C-407E-A947-70E740481C1C}">
-                <a14:useLocalDpi xmlns="" xmlns:a14="http://schemas.microsoft.com/office/drawing/2010/main" val="0"/>
+                <a14:useLocalDpi xmlns:a14="http://schemas.microsoft.com/office/drawing/2010/main" val="0"/>
               </a:ext>
             </a:extLst>
           </a:blip>
@@ -21733,7 +21175,7 @@
     </p:spTree>
     <p:extLst>
       <p:ext uri="{BB962C8B-B14F-4D97-AF65-F5344CB8AC3E}">
-        <p14:creationId xmlns:p14="http://schemas.microsoft.com/office/powerpoint/2010/main" xmlns="" val="1106553756"/>
+        <p14:creationId xmlns:p14="http://schemas.microsoft.com/office/powerpoint/2010/main" val="1106553756"/>
       </p:ext>
     </p:extLst>
   </p:cSld>
@@ -21765,7 +21207,7 @@
           <p:cNvPr id="11" name="Free-form: Shape 13">
             <a:extLst>
               <a:ext uri="{FF2B5EF4-FFF2-40B4-BE49-F238E27FC236}">
-                <a16:creationId xmlns:a16="http://schemas.microsoft.com/office/drawing/2014/main" xmlns="" id="{727BC127-4545-D3CD-4862-C320531ABA9D}"/>
+                <a16:creationId xmlns:a16="http://schemas.microsoft.com/office/drawing/2014/main" id="{727BC127-4545-D3CD-4862-C320531ABA9D}"/>
               </a:ext>
             </a:extLst>
           </p:cNvPr>
@@ -22493,7 +21935,7 @@
           <p:cNvPr id="10" name="Free-form: Shape 13">
             <a:extLst>
               <a:ext uri="{FF2B5EF4-FFF2-40B4-BE49-F238E27FC236}">
-                <a16:creationId xmlns:a16="http://schemas.microsoft.com/office/drawing/2014/main" xmlns="" id="{5F9413CA-8E0D-B250-B31E-4AA68BA7D014}"/>
+                <a16:creationId xmlns:a16="http://schemas.microsoft.com/office/drawing/2014/main" id="{5F9413CA-8E0D-B250-B31E-4AA68BA7D014}"/>
               </a:ext>
             </a:extLst>
           </p:cNvPr>
@@ -22961,7 +22403,7 @@
           <p:cNvPr id="9" name="Free-form: Shape 13">
             <a:extLst>
               <a:ext uri="{FF2B5EF4-FFF2-40B4-BE49-F238E27FC236}">
-                <a16:creationId xmlns:a16="http://schemas.microsoft.com/office/drawing/2014/main" xmlns="" id="{87E5E9A3-5B8C-CBB5-88F6-FB4E956A66F7}"/>
+                <a16:creationId xmlns:a16="http://schemas.microsoft.com/office/drawing/2014/main" id="{87E5E9A3-5B8C-CBB5-88F6-FB4E956A66F7}"/>
               </a:ext>
             </a:extLst>
           </p:cNvPr>
@@ -23655,7 +23097,7 @@
           <p:cNvPr id="18" name="Rechteck 17">
             <a:extLst>
               <a:ext uri="{FF2B5EF4-FFF2-40B4-BE49-F238E27FC236}">
-                <a16:creationId xmlns:a16="http://schemas.microsoft.com/office/drawing/2014/main" xmlns="" id="{837C855E-F70E-F97A-5061-29D00BA11349}"/>
+                <a16:creationId xmlns:a16="http://schemas.microsoft.com/office/drawing/2014/main" id="{837C855E-F70E-F97A-5061-29D00BA11349}"/>
               </a:ext>
             </a:extLst>
           </p:cNvPr>
@@ -23709,7 +23151,7 @@
           <p:cNvPr id="5" name="Slide Number Placeholder 5">
             <a:extLst>
               <a:ext uri="{FF2B5EF4-FFF2-40B4-BE49-F238E27FC236}">
-                <a16:creationId xmlns:a16="http://schemas.microsoft.com/office/drawing/2014/main" xmlns="" id="{9E0AA001-DA32-5B78-E7F7-573800334952}"/>
+                <a16:creationId xmlns:a16="http://schemas.microsoft.com/office/drawing/2014/main" id="{9E0AA001-DA32-5B78-E7F7-573800334952}"/>
               </a:ext>
             </a:extLst>
           </p:cNvPr>
@@ -23752,7 +23194,7 @@
           <p:cNvPr id="6" name="Straight Connector 5">
             <a:extLst>
               <a:ext uri="{FF2B5EF4-FFF2-40B4-BE49-F238E27FC236}">
-                <a16:creationId xmlns:a16="http://schemas.microsoft.com/office/drawing/2014/main" xmlns="" id="{8873AD17-49A9-1372-BEA3-994BB76CBDE8}"/>
+                <a16:creationId xmlns:a16="http://schemas.microsoft.com/office/drawing/2014/main" id="{8873AD17-49A9-1372-BEA3-994BB76CBDE8}"/>
               </a:ext>
             </a:extLst>
           </p:cNvPr>
@@ -23810,16 +23252,12 @@
           <a:p>
             <a:pPr algn="ctr"/>
             <a:r>
-              <a:rPr lang="en-US" dirty="0" smtClean="0">
+              <a:rPr lang="en-US" dirty="0">
                 <a:latin typeface="Times New Roman" pitchFamily="18" charset="0"/>
                 <a:cs typeface="Times New Roman" pitchFamily="18" charset="0"/>
               </a:rPr>
               <a:t>Electric Pitch Control System</a:t>
             </a:r>
-            <a:endParaRPr lang="en-US" dirty="0">
-              <a:latin typeface="Times New Roman" pitchFamily="18" charset="0"/>
-              <a:cs typeface="Times New Roman" pitchFamily="18" charset="0"/>
-            </a:endParaRPr>
           </a:p>
         </p:txBody>
       </p:sp>
@@ -23853,11 +23291,11 @@
               <a:buChar char="ü"/>
             </a:pPr>
             <a:r>
-              <a:rPr lang="en-US" dirty="0" smtClean="0"/>
+              <a:rPr lang="en-US" dirty="0"/>
               <a:t> </a:t>
             </a:r>
             <a:r>
-              <a:rPr lang="en-IN" sz="2400" dirty="0" smtClean="0">
+              <a:rPr lang="en-IN" sz="2400" dirty="0">
                 <a:latin typeface="Times New Roman" pitchFamily="18" charset="0"/>
                 <a:cs typeface="Times New Roman" pitchFamily="18" charset="0"/>
               </a:rPr>
@@ -23873,7 +23311,7 @@
               <a:buChar char="ü"/>
             </a:pPr>
             <a:r>
-              <a:rPr lang="en-IN" sz="2400" dirty="0" smtClean="0">
+              <a:rPr lang="en-IN" sz="2400" dirty="0">
                 <a:latin typeface="Times New Roman" pitchFamily="18" charset="0"/>
                 <a:cs typeface="Times New Roman" pitchFamily="18" charset="0"/>
               </a:rPr>
@@ -23889,7 +23327,7 @@
               <a:buChar char="ü"/>
             </a:pPr>
             <a:r>
-              <a:rPr lang="en-IN" sz="2400" dirty="0" smtClean="0">
+              <a:rPr lang="en-IN" sz="2400" dirty="0">
                 <a:latin typeface="Times New Roman" pitchFamily="18" charset="0"/>
                 <a:cs typeface="Times New Roman" pitchFamily="18" charset="0"/>
               </a:rPr>
@@ -23905,7 +23343,7 @@
               <a:buChar char="ü"/>
             </a:pPr>
             <a:r>
-              <a:rPr lang="en-IN" sz="2400" dirty="0" smtClean="0">
+              <a:rPr lang="en-IN" sz="2400" dirty="0">
                 <a:latin typeface="Times New Roman" pitchFamily="18" charset="0"/>
                 <a:cs typeface="Times New Roman" pitchFamily="18" charset="0"/>
               </a:rPr>
@@ -23922,7 +23360,7 @@
           <p:cNvPr id="14" name="Content Placeholder 11">
             <a:extLst>
               <a:ext uri="{FF2B5EF4-FFF2-40B4-BE49-F238E27FC236}">
-                <a16:creationId xmlns="" xmlns:a16="http://schemas.microsoft.com/office/drawing/2014/main" id="{75DCCE82-0E49-0EF1-8590-11428BD59843}"/>
+                <a16:creationId xmlns:a16="http://schemas.microsoft.com/office/drawing/2014/main" id="{75DCCE82-0E49-0EF1-8590-11428BD59843}"/>
               </a:ext>
             </a:extLst>
           </p:cNvPr>
@@ -23935,7 +23373,7 @@
           <a:blip r:embed="rId2">
             <a:extLst>
               <a:ext uri="{28A0092B-C50C-407E-A947-70E740481C1C}">
-                <a14:useLocalDpi xmlns="" xmlns:a14="http://schemas.microsoft.com/office/drawing/2010/main" val="0"/>
+                <a14:useLocalDpi xmlns:a14="http://schemas.microsoft.com/office/drawing/2010/main" val="0"/>
               </a:ext>
             </a:extLst>
           </a:blip>
@@ -23955,7 +23393,7 @@
     </p:spTree>
     <p:extLst>
       <p:ext uri="{BB962C8B-B14F-4D97-AF65-F5344CB8AC3E}">
-        <p14:creationId xmlns:p14="http://schemas.microsoft.com/office/powerpoint/2010/main" xmlns="" val="1106553756"/>
+        <p14:creationId xmlns:p14="http://schemas.microsoft.com/office/powerpoint/2010/main" val="1106553756"/>
       </p:ext>
     </p:extLst>
   </p:cSld>
@@ -23987,7 +23425,7 @@
           <p:cNvPr id="11" name="Free-form: Shape 13">
             <a:extLst>
               <a:ext uri="{FF2B5EF4-FFF2-40B4-BE49-F238E27FC236}">
-                <a16:creationId xmlns:a16="http://schemas.microsoft.com/office/drawing/2014/main" xmlns="" id="{727BC127-4545-D3CD-4862-C320531ABA9D}"/>
+                <a16:creationId xmlns:a16="http://schemas.microsoft.com/office/drawing/2014/main" id="{727BC127-4545-D3CD-4862-C320531ABA9D}"/>
               </a:ext>
             </a:extLst>
           </p:cNvPr>
@@ -24715,7 +24153,7 @@
           <p:cNvPr id="10" name="Free-form: Shape 13">
             <a:extLst>
               <a:ext uri="{FF2B5EF4-FFF2-40B4-BE49-F238E27FC236}">
-                <a16:creationId xmlns:a16="http://schemas.microsoft.com/office/drawing/2014/main" xmlns="" id="{5F9413CA-8E0D-B250-B31E-4AA68BA7D014}"/>
+                <a16:creationId xmlns:a16="http://schemas.microsoft.com/office/drawing/2014/main" id="{5F9413CA-8E0D-B250-B31E-4AA68BA7D014}"/>
               </a:ext>
             </a:extLst>
           </p:cNvPr>
@@ -25183,7 +24621,7 @@
           <p:cNvPr id="9" name="Free-form: Shape 13">
             <a:extLst>
               <a:ext uri="{FF2B5EF4-FFF2-40B4-BE49-F238E27FC236}">
-                <a16:creationId xmlns:a16="http://schemas.microsoft.com/office/drawing/2014/main" xmlns="" id="{87E5E9A3-5B8C-CBB5-88F6-FB4E956A66F7}"/>
+                <a16:creationId xmlns:a16="http://schemas.microsoft.com/office/drawing/2014/main" id="{87E5E9A3-5B8C-CBB5-88F6-FB4E956A66F7}"/>
               </a:ext>
             </a:extLst>
           </p:cNvPr>
@@ -25877,7 +25315,7 @@
           <p:cNvPr id="18" name="Rechteck 17">
             <a:extLst>
               <a:ext uri="{FF2B5EF4-FFF2-40B4-BE49-F238E27FC236}">
-                <a16:creationId xmlns:a16="http://schemas.microsoft.com/office/drawing/2014/main" xmlns="" id="{837C855E-F70E-F97A-5061-29D00BA11349}"/>
+                <a16:creationId xmlns:a16="http://schemas.microsoft.com/office/drawing/2014/main" id="{837C855E-F70E-F97A-5061-29D00BA11349}"/>
               </a:ext>
             </a:extLst>
           </p:cNvPr>
@@ -25931,7 +25369,7 @@
           <p:cNvPr id="5" name="Slide Number Placeholder 5">
             <a:extLst>
               <a:ext uri="{FF2B5EF4-FFF2-40B4-BE49-F238E27FC236}">
-                <a16:creationId xmlns:a16="http://schemas.microsoft.com/office/drawing/2014/main" xmlns="" id="{9E0AA001-DA32-5B78-E7F7-573800334952}"/>
+                <a16:creationId xmlns:a16="http://schemas.microsoft.com/office/drawing/2014/main" id="{9E0AA001-DA32-5B78-E7F7-573800334952}"/>
               </a:ext>
             </a:extLst>
           </p:cNvPr>
@@ -25974,7 +25412,7 @@
           <p:cNvPr id="6" name="Straight Connector 5">
             <a:extLst>
               <a:ext uri="{FF2B5EF4-FFF2-40B4-BE49-F238E27FC236}">
-                <a16:creationId xmlns:a16="http://schemas.microsoft.com/office/drawing/2014/main" xmlns="" id="{8873AD17-49A9-1372-BEA3-994BB76CBDE8}"/>
+                <a16:creationId xmlns:a16="http://schemas.microsoft.com/office/drawing/2014/main" id="{8873AD17-49A9-1372-BEA3-994BB76CBDE8}"/>
               </a:ext>
             </a:extLst>
           </p:cNvPr>
@@ -26034,16 +25472,12 @@
           <a:p>
             <a:pPr algn="ctr"/>
             <a:r>
-              <a:rPr lang="en-US" sz="3600" dirty="0" smtClean="0">
+              <a:rPr lang="en-US" sz="3600" dirty="0">
                 <a:latin typeface="Times New Roman" pitchFamily="18" charset="0"/>
                 <a:cs typeface="Times New Roman" pitchFamily="18" charset="0"/>
               </a:rPr>
               <a:t>Weighted Evaluation of Pitch Control Systems</a:t>
             </a:r>
-            <a:endParaRPr lang="en-US" sz="3600" dirty="0">
-              <a:latin typeface="Times New Roman" pitchFamily="18" charset="0"/>
-              <a:cs typeface="Times New Roman" pitchFamily="18" charset="0"/>
-            </a:endParaRPr>
           </a:p>
         </p:txBody>
       </p:sp>
@@ -26052,7 +25486,7 @@
           <p:cNvPr id="16" name="Table 6">
             <a:extLst>
               <a:ext uri="{FF2B5EF4-FFF2-40B4-BE49-F238E27FC236}">
-                <a16:creationId xmlns="" xmlns:a16="http://schemas.microsoft.com/office/drawing/2014/main" id="{303D42E1-1798-D2A0-57DD-CAB2DA3E9DFF}"/>
+                <a16:creationId xmlns:a16="http://schemas.microsoft.com/office/drawing/2014/main" id="{303D42E1-1798-D2A0-57DD-CAB2DA3E9DFF}"/>
               </a:ext>
             </a:extLst>
           </p:cNvPr>
@@ -26075,28 +25509,28 @@
                 <a:gridCol w="3132403">
                   <a:extLst>
                     <a:ext uri="{9D8B030D-6E8A-4147-A177-3AD203B41FA5}">
-                      <a16:colId xmlns="" xmlns:a16="http://schemas.microsoft.com/office/drawing/2014/main" val="1470351810"/>
+                      <a16:colId xmlns:a16="http://schemas.microsoft.com/office/drawing/2014/main" val="1470351810"/>
                     </a:ext>
                   </a:extLst>
                 </a:gridCol>
                 <a:gridCol w="2456355">
                   <a:extLst>
                     <a:ext uri="{9D8B030D-6E8A-4147-A177-3AD203B41FA5}">
-                      <a16:colId xmlns="" xmlns:a16="http://schemas.microsoft.com/office/drawing/2014/main" val="3803667913"/>
+                      <a16:colId xmlns:a16="http://schemas.microsoft.com/office/drawing/2014/main" val="3803667913"/>
                     </a:ext>
                   </a:extLst>
                 </a:gridCol>
                 <a:gridCol w="2794379">
                   <a:extLst>
                     <a:ext uri="{9D8B030D-6E8A-4147-A177-3AD203B41FA5}">
-                      <a16:colId xmlns="" xmlns:a16="http://schemas.microsoft.com/office/drawing/2014/main" val="916489921"/>
+                      <a16:colId xmlns:a16="http://schemas.microsoft.com/office/drawing/2014/main" val="916489921"/>
                     </a:ext>
                   </a:extLst>
                 </a:gridCol>
                 <a:gridCol w="2794379">
                   <a:extLst>
                     <a:ext uri="{9D8B030D-6E8A-4147-A177-3AD203B41FA5}">
-                      <a16:colId xmlns="" xmlns:a16="http://schemas.microsoft.com/office/drawing/2014/main" val="200369502"/>
+                      <a16:colId xmlns:a16="http://schemas.microsoft.com/office/drawing/2014/main" val="200369502"/>
                     </a:ext>
                   </a:extLst>
                 </a:gridCol>
@@ -26184,7 +25618,7 @@
                 </a:tc>
                 <a:extLst>
                   <a:ext uri="{0D108BD9-81ED-4DB2-BD59-A6C34878D82A}">
-                    <a16:rowId xmlns="" xmlns:a16="http://schemas.microsoft.com/office/drawing/2014/main" val="2545889111"/>
+                    <a16:rowId xmlns:a16="http://schemas.microsoft.com/office/drawing/2014/main" val="2545889111"/>
                   </a:ext>
                 </a:extLst>
               </a:tr>
@@ -26270,7 +25704,7 @@
                 </a:tc>
                 <a:extLst>
                   <a:ext uri="{0D108BD9-81ED-4DB2-BD59-A6C34878D82A}">
-                    <a16:rowId xmlns="" xmlns:a16="http://schemas.microsoft.com/office/drawing/2014/main" val="1851835849"/>
+                    <a16:rowId xmlns:a16="http://schemas.microsoft.com/office/drawing/2014/main" val="1851835849"/>
                   </a:ext>
                 </a:extLst>
               </a:tr>
@@ -26356,7 +25790,7 @@
                 </a:tc>
                 <a:extLst>
                   <a:ext uri="{0D108BD9-81ED-4DB2-BD59-A6C34878D82A}">
-                    <a16:rowId xmlns="" xmlns:a16="http://schemas.microsoft.com/office/drawing/2014/main" val="29911255"/>
+                    <a16:rowId xmlns:a16="http://schemas.microsoft.com/office/drawing/2014/main" val="29911255"/>
                   </a:ext>
                 </a:extLst>
               </a:tr>
@@ -26446,7 +25880,7 @@
                 </a:tc>
                 <a:extLst>
                   <a:ext uri="{0D108BD9-81ED-4DB2-BD59-A6C34878D82A}">
-                    <a16:rowId xmlns="" xmlns:a16="http://schemas.microsoft.com/office/drawing/2014/main" val="1284429537"/>
+                    <a16:rowId xmlns:a16="http://schemas.microsoft.com/office/drawing/2014/main" val="1284429537"/>
                   </a:ext>
                 </a:extLst>
               </a:tr>
@@ -26532,7 +25966,7 @@
                 </a:tc>
                 <a:extLst>
                   <a:ext uri="{0D108BD9-81ED-4DB2-BD59-A6C34878D82A}">
-                    <a16:rowId xmlns="" xmlns:a16="http://schemas.microsoft.com/office/drawing/2014/main" val="3692082089"/>
+                    <a16:rowId xmlns:a16="http://schemas.microsoft.com/office/drawing/2014/main" val="3692082089"/>
                   </a:ext>
                 </a:extLst>
               </a:tr>
@@ -26618,7 +26052,7 @@
                 </a:tc>
                 <a:extLst>
                   <a:ext uri="{0D108BD9-81ED-4DB2-BD59-A6C34878D82A}">
-                    <a16:rowId xmlns="" xmlns:a16="http://schemas.microsoft.com/office/drawing/2014/main" val="2778852196"/>
+                    <a16:rowId xmlns:a16="http://schemas.microsoft.com/office/drawing/2014/main" val="2778852196"/>
                   </a:ext>
                 </a:extLst>
               </a:tr>
@@ -26700,7 +26134,7 @@
                 </a:tc>
                 <a:extLst>
                   <a:ext uri="{0D108BD9-81ED-4DB2-BD59-A6C34878D82A}">
-                    <a16:rowId xmlns="" xmlns:a16="http://schemas.microsoft.com/office/drawing/2014/main" val="3545703645"/>
+                    <a16:rowId xmlns:a16="http://schemas.microsoft.com/office/drawing/2014/main" val="3545703645"/>
                   </a:ext>
                 </a:extLst>
               </a:tr>
@@ -26789,7 +26223,7 @@
                 </a:tc>
                 <a:extLst>
                   <a:ext uri="{0D108BD9-81ED-4DB2-BD59-A6C34878D82A}">
-                    <a16:rowId xmlns="" xmlns:a16="http://schemas.microsoft.com/office/drawing/2014/main" val="3621372408"/>
+                    <a16:rowId xmlns:a16="http://schemas.microsoft.com/office/drawing/2014/main" val="3621372408"/>
                   </a:ext>
                 </a:extLst>
               </a:tr>
@@ -26878,7 +26312,7 @@
                 </a:tc>
                 <a:extLst>
                   <a:ext uri="{0D108BD9-81ED-4DB2-BD59-A6C34878D82A}">
-                    <a16:rowId xmlns="" xmlns:a16="http://schemas.microsoft.com/office/drawing/2014/main" val="4106191053"/>
+                    <a16:rowId xmlns:a16="http://schemas.microsoft.com/office/drawing/2014/main" val="4106191053"/>
                   </a:ext>
                 </a:extLst>
               </a:tr>
@@ -26956,7 +26390,7 @@
                 </a:tc>
                 <a:extLst>
                   <a:ext uri="{0D108BD9-81ED-4DB2-BD59-A6C34878D82A}">
-                    <a16:rowId xmlns="" xmlns:a16="http://schemas.microsoft.com/office/drawing/2014/main" val="1607806277"/>
+                    <a16:rowId xmlns:a16="http://schemas.microsoft.com/office/drawing/2014/main" val="1607806277"/>
                   </a:ext>
                 </a:extLst>
               </a:tr>
@@ -26967,7 +26401,7 @@
     </p:spTree>
     <p:extLst>
       <p:ext uri="{BB962C8B-B14F-4D97-AF65-F5344CB8AC3E}">
-        <p14:creationId xmlns:p14="http://schemas.microsoft.com/office/powerpoint/2010/main" xmlns="" val="1106553756"/>
+        <p14:creationId xmlns:p14="http://schemas.microsoft.com/office/powerpoint/2010/main" val="1106553756"/>
       </p:ext>
     </p:extLst>
   </p:cSld>
@@ -26999,7 +26433,7 @@
           <p:cNvPr id="11" name="Free-form: Shape 13">
             <a:extLst>
               <a:ext uri="{FF2B5EF4-FFF2-40B4-BE49-F238E27FC236}">
-                <a16:creationId xmlns:a16="http://schemas.microsoft.com/office/drawing/2014/main" xmlns="" id="{727BC127-4545-D3CD-4862-C320531ABA9D}"/>
+                <a16:creationId xmlns:a16="http://schemas.microsoft.com/office/drawing/2014/main" id="{727BC127-4545-D3CD-4862-C320531ABA9D}"/>
               </a:ext>
             </a:extLst>
           </p:cNvPr>
@@ -27727,7 +27161,7 @@
           <p:cNvPr id="10" name="Free-form: Shape 13">
             <a:extLst>
               <a:ext uri="{FF2B5EF4-FFF2-40B4-BE49-F238E27FC236}">
-                <a16:creationId xmlns:a16="http://schemas.microsoft.com/office/drawing/2014/main" xmlns="" id="{5F9413CA-8E0D-B250-B31E-4AA68BA7D014}"/>
+                <a16:creationId xmlns:a16="http://schemas.microsoft.com/office/drawing/2014/main" id="{5F9413CA-8E0D-B250-B31E-4AA68BA7D014}"/>
               </a:ext>
             </a:extLst>
           </p:cNvPr>
@@ -28195,7 +27629,7 @@
           <p:cNvPr id="9" name="Free-form: Shape 13">
             <a:extLst>
               <a:ext uri="{FF2B5EF4-FFF2-40B4-BE49-F238E27FC236}">
-                <a16:creationId xmlns:a16="http://schemas.microsoft.com/office/drawing/2014/main" xmlns="" id="{87E5E9A3-5B8C-CBB5-88F6-FB4E956A66F7}"/>
+                <a16:creationId xmlns:a16="http://schemas.microsoft.com/office/drawing/2014/main" id="{87E5E9A3-5B8C-CBB5-88F6-FB4E956A66F7}"/>
               </a:ext>
             </a:extLst>
           </p:cNvPr>
@@ -28889,7 +28323,7 @@
           <p:cNvPr id="18" name="Rechteck 17">
             <a:extLst>
               <a:ext uri="{FF2B5EF4-FFF2-40B4-BE49-F238E27FC236}">
-                <a16:creationId xmlns:a16="http://schemas.microsoft.com/office/drawing/2014/main" xmlns="" id="{837C855E-F70E-F97A-5061-29D00BA11349}"/>
+                <a16:creationId xmlns:a16="http://schemas.microsoft.com/office/drawing/2014/main" id="{837C855E-F70E-F97A-5061-29D00BA11349}"/>
               </a:ext>
             </a:extLst>
           </p:cNvPr>
@@ -28943,7 +28377,7 @@
           <p:cNvPr id="5" name="Slide Number Placeholder 5">
             <a:extLst>
               <a:ext uri="{FF2B5EF4-FFF2-40B4-BE49-F238E27FC236}">
-                <a16:creationId xmlns:a16="http://schemas.microsoft.com/office/drawing/2014/main" xmlns="" id="{9E0AA001-DA32-5B78-E7F7-573800334952}"/>
+                <a16:creationId xmlns:a16="http://schemas.microsoft.com/office/drawing/2014/main" id="{9E0AA001-DA32-5B78-E7F7-573800334952}"/>
               </a:ext>
             </a:extLst>
           </p:cNvPr>
@@ -28986,7 +28420,7 @@
           <p:cNvPr id="6" name="Straight Connector 5">
             <a:extLst>
               <a:ext uri="{FF2B5EF4-FFF2-40B4-BE49-F238E27FC236}">
-                <a16:creationId xmlns:a16="http://schemas.microsoft.com/office/drawing/2014/main" xmlns="" id="{8873AD17-49A9-1372-BEA3-994BB76CBDE8}"/>
+                <a16:creationId xmlns:a16="http://schemas.microsoft.com/office/drawing/2014/main" id="{8873AD17-49A9-1372-BEA3-994BB76CBDE8}"/>
               </a:ext>
             </a:extLst>
           </p:cNvPr>
@@ -29044,7 +28478,7 @@
           <a:p>
             <a:pPr algn="ctr"/>
             <a:r>
-              <a:rPr lang="en-IN" dirty="0" smtClean="0">
+              <a:rPr lang="en-IN" dirty="0">
                 <a:latin typeface="Times New Roman" pitchFamily="18" charset="0"/>
                 <a:cs typeface="Times New Roman" pitchFamily="18" charset="0"/>
               </a:rPr>
@@ -29062,7 +28496,7 @@
           <p:cNvPr id="15" name="Content Placeholder 2">
             <a:extLst>
               <a:ext uri="{FF2B5EF4-FFF2-40B4-BE49-F238E27FC236}">
-                <a16:creationId xmlns="" xmlns:a16="http://schemas.microsoft.com/office/drawing/2014/main" id="{A3408307-6A20-847A-C2CF-FA08F5A1FED6}"/>
+                <a16:creationId xmlns:a16="http://schemas.microsoft.com/office/drawing/2014/main" id="{A3408307-6A20-847A-C2CF-FA08F5A1FED6}"/>
               </a:ext>
             </a:extLst>
           </p:cNvPr>
@@ -29145,21 +28579,7 @@
                 <a:latin typeface="Times New Roman" pitchFamily="18" charset="0"/>
                 <a:cs typeface="Times New Roman" pitchFamily="18" charset="0"/>
               </a:rPr>
-              <a:t>Handles high ambient </a:t>
-            </a:r>
-            <a:r>
-              <a:rPr lang="en-IN" sz="2400" dirty="0" smtClean="0">
-                <a:latin typeface="Times New Roman" pitchFamily="18" charset="0"/>
-                <a:cs typeface="Times New Roman" pitchFamily="18" charset="0"/>
-              </a:rPr>
-              <a:t>temperatures </a:t>
-            </a:r>
-            <a:r>
-              <a:rPr lang="en-IN" sz="2400" dirty="0">
-                <a:latin typeface="Times New Roman" pitchFamily="18" charset="0"/>
-                <a:cs typeface="Times New Roman" pitchFamily="18" charset="0"/>
-              </a:rPr>
-              <a:t>and dust reliably with IP-rated enclosures</a:t>
+              <a:t>Handles high ambient temperatures and dust reliably with IP-rated enclosures</a:t>
             </a:r>
           </a:p>
         </p:txBody>
@@ -29167,7 +28587,7 @@
     </p:spTree>
     <p:extLst>
       <p:ext uri="{BB962C8B-B14F-4D97-AF65-F5344CB8AC3E}">
-        <p14:creationId xmlns:p14="http://schemas.microsoft.com/office/powerpoint/2010/main" xmlns="" val="1106553756"/>
+        <p14:creationId xmlns:p14="http://schemas.microsoft.com/office/powerpoint/2010/main" val="1106553756"/>
       </p:ext>
     </p:extLst>
   </p:cSld>
@@ -29199,7 +28619,7 @@
           <p:cNvPr id="11" name="Free-form: Shape 13">
             <a:extLst>
               <a:ext uri="{FF2B5EF4-FFF2-40B4-BE49-F238E27FC236}">
-                <a16:creationId xmlns:a16="http://schemas.microsoft.com/office/drawing/2014/main" xmlns="" id="{727BC127-4545-D3CD-4862-C320531ABA9D}"/>
+                <a16:creationId xmlns:a16="http://schemas.microsoft.com/office/drawing/2014/main" id="{727BC127-4545-D3CD-4862-C320531ABA9D}"/>
               </a:ext>
             </a:extLst>
           </p:cNvPr>
@@ -29927,7 +29347,7 @@
           <p:cNvPr id="10" name="Free-form: Shape 13">
             <a:extLst>
               <a:ext uri="{FF2B5EF4-FFF2-40B4-BE49-F238E27FC236}">
-                <a16:creationId xmlns:a16="http://schemas.microsoft.com/office/drawing/2014/main" xmlns="" id="{5F9413CA-8E0D-B250-B31E-4AA68BA7D014}"/>
+                <a16:creationId xmlns:a16="http://schemas.microsoft.com/office/drawing/2014/main" id="{5F9413CA-8E0D-B250-B31E-4AA68BA7D014}"/>
               </a:ext>
             </a:extLst>
           </p:cNvPr>
@@ -30395,7 +29815,7 @@
           <p:cNvPr id="9" name="Free-form: Shape 13">
             <a:extLst>
               <a:ext uri="{FF2B5EF4-FFF2-40B4-BE49-F238E27FC236}">
-                <a16:creationId xmlns:a16="http://schemas.microsoft.com/office/drawing/2014/main" xmlns="" id="{87E5E9A3-5B8C-CBB5-88F6-FB4E956A66F7}"/>
+                <a16:creationId xmlns:a16="http://schemas.microsoft.com/office/drawing/2014/main" id="{87E5E9A3-5B8C-CBB5-88F6-FB4E956A66F7}"/>
               </a:ext>
             </a:extLst>
           </p:cNvPr>
@@ -31089,7 +30509,7 @@
           <p:cNvPr id="18" name="Rechteck 17">
             <a:extLst>
               <a:ext uri="{FF2B5EF4-FFF2-40B4-BE49-F238E27FC236}">
-                <a16:creationId xmlns:a16="http://schemas.microsoft.com/office/drawing/2014/main" xmlns="" id="{837C855E-F70E-F97A-5061-29D00BA11349}"/>
+                <a16:creationId xmlns:a16="http://schemas.microsoft.com/office/drawing/2014/main" id="{837C855E-F70E-F97A-5061-29D00BA11349}"/>
               </a:ext>
             </a:extLst>
           </p:cNvPr>
@@ -31143,7 +30563,7 @@
           <p:cNvPr id="5" name="Slide Number Placeholder 5">
             <a:extLst>
               <a:ext uri="{FF2B5EF4-FFF2-40B4-BE49-F238E27FC236}">
-                <a16:creationId xmlns:a16="http://schemas.microsoft.com/office/drawing/2014/main" xmlns="" id="{9E0AA001-DA32-5B78-E7F7-573800334952}"/>
+                <a16:creationId xmlns:a16="http://schemas.microsoft.com/office/drawing/2014/main" id="{9E0AA001-DA32-5B78-E7F7-573800334952}"/>
               </a:ext>
             </a:extLst>
           </p:cNvPr>
@@ -31186,7 +30606,7 @@
           <p:cNvPr id="6" name="Straight Connector 5">
             <a:extLst>
               <a:ext uri="{FF2B5EF4-FFF2-40B4-BE49-F238E27FC236}">
-                <a16:creationId xmlns:a16="http://schemas.microsoft.com/office/drawing/2014/main" xmlns="" id="{8873AD17-49A9-1372-BEA3-994BB76CBDE8}"/>
+                <a16:creationId xmlns:a16="http://schemas.microsoft.com/office/drawing/2014/main" id="{8873AD17-49A9-1372-BEA3-994BB76CBDE8}"/>
               </a:ext>
             </a:extLst>
           </p:cNvPr>
@@ -31244,16 +30664,12 @@
           <a:p>
             <a:pPr algn="ctr"/>
             <a:r>
-              <a:rPr lang="en-US" dirty="0" smtClean="0">
+              <a:rPr lang="en-US" dirty="0">
                 <a:latin typeface="Times New Roman" pitchFamily="18" charset="0"/>
                 <a:cs typeface="Times New Roman" pitchFamily="18" charset="0"/>
               </a:rPr>
               <a:t>List of parts</a:t>
             </a:r>
-            <a:endParaRPr lang="en-US" dirty="0">
-              <a:latin typeface="Times New Roman" pitchFamily="18" charset="0"/>
-              <a:cs typeface="Times New Roman" pitchFamily="18" charset="0"/>
-            </a:endParaRPr>
           </a:p>
         </p:txBody>
       </p:sp>
@@ -31284,7 +30700,7 @@
               <a:buAutoNum type="arabicPeriod"/>
             </a:pPr>
             <a:r>
-              <a:rPr lang="en-US" sz="3100" dirty="0" smtClean="0">
+              <a:rPr lang="en-US" sz="3100" dirty="0">
                 <a:latin typeface="Times New Roman" pitchFamily="18" charset="0"/>
                 <a:cs typeface="Times New Roman" pitchFamily="18" charset="0"/>
               </a:rPr>
@@ -31297,7 +30713,7 @@
               <a:buAutoNum type="arabicPeriod"/>
             </a:pPr>
             <a:r>
-              <a:rPr lang="en-US" sz="3100" dirty="0" smtClean="0">
+              <a:rPr lang="en-US" sz="3100" dirty="0">
                 <a:latin typeface="Times New Roman" pitchFamily="18" charset="0"/>
                 <a:cs typeface="Times New Roman" pitchFamily="18" charset="0"/>
               </a:rPr>
@@ -31310,7 +30726,7 @@
               <a:buAutoNum type="arabicPeriod"/>
             </a:pPr>
             <a:r>
-              <a:rPr lang="en-US" sz="3100" dirty="0" smtClean="0">
+              <a:rPr lang="en-US" sz="3100" dirty="0">
                 <a:latin typeface="Times New Roman" pitchFamily="18" charset="0"/>
                 <a:cs typeface="Times New Roman" pitchFamily="18" charset="0"/>
               </a:rPr>
@@ -31323,7 +30739,7 @@
               <a:buAutoNum type="arabicPeriod"/>
             </a:pPr>
             <a:r>
-              <a:rPr lang="en-US" sz="3100" dirty="0" smtClean="0">
+              <a:rPr lang="en-US" sz="3100" dirty="0">
                 <a:latin typeface="Times New Roman" pitchFamily="18" charset="0"/>
                 <a:cs typeface="Times New Roman" pitchFamily="18" charset="0"/>
               </a:rPr>
@@ -31336,7 +30752,7 @@
               <a:buAutoNum type="arabicPeriod"/>
             </a:pPr>
             <a:r>
-              <a:rPr lang="en-US" sz="3100" dirty="0" smtClean="0">
+              <a:rPr lang="en-US" sz="3100" dirty="0">
                 <a:latin typeface="Times New Roman" pitchFamily="18" charset="0"/>
                 <a:cs typeface="Times New Roman" pitchFamily="18" charset="0"/>
               </a:rPr>
@@ -31349,7 +30765,7 @@
               <a:buAutoNum type="arabicPeriod"/>
             </a:pPr>
             <a:r>
-              <a:rPr lang="en-US" sz="3100" dirty="0" smtClean="0">
+              <a:rPr lang="en-US" sz="3100" dirty="0">
                 <a:latin typeface="Times New Roman" pitchFamily="18" charset="0"/>
                 <a:cs typeface="Times New Roman" pitchFamily="18" charset="0"/>
               </a:rPr>
@@ -31362,7 +30778,7 @@
               <a:buAutoNum type="arabicPeriod"/>
             </a:pPr>
             <a:r>
-              <a:rPr lang="en-US" sz="3100" dirty="0" smtClean="0">
+              <a:rPr lang="en-US" sz="3100" dirty="0">
                 <a:latin typeface="Times New Roman" pitchFamily="18" charset="0"/>
                 <a:cs typeface="Times New Roman" pitchFamily="18" charset="0"/>
               </a:rPr>
@@ -31375,7 +30791,7 @@
               <a:buAutoNum type="arabicPeriod"/>
             </a:pPr>
             <a:r>
-              <a:rPr lang="en-US" sz="3100" dirty="0" smtClean="0">
+              <a:rPr lang="en-US" sz="3100" dirty="0">
                 <a:latin typeface="Times New Roman" pitchFamily="18" charset="0"/>
                 <a:cs typeface="Times New Roman" pitchFamily="18" charset="0"/>
               </a:rPr>
@@ -31388,7 +30804,7 @@
               <a:buAutoNum type="arabicPeriod"/>
             </a:pPr>
             <a:r>
-              <a:rPr lang="en-US" sz="3100" dirty="0" smtClean="0">
+              <a:rPr lang="en-US" sz="3100" dirty="0">
                 <a:latin typeface="Times New Roman" pitchFamily="18" charset="0"/>
                 <a:cs typeface="Times New Roman" pitchFamily="18" charset="0"/>
               </a:rPr>
@@ -31401,7 +30817,7 @@
               <a:buAutoNum type="arabicPeriod"/>
             </a:pPr>
             <a:r>
-              <a:rPr lang="en-US" sz="3100" dirty="0" smtClean="0">
+              <a:rPr lang="en-US" sz="3100" dirty="0">
                 <a:latin typeface="Times New Roman" pitchFamily="18" charset="0"/>
                 <a:cs typeface="Times New Roman" pitchFamily="18" charset="0"/>
               </a:rPr>
@@ -31414,7 +30830,7 @@
               <a:buAutoNum type="arabicPeriod"/>
             </a:pPr>
             <a:r>
-              <a:rPr lang="en-US" sz="3100" dirty="0" smtClean="0">
+              <a:rPr lang="en-US" sz="3100" dirty="0">
                 <a:latin typeface="Times New Roman" pitchFamily="18" charset="0"/>
                 <a:cs typeface="Times New Roman" pitchFamily="18" charset="0"/>
               </a:rPr>
@@ -31427,7 +30843,7 @@
               <a:buAutoNum type="arabicPeriod"/>
             </a:pPr>
             <a:r>
-              <a:rPr lang="en-US" sz="3100" dirty="0" smtClean="0">
+              <a:rPr lang="en-US" sz="3100" dirty="0">
                 <a:latin typeface="Times New Roman" pitchFamily="18" charset="0"/>
                 <a:cs typeface="Times New Roman" pitchFamily="18" charset="0"/>
               </a:rPr>
@@ -31440,7 +30856,7 @@
               <a:buAutoNum type="arabicPeriod"/>
             </a:pPr>
             <a:r>
-              <a:rPr lang="en-US" sz="3100" dirty="0" smtClean="0">
+              <a:rPr lang="en-US" sz="3100" dirty="0">
                 <a:latin typeface="Times New Roman" pitchFamily="18" charset="0"/>
                 <a:cs typeface="Times New Roman" pitchFamily="18" charset="0"/>
               </a:rPr>
@@ -31452,14 +30868,14 @@
               <a:buFont typeface="+mj-lt"/>
               <a:buAutoNum type="arabicPeriod"/>
             </a:pPr>
-            <a:endParaRPr lang="en-US" dirty="0" smtClean="0"/>
+            <a:endParaRPr lang="en-US" dirty="0"/>
           </a:p>
         </p:txBody>
       </p:sp>
     </p:spTree>
     <p:extLst>
       <p:ext uri="{BB962C8B-B14F-4D97-AF65-F5344CB8AC3E}">
-        <p14:creationId xmlns:p14="http://schemas.microsoft.com/office/powerpoint/2010/main" xmlns="" val="1106553756"/>
+        <p14:creationId xmlns:p14="http://schemas.microsoft.com/office/powerpoint/2010/main" val="1106553756"/>
       </p:ext>
     </p:extLst>
   </p:cSld>
@@ -31778,7 +31194,7 @@
   <a:extraClrSchemeLst/>
   <a:extLst>
     <a:ext uri="{05A4C25C-085E-4340-85A3-A5531E510DB2}">
-      <thm15:themeFamily xmlns:thm15="http://schemas.microsoft.com/office/thememl/2012/main" xmlns="" name="Office Theme" id="{2E142A2C-CD16-42D6-873A-C26D2A0506FA}" vid="{1BDDFF52-6CD6-40A5-AB3C-68EB2F1E4D0A}"/>
+      <thm15:themeFamily xmlns:thm15="http://schemas.microsoft.com/office/thememl/2012/main" name="Office Theme" id="{2E142A2C-CD16-42D6-873A-C26D2A0506FA}" vid="{1BDDFF52-6CD6-40A5-AB3C-68EB2F1E4D0A}"/>
     </a:ext>
   </a:extLst>
 </a:theme>
@@ -32093,7 +31509,7 @@
   <a:extraClrSchemeLst/>
   <a:extLst>
     <a:ext uri="{05A4C25C-085E-4340-85A3-A5531E510DB2}">
-      <thm15:themeFamily xmlns:thm15="http://schemas.microsoft.com/office/thememl/2012/main" xmlns="" name="Office Theme" id="{2E142A2C-CD16-42D6-873A-C26D2A0506FA}" vid="{1BDDFF52-6CD6-40A5-AB3C-68EB2F1E4D0A}"/>
+      <thm15:themeFamily xmlns:thm15="http://schemas.microsoft.com/office/thememl/2012/main" name="Office Theme" id="{2E142A2C-CD16-42D6-873A-C26D2A0506FA}" vid="{1BDDFF52-6CD6-40A5-AB3C-68EB2F1E4D0A}"/>
     </a:ext>
   </a:extLst>
 </a:theme>
@@ -32408,7 +31824,7 @@
   <a:extraClrSchemeLst/>
   <a:extLst>
     <a:ext uri="{05A4C25C-085E-4340-85A3-A5531E510DB2}">
-      <thm15:themeFamily xmlns:thm15="http://schemas.microsoft.com/office/thememl/2012/main" xmlns="" name="Office Theme" id="{2E142A2C-CD16-42D6-873A-C26D2A0506FA}" vid="{1BDDFF52-6CD6-40A5-AB3C-68EB2F1E4D0A}"/>
+      <thm15:themeFamily xmlns:thm15="http://schemas.microsoft.com/office/thememl/2012/main" name="Office Theme" id="{2E142A2C-CD16-42D6-873A-C26D2A0506FA}" vid="{1BDDFF52-6CD6-40A5-AB3C-68EB2F1E4D0A}"/>
     </a:ext>
   </a:extLst>
 </a:theme>
